--- a/Presentations/Technical Presentation.pptx
+++ b/Presentations/Technical Presentation.pptx
@@ -5,16 +5,24 @@
     <p:sldMasterId id="2147483668" r:id="rId1"/>
   </p:sldMasterIdLst>
   <p:notesMasterIdLst>
-    <p:notesMasterId r:id="rId9"/>
+    <p:notesMasterId r:id="rId17"/>
   </p:notesMasterIdLst>
   <p:sldIdLst>
     <p:sldId id="256" r:id="rId2"/>
     <p:sldId id="257" r:id="rId3"/>
     <p:sldId id="258" r:id="rId4"/>
-    <p:sldId id="259" r:id="rId5"/>
-    <p:sldId id="260" r:id="rId6"/>
-    <p:sldId id="261" r:id="rId7"/>
-    <p:sldId id="262" r:id="rId8"/>
+    <p:sldId id="262" r:id="rId5"/>
+    <p:sldId id="263" r:id="rId6"/>
+    <p:sldId id="259" r:id="rId7"/>
+    <p:sldId id="260" r:id="rId8"/>
+    <p:sldId id="261" r:id="rId9"/>
+    <p:sldId id="264" r:id="rId10"/>
+    <p:sldId id="265" r:id="rId11"/>
+    <p:sldId id="266" r:id="rId12"/>
+    <p:sldId id="268" r:id="rId13"/>
+    <p:sldId id="267" r:id="rId14"/>
+    <p:sldId id="269" r:id="rId15"/>
+    <p:sldId id="270" r:id="rId16"/>
   </p:sldIdLst>
   <p:sldSz cx="12192000" cy="6858000"/>
   <p:notesSz cx="6858000" cy="9144000"/>
@@ -114,6 +122,3016 @@
     </a:lvl9pPr>
   </p:defaultTextStyle>
 </p:presentation>
+</file>
+
+<file path=ppt/diagrams/colors1.xml><?xml version="1.0" encoding="utf-8"?>
+<dgm:colorsDef xmlns:dgm="http://schemas.openxmlformats.org/drawingml/2006/diagram" xmlns:a="http://schemas.openxmlformats.org/drawingml/2006/main" uniqueId="urn:microsoft.com/office/officeart/2005/8/colors/accent1_2">
+  <dgm:title val=""/>
+  <dgm:desc val=""/>
+  <dgm:catLst>
+    <dgm:cat type="accent1" pri="11200"/>
+  </dgm:catLst>
+  <dgm:styleLbl name="node0">
+    <dgm:fillClrLst meth="repeat">
+      <a:schemeClr val="accent1"/>
+    </dgm:fillClrLst>
+    <dgm:linClrLst meth="repeat">
+      <a:schemeClr val="lt1"/>
+    </dgm:linClrLst>
+    <dgm:effectClrLst/>
+    <dgm:txLinClrLst/>
+    <dgm:txFillClrLst/>
+    <dgm:txEffectClrLst/>
+  </dgm:styleLbl>
+  <dgm:styleLbl name="alignNode1">
+    <dgm:fillClrLst meth="repeat">
+      <a:schemeClr val="accent1"/>
+    </dgm:fillClrLst>
+    <dgm:linClrLst meth="repeat">
+      <a:schemeClr val="accent1"/>
+    </dgm:linClrLst>
+    <dgm:effectClrLst/>
+    <dgm:txLinClrLst/>
+    <dgm:txFillClrLst/>
+    <dgm:txEffectClrLst/>
+  </dgm:styleLbl>
+  <dgm:styleLbl name="node1">
+    <dgm:fillClrLst meth="repeat">
+      <a:schemeClr val="accent1"/>
+    </dgm:fillClrLst>
+    <dgm:linClrLst meth="repeat">
+      <a:schemeClr val="lt1"/>
+    </dgm:linClrLst>
+    <dgm:effectClrLst/>
+    <dgm:txLinClrLst/>
+    <dgm:txFillClrLst/>
+    <dgm:txEffectClrLst/>
+  </dgm:styleLbl>
+  <dgm:styleLbl name="lnNode1">
+    <dgm:fillClrLst meth="repeat">
+      <a:schemeClr val="accent1"/>
+    </dgm:fillClrLst>
+    <dgm:linClrLst meth="repeat">
+      <a:schemeClr val="lt1"/>
+    </dgm:linClrLst>
+    <dgm:effectClrLst/>
+    <dgm:txLinClrLst/>
+    <dgm:txFillClrLst/>
+    <dgm:txEffectClrLst/>
+  </dgm:styleLbl>
+  <dgm:styleLbl name="vennNode1">
+    <dgm:fillClrLst meth="repeat">
+      <a:schemeClr val="accent1">
+        <a:alpha val="50000"/>
+      </a:schemeClr>
+    </dgm:fillClrLst>
+    <dgm:linClrLst meth="repeat">
+      <a:schemeClr val="lt1"/>
+    </dgm:linClrLst>
+    <dgm:effectClrLst/>
+    <dgm:txLinClrLst/>
+    <dgm:txFillClrLst/>
+    <dgm:txEffectClrLst/>
+  </dgm:styleLbl>
+  <dgm:styleLbl name="node2">
+    <dgm:fillClrLst meth="repeat">
+      <a:schemeClr val="accent1"/>
+    </dgm:fillClrLst>
+    <dgm:linClrLst meth="repeat">
+      <a:schemeClr val="lt1"/>
+    </dgm:linClrLst>
+    <dgm:effectClrLst/>
+    <dgm:txLinClrLst/>
+    <dgm:txFillClrLst/>
+    <dgm:txEffectClrLst/>
+  </dgm:styleLbl>
+  <dgm:styleLbl name="node3">
+    <dgm:fillClrLst meth="repeat">
+      <a:schemeClr val="accent1"/>
+    </dgm:fillClrLst>
+    <dgm:linClrLst meth="repeat">
+      <a:schemeClr val="lt1"/>
+    </dgm:linClrLst>
+    <dgm:effectClrLst/>
+    <dgm:txLinClrLst/>
+    <dgm:txFillClrLst/>
+    <dgm:txEffectClrLst/>
+  </dgm:styleLbl>
+  <dgm:styleLbl name="node4">
+    <dgm:fillClrLst meth="repeat">
+      <a:schemeClr val="accent1"/>
+    </dgm:fillClrLst>
+    <dgm:linClrLst meth="repeat">
+      <a:schemeClr val="lt1"/>
+    </dgm:linClrLst>
+    <dgm:effectClrLst/>
+    <dgm:txLinClrLst/>
+    <dgm:txFillClrLst/>
+    <dgm:txEffectClrLst/>
+  </dgm:styleLbl>
+  <dgm:styleLbl name="fgImgPlace1">
+    <dgm:fillClrLst meth="repeat">
+      <a:schemeClr val="accent1">
+        <a:tint val="50000"/>
+      </a:schemeClr>
+    </dgm:fillClrLst>
+    <dgm:linClrLst meth="repeat">
+      <a:schemeClr val="lt1"/>
+    </dgm:linClrLst>
+    <dgm:effectClrLst/>
+    <dgm:txLinClrLst/>
+    <dgm:txFillClrLst meth="repeat">
+      <a:schemeClr val="lt1"/>
+    </dgm:txFillClrLst>
+    <dgm:txEffectClrLst/>
+  </dgm:styleLbl>
+  <dgm:styleLbl name="alignImgPlace1">
+    <dgm:fillClrLst meth="repeat">
+      <a:schemeClr val="accent1">
+        <a:tint val="50000"/>
+      </a:schemeClr>
+    </dgm:fillClrLst>
+    <dgm:linClrLst meth="repeat">
+      <a:schemeClr val="lt1"/>
+    </dgm:linClrLst>
+    <dgm:effectClrLst/>
+    <dgm:txLinClrLst/>
+    <dgm:txFillClrLst meth="repeat">
+      <a:schemeClr val="lt1"/>
+    </dgm:txFillClrLst>
+    <dgm:txEffectClrLst/>
+  </dgm:styleLbl>
+  <dgm:styleLbl name="bgImgPlace1">
+    <dgm:fillClrLst meth="repeat">
+      <a:schemeClr val="accent1">
+        <a:tint val="50000"/>
+      </a:schemeClr>
+    </dgm:fillClrLst>
+    <dgm:linClrLst meth="repeat">
+      <a:schemeClr val="lt1"/>
+    </dgm:linClrLst>
+    <dgm:effectClrLst/>
+    <dgm:txLinClrLst/>
+    <dgm:txFillClrLst meth="repeat">
+      <a:schemeClr val="lt1"/>
+    </dgm:txFillClrLst>
+    <dgm:txEffectClrLst/>
+  </dgm:styleLbl>
+  <dgm:styleLbl name="sibTrans2D1">
+    <dgm:fillClrLst meth="repeat">
+      <a:schemeClr val="accent1">
+        <a:tint val="60000"/>
+      </a:schemeClr>
+    </dgm:fillClrLst>
+    <dgm:linClrLst meth="repeat">
+      <a:schemeClr val="accent1">
+        <a:tint val="60000"/>
+      </a:schemeClr>
+    </dgm:linClrLst>
+    <dgm:effectClrLst/>
+    <dgm:txLinClrLst/>
+    <dgm:txFillClrLst/>
+    <dgm:txEffectClrLst/>
+  </dgm:styleLbl>
+  <dgm:styleLbl name="fgSibTrans2D1">
+    <dgm:fillClrLst meth="repeat">
+      <a:schemeClr val="accent1">
+        <a:tint val="60000"/>
+      </a:schemeClr>
+    </dgm:fillClrLst>
+    <dgm:linClrLst meth="repeat">
+      <a:schemeClr val="accent1">
+        <a:tint val="60000"/>
+      </a:schemeClr>
+    </dgm:linClrLst>
+    <dgm:effectClrLst/>
+    <dgm:txLinClrLst/>
+    <dgm:txFillClrLst/>
+    <dgm:txEffectClrLst/>
+  </dgm:styleLbl>
+  <dgm:styleLbl name="bgSibTrans2D1">
+    <dgm:fillClrLst meth="repeat">
+      <a:schemeClr val="accent1">
+        <a:tint val="60000"/>
+      </a:schemeClr>
+    </dgm:fillClrLst>
+    <dgm:linClrLst meth="repeat">
+      <a:schemeClr val="accent1">
+        <a:tint val="60000"/>
+      </a:schemeClr>
+    </dgm:linClrLst>
+    <dgm:effectClrLst/>
+    <dgm:txLinClrLst/>
+    <dgm:txFillClrLst/>
+    <dgm:txEffectClrLst/>
+  </dgm:styleLbl>
+  <dgm:styleLbl name="sibTrans1D1">
+    <dgm:fillClrLst meth="repeat">
+      <a:schemeClr val="accent1"/>
+    </dgm:fillClrLst>
+    <dgm:linClrLst meth="repeat">
+      <a:schemeClr val="accent1"/>
+    </dgm:linClrLst>
+    <dgm:effectClrLst/>
+    <dgm:txLinClrLst/>
+    <dgm:txFillClrLst meth="repeat">
+      <a:schemeClr val="tx1"/>
+    </dgm:txFillClrLst>
+    <dgm:txEffectClrLst/>
+  </dgm:styleLbl>
+  <dgm:styleLbl name="callout">
+    <dgm:fillClrLst meth="repeat">
+      <a:schemeClr val="accent1"/>
+    </dgm:fillClrLst>
+    <dgm:linClrLst meth="repeat">
+      <a:schemeClr val="accent1">
+        <a:tint val="50000"/>
+      </a:schemeClr>
+    </dgm:linClrLst>
+    <dgm:effectClrLst/>
+    <dgm:txLinClrLst/>
+    <dgm:txFillClrLst meth="repeat">
+      <a:schemeClr val="tx1"/>
+    </dgm:txFillClrLst>
+    <dgm:txEffectClrLst/>
+  </dgm:styleLbl>
+  <dgm:styleLbl name="asst0">
+    <dgm:fillClrLst meth="repeat">
+      <a:schemeClr val="accent1"/>
+    </dgm:fillClrLst>
+    <dgm:linClrLst meth="repeat">
+      <a:schemeClr val="lt1"/>
+    </dgm:linClrLst>
+    <dgm:effectClrLst/>
+    <dgm:txLinClrLst/>
+    <dgm:txFillClrLst/>
+    <dgm:txEffectClrLst/>
+  </dgm:styleLbl>
+  <dgm:styleLbl name="asst1">
+    <dgm:fillClrLst meth="repeat">
+      <a:schemeClr val="accent1"/>
+    </dgm:fillClrLst>
+    <dgm:linClrLst meth="repeat">
+      <a:schemeClr val="lt1"/>
+    </dgm:linClrLst>
+    <dgm:effectClrLst/>
+    <dgm:txLinClrLst/>
+    <dgm:txFillClrLst/>
+    <dgm:txEffectClrLst/>
+  </dgm:styleLbl>
+  <dgm:styleLbl name="asst2">
+    <dgm:fillClrLst meth="repeat">
+      <a:schemeClr val="accent1"/>
+    </dgm:fillClrLst>
+    <dgm:linClrLst meth="repeat">
+      <a:schemeClr val="lt1"/>
+    </dgm:linClrLst>
+    <dgm:effectClrLst/>
+    <dgm:txLinClrLst/>
+    <dgm:txFillClrLst/>
+    <dgm:txEffectClrLst/>
+  </dgm:styleLbl>
+  <dgm:styleLbl name="asst3">
+    <dgm:fillClrLst meth="repeat">
+      <a:schemeClr val="accent1"/>
+    </dgm:fillClrLst>
+    <dgm:linClrLst meth="repeat">
+      <a:schemeClr val="lt1"/>
+    </dgm:linClrLst>
+    <dgm:effectClrLst/>
+    <dgm:txLinClrLst/>
+    <dgm:txFillClrLst/>
+    <dgm:txEffectClrLst/>
+  </dgm:styleLbl>
+  <dgm:styleLbl name="asst4">
+    <dgm:fillClrLst meth="repeat">
+      <a:schemeClr val="accent1"/>
+    </dgm:fillClrLst>
+    <dgm:linClrLst meth="repeat">
+      <a:schemeClr val="lt1"/>
+    </dgm:linClrLst>
+    <dgm:effectClrLst/>
+    <dgm:txLinClrLst/>
+    <dgm:txFillClrLst/>
+    <dgm:txEffectClrLst/>
+  </dgm:styleLbl>
+  <dgm:styleLbl name="parChTrans2D1">
+    <dgm:fillClrLst meth="repeat">
+      <a:schemeClr val="accent1">
+        <a:tint val="60000"/>
+      </a:schemeClr>
+    </dgm:fillClrLst>
+    <dgm:linClrLst meth="repeat">
+      <a:schemeClr val="accent1">
+        <a:tint val="60000"/>
+      </a:schemeClr>
+    </dgm:linClrLst>
+    <dgm:effectClrLst/>
+    <dgm:txLinClrLst/>
+    <dgm:txFillClrLst meth="repeat">
+      <a:schemeClr val="lt1"/>
+    </dgm:txFillClrLst>
+    <dgm:txEffectClrLst/>
+  </dgm:styleLbl>
+  <dgm:styleLbl name="parChTrans2D2">
+    <dgm:fillClrLst meth="repeat">
+      <a:schemeClr val="accent1"/>
+    </dgm:fillClrLst>
+    <dgm:linClrLst meth="repeat">
+      <a:schemeClr val="accent1"/>
+    </dgm:linClrLst>
+    <dgm:effectClrLst/>
+    <dgm:txLinClrLst/>
+    <dgm:txFillClrLst meth="repeat">
+      <a:schemeClr val="lt1"/>
+    </dgm:txFillClrLst>
+    <dgm:txEffectClrLst/>
+  </dgm:styleLbl>
+  <dgm:styleLbl name="parChTrans2D3">
+    <dgm:fillClrLst meth="repeat">
+      <a:schemeClr val="accent1"/>
+    </dgm:fillClrLst>
+    <dgm:linClrLst meth="repeat">
+      <a:schemeClr val="accent1"/>
+    </dgm:linClrLst>
+    <dgm:effectClrLst/>
+    <dgm:txLinClrLst/>
+    <dgm:txFillClrLst meth="repeat">
+      <a:schemeClr val="lt1"/>
+    </dgm:txFillClrLst>
+    <dgm:txEffectClrLst/>
+  </dgm:styleLbl>
+  <dgm:styleLbl name="parChTrans2D4">
+    <dgm:fillClrLst meth="repeat">
+      <a:schemeClr val="accent1"/>
+    </dgm:fillClrLst>
+    <dgm:linClrLst meth="repeat">
+      <a:schemeClr val="accent1"/>
+    </dgm:linClrLst>
+    <dgm:effectClrLst/>
+    <dgm:txLinClrLst/>
+    <dgm:txFillClrLst meth="repeat">
+      <a:schemeClr val="lt1"/>
+    </dgm:txFillClrLst>
+    <dgm:txEffectClrLst/>
+  </dgm:styleLbl>
+  <dgm:styleLbl name="parChTrans1D1">
+    <dgm:fillClrLst meth="repeat">
+      <a:schemeClr val="accent1"/>
+    </dgm:fillClrLst>
+    <dgm:linClrLst meth="repeat">
+      <a:schemeClr val="accent1">
+        <a:shade val="60000"/>
+      </a:schemeClr>
+    </dgm:linClrLst>
+    <dgm:effectClrLst/>
+    <dgm:txLinClrLst/>
+    <dgm:txFillClrLst meth="repeat">
+      <a:schemeClr val="tx1"/>
+    </dgm:txFillClrLst>
+    <dgm:txEffectClrLst/>
+  </dgm:styleLbl>
+  <dgm:styleLbl name="parChTrans1D2">
+    <dgm:fillClrLst meth="repeat">
+      <a:schemeClr val="accent1"/>
+    </dgm:fillClrLst>
+    <dgm:linClrLst meth="repeat">
+      <a:schemeClr val="accent1">
+        <a:shade val="60000"/>
+      </a:schemeClr>
+    </dgm:linClrLst>
+    <dgm:effectClrLst/>
+    <dgm:txLinClrLst/>
+    <dgm:txFillClrLst meth="repeat">
+      <a:schemeClr val="tx1"/>
+    </dgm:txFillClrLst>
+    <dgm:txEffectClrLst/>
+  </dgm:styleLbl>
+  <dgm:styleLbl name="parChTrans1D3">
+    <dgm:fillClrLst meth="repeat">
+      <a:schemeClr val="accent1"/>
+    </dgm:fillClrLst>
+    <dgm:linClrLst meth="repeat">
+      <a:schemeClr val="accent1">
+        <a:shade val="80000"/>
+      </a:schemeClr>
+    </dgm:linClrLst>
+    <dgm:effectClrLst/>
+    <dgm:txLinClrLst/>
+    <dgm:txFillClrLst meth="repeat">
+      <a:schemeClr val="tx1"/>
+    </dgm:txFillClrLst>
+    <dgm:txEffectClrLst/>
+  </dgm:styleLbl>
+  <dgm:styleLbl name="parChTrans1D4">
+    <dgm:fillClrLst meth="repeat">
+      <a:schemeClr val="accent1"/>
+    </dgm:fillClrLst>
+    <dgm:linClrLst meth="repeat">
+      <a:schemeClr val="accent1">
+        <a:shade val="80000"/>
+      </a:schemeClr>
+    </dgm:linClrLst>
+    <dgm:effectClrLst/>
+    <dgm:txLinClrLst/>
+    <dgm:txFillClrLst meth="repeat">
+      <a:schemeClr val="tx1"/>
+    </dgm:txFillClrLst>
+    <dgm:txEffectClrLst/>
+  </dgm:styleLbl>
+  <dgm:styleLbl name="fgAcc1">
+    <dgm:fillClrLst meth="repeat">
+      <a:schemeClr val="lt1">
+        <a:alpha val="90000"/>
+      </a:schemeClr>
+    </dgm:fillClrLst>
+    <dgm:linClrLst meth="repeat">
+      <a:schemeClr val="accent1"/>
+    </dgm:linClrLst>
+    <dgm:effectClrLst/>
+    <dgm:txLinClrLst/>
+    <dgm:txFillClrLst meth="repeat">
+      <a:schemeClr val="dk1"/>
+    </dgm:txFillClrLst>
+    <dgm:txEffectClrLst/>
+  </dgm:styleLbl>
+  <dgm:styleLbl name="conFgAcc1">
+    <dgm:fillClrLst meth="repeat">
+      <a:schemeClr val="lt1">
+        <a:alpha val="90000"/>
+      </a:schemeClr>
+    </dgm:fillClrLst>
+    <dgm:linClrLst meth="repeat">
+      <a:schemeClr val="accent1"/>
+    </dgm:linClrLst>
+    <dgm:effectClrLst/>
+    <dgm:txLinClrLst/>
+    <dgm:txFillClrLst meth="repeat">
+      <a:schemeClr val="dk1"/>
+    </dgm:txFillClrLst>
+    <dgm:txEffectClrLst/>
+  </dgm:styleLbl>
+  <dgm:styleLbl name="alignAcc1">
+    <dgm:fillClrLst meth="repeat">
+      <a:schemeClr val="lt1">
+        <a:alpha val="90000"/>
+      </a:schemeClr>
+    </dgm:fillClrLst>
+    <dgm:linClrLst meth="repeat">
+      <a:schemeClr val="accent1"/>
+    </dgm:linClrLst>
+    <dgm:effectClrLst/>
+    <dgm:txLinClrLst/>
+    <dgm:txFillClrLst meth="repeat">
+      <a:schemeClr val="dk1"/>
+    </dgm:txFillClrLst>
+    <dgm:txEffectClrLst/>
+  </dgm:styleLbl>
+  <dgm:styleLbl name="trAlignAcc1">
+    <dgm:fillClrLst meth="repeat">
+      <a:schemeClr val="lt1">
+        <a:alpha val="40000"/>
+      </a:schemeClr>
+    </dgm:fillClrLst>
+    <dgm:linClrLst meth="repeat">
+      <a:schemeClr val="accent1"/>
+    </dgm:linClrLst>
+    <dgm:effectClrLst/>
+    <dgm:txLinClrLst/>
+    <dgm:txFillClrLst meth="repeat">
+      <a:schemeClr val="dk1"/>
+    </dgm:txFillClrLst>
+    <dgm:txEffectClrLst/>
+  </dgm:styleLbl>
+  <dgm:styleLbl name="bgAcc1">
+    <dgm:fillClrLst meth="repeat">
+      <a:schemeClr val="lt1">
+        <a:alpha val="90000"/>
+      </a:schemeClr>
+    </dgm:fillClrLst>
+    <dgm:linClrLst meth="repeat">
+      <a:schemeClr val="accent1"/>
+    </dgm:linClrLst>
+    <dgm:effectClrLst/>
+    <dgm:txLinClrLst/>
+    <dgm:txFillClrLst meth="repeat">
+      <a:schemeClr val="dk1"/>
+    </dgm:txFillClrLst>
+    <dgm:txEffectClrLst/>
+  </dgm:styleLbl>
+  <dgm:styleLbl name="solidFgAcc1">
+    <dgm:fillClrLst meth="repeat">
+      <a:schemeClr val="lt1"/>
+    </dgm:fillClrLst>
+    <dgm:linClrLst meth="repeat">
+      <a:schemeClr val="accent1"/>
+    </dgm:linClrLst>
+    <dgm:effectClrLst/>
+    <dgm:txLinClrLst/>
+    <dgm:txFillClrLst meth="repeat">
+      <a:schemeClr val="dk1"/>
+    </dgm:txFillClrLst>
+    <dgm:txEffectClrLst/>
+  </dgm:styleLbl>
+  <dgm:styleLbl name="solidAlignAcc1">
+    <dgm:fillClrLst meth="repeat">
+      <a:schemeClr val="lt1"/>
+    </dgm:fillClrLst>
+    <dgm:linClrLst meth="repeat">
+      <a:schemeClr val="accent1"/>
+    </dgm:linClrLst>
+    <dgm:effectClrLst/>
+    <dgm:txLinClrLst/>
+    <dgm:txFillClrLst meth="repeat">
+      <a:schemeClr val="dk1"/>
+    </dgm:txFillClrLst>
+    <dgm:txEffectClrLst/>
+  </dgm:styleLbl>
+  <dgm:styleLbl name="solidBgAcc1">
+    <dgm:fillClrLst meth="repeat">
+      <a:schemeClr val="lt1"/>
+    </dgm:fillClrLst>
+    <dgm:linClrLst meth="repeat">
+      <a:schemeClr val="accent1"/>
+    </dgm:linClrLst>
+    <dgm:effectClrLst/>
+    <dgm:txLinClrLst/>
+    <dgm:txFillClrLst meth="repeat">
+      <a:schemeClr val="dk1"/>
+    </dgm:txFillClrLst>
+    <dgm:txEffectClrLst/>
+  </dgm:styleLbl>
+  <dgm:styleLbl name="fgAccFollowNode1">
+    <dgm:fillClrLst meth="repeat">
+      <a:schemeClr val="accent1">
+        <a:alpha val="90000"/>
+        <a:tint val="40000"/>
+      </a:schemeClr>
+    </dgm:fillClrLst>
+    <dgm:linClrLst meth="repeat">
+      <a:schemeClr val="accent1">
+        <a:alpha val="90000"/>
+        <a:tint val="40000"/>
+      </a:schemeClr>
+    </dgm:linClrLst>
+    <dgm:effectClrLst/>
+    <dgm:txLinClrLst/>
+    <dgm:txFillClrLst meth="repeat">
+      <a:schemeClr val="dk1"/>
+    </dgm:txFillClrLst>
+    <dgm:txEffectClrLst/>
+  </dgm:styleLbl>
+  <dgm:styleLbl name="alignAccFollowNode1">
+    <dgm:fillClrLst meth="repeat">
+      <a:schemeClr val="accent1">
+        <a:alpha val="90000"/>
+        <a:tint val="40000"/>
+      </a:schemeClr>
+    </dgm:fillClrLst>
+    <dgm:linClrLst meth="repeat">
+      <a:schemeClr val="accent1">
+        <a:alpha val="90000"/>
+        <a:tint val="40000"/>
+      </a:schemeClr>
+    </dgm:linClrLst>
+    <dgm:effectClrLst/>
+    <dgm:txLinClrLst/>
+    <dgm:txFillClrLst meth="repeat">
+      <a:schemeClr val="dk1"/>
+    </dgm:txFillClrLst>
+    <dgm:txEffectClrLst/>
+  </dgm:styleLbl>
+  <dgm:styleLbl name="bgAccFollowNode1">
+    <dgm:fillClrLst meth="repeat">
+      <a:schemeClr val="accent1">
+        <a:alpha val="90000"/>
+        <a:tint val="40000"/>
+      </a:schemeClr>
+    </dgm:fillClrLst>
+    <dgm:linClrLst meth="repeat">
+      <a:schemeClr val="accent1">
+        <a:alpha val="90000"/>
+        <a:tint val="40000"/>
+      </a:schemeClr>
+    </dgm:linClrLst>
+    <dgm:effectClrLst/>
+    <dgm:txLinClrLst/>
+    <dgm:txFillClrLst meth="repeat">
+      <a:schemeClr val="dk1"/>
+    </dgm:txFillClrLst>
+    <dgm:txEffectClrLst/>
+  </dgm:styleLbl>
+  <dgm:styleLbl name="fgAcc0">
+    <dgm:fillClrLst meth="repeat">
+      <a:schemeClr val="lt1">
+        <a:alpha val="90000"/>
+      </a:schemeClr>
+    </dgm:fillClrLst>
+    <dgm:linClrLst meth="repeat">
+      <a:schemeClr val="accent1"/>
+    </dgm:linClrLst>
+    <dgm:effectClrLst/>
+    <dgm:txLinClrLst/>
+    <dgm:txFillClrLst meth="repeat">
+      <a:schemeClr val="dk1"/>
+    </dgm:txFillClrLst>
+    <dgm:txEffectClrLst/>
+  </dgm:styleLbl>
+  <dgm:styleLbl name="fgAcc2">
+    <dgm:fillClrLst meth="repeat">
+      <a:schemeClr val="lt1">
+        <a:alpha val="90000"/>
+      </a:schemeClr>
+    </dgm:fillClrLst>
+    <dgm:linClrLst meth="repeat">
+      <a:schemeClr val="accent1"/>
+    </dgm:linClrLst>
+    <dgm:effectClrLst/>
+    <dgm:txLinClrLst/>
+    <dgm:txFillClrLst meth="repeat">
+      <a:schemeClr val="dk1"/>
+    </dgm:txFillClrLst>
+    <dgm:txEffectClrLst/>
+  </dgm:styleLbl>
+  <dgm:styleLbl name="fgAcc3">
+    <dgm:fillClrLst meth="repeat">
+      <a:schemeClr val="lt1">
+        <a:alpha val="90000"/>
+      </a:schemeClr>
+    </dgm:fillClrLst>
+    <dgm:linClrLst meth="repeat">
+      <a:schemeClr val="accent1"/>
+    </dgm:linClrLst>
+    <dgm:effectClrLst/>
+    <dgm:txLinClrLst/>
+    <dgm:txFillClrLst meth="repeat">
+      <a:schemeClr val="dk1"/>
+    </dgm:txFillClrLst>
+    <dgm:txEffectClrLst/>
+  </dgm:styleLbl>
+  <dgm:styleLbl name="fgAcc4">
+    <dgm:fillClrLst meth="repeat">
+      <a:schemeClr val="lt1">
+        <a:alpha val="90000"/>
+      </a:schemeClr>
+    </dgm:fillClrLst>
+    <dgm:linClrLst meth="repeat">
+      <a:schemeClr val="accent1"/>
+    </dgm:linClrLst>
+    <dgm:effectClrLst/>
+    <dgm:txLinClrLst/>
+    <dgm:txFillClrLst meth="repeat">
+      <a:schemeClr val="dk1"/>
+    </dgm:txFillClrLst>
+    <dgm:txEffectClrLst/>
+  </dgm:styleLbl>
+  <dgm:styleLbl name="bgShp">
+    <dgm:fillClrLst meth="repeat">
+      <a:schemeClr val="accent1">
+        <a:tint val="40000"/>
+      </a:schemeClr>
+    </dgm:fillClrLst>
+    <dgm:linClrLst meth="repeat">
+      <a:schemeClr val="accent1"/>
+    </dgm:linClrLst>
+    <dgm:effectClrLst/>
+    <dgm:txLinClrLst/>
+    <dgm:txFillClrLst meth="repeat">
+      <a:schemeClr val="dk1"/>
+    </dgm:txFillClrLst>
+    <dgm:txEffectClrLst/>
+  </dgm:styleLbl>
+  <dgm:styleLbl name="dkBgShp">
+    <dgm:fillClrLst meth="repeat">
+      <a:schemeClr val="accent1">
+        <a:shade val="80000"/>
+      </a:schemeClr>
+    </dgm:fillClrLst>
+    <dgm:linClrLst meth="repeat">
+      <a:schemeClr val="accent1"/>
+    </dgm:linClrLst>
+    <dgm:effectClrLst/>
+    <dgm:txLinClrLst/>
+    <dgm:txFillClrLst meth="repeat">
+      <a:schemeClr val="lt1"/>
+    </dgm:txFillClrLst>
+    <dgm:txEffectClrLst/>
+  </dgm:styleLbl>
+  <dgm:styleLbl name="trBgShp">
+    <dgm:fillClrLst meth="repeat">
+      <a:schemeClr val="accent1">
+        <a:tint val="50000"/>
+        <a:alpha val="40000"/>
+      </a:schemeClr>
+    </dgm:fillClrLst>
+    <dgm:linClrLst meth="repeat">
+      <a:schemeClr val="accent1"/>
+    </dgm:linClrLst>
+    <dgm:effectClrLst/>
+    <dgm:txLinClrLst/>
+    <dgm:txFillClrLst meth="repeat">
+      <a:schemeClr val="lt1"/>
+    </dgm:txFillClrLst>
+    <dgm:txEffectClrLst/>
+  </dgm:styleLbl>
+  <dgm:styleLbl name="fgShp">
+    <dgm:fillClrLst meth="repeat">
+      <a:schemeClr val="accent1">
+        <a:tint val="60000"/>
+      </a:schemeClr>
+    </dgm:fillClrLst>
+    <dgm:linClrLst meth="repeat">
+      <a:schemeClr val="lt1"/>
+    </dgm:linClrLst>
+    <dgm:effectClrLst/>
+    <dgm:txLinClrLst/>
+    <dgm:txFillClrLst meth="repeat">
+      <a:schemeClr val="dk1"/>
+    </dgm:txFillClrLst>
+    <dgm:txEffectClrLst/>
+  </dgm:styleLbl>
+  <dgm:styleLbl name="revTx">
+    <dgm:fillClrLst meth="repeat">
+      <a:schemeClr val="lt1">
+        <a:alpha val="0"/>
+      </a:schemeClr>
+    </dgm:fillClrLst>
+    <dgm:linClrLst meth="repeat">
+      <a:schemeClr val="dk1">
+        <a:alpha val="0"/>
+      </a:schemeClr>
+    </dgm:linClrLst>
+    <dgm:effectClrLst/>
+    <dgm:txLinClrLst/>
+    <dgm:txFillClrLst meth="repeat">
+      <a:schemeClr val="tx1"/>
+    </dgm:txFillClrLst>
+    <dgm:txEffectClrLst/>
+  </dgm:styleLbl>
+</dgm:colorsDef>
+</file>
+
+<file path=ppt/diagrams/data1.xml><?xml version="1.0" encoding="utf-8"?>
+<dgm:dataModel xmlns:dgm="http://schemas.openxmlformats.org/drawingml/2006/diagram" xmlns:a="http://schemas.openxmlformats.org/drawingml/2006/main">
+  <dgm:ptLst>
+    <dgm:pt modelId="{A65C92DD-372A-6C4E-B3FF-DE4CC82D76CD}" type="doc">
+      <dgm:prSet loTypeId="urn:microsoft.com/office/officeart/2005/8/layout/cycle1" loCatId="" qsTypeId="urn:microsoft.com/office/officeart/2005/8/quickstyle/simple4" qsCatId="simple" csTypeId="urn:microsoft.com/office/officeart/2005/8/colors/accent1_2" csCatId="accent1" phldr="1"/>
+      <dgm:spPr/>
+      <dgm:t>
+        <a:bodyPr/>
+        <a:lstStyle/>
+        <a:p>
+          <a:endParaRPr lang="en-US"/>
+        </a:p>
+      </dgm:t>
+    </dgm:pt>
+    <dgm:pt modelId="{2BCD6A3D-366D-794B-8B2C-32C88907550C}">
+      <dgm:prSet phldrT="[Text]"/>
+      <dgm:spPr/>
+      <dgm:t>
+        <a:bodyPr/>
+        <a:lstStyle/>
+        <a:p>
+          <a:r>
+            <a:rPr lang="en-US" dirty="0" smtClean="0"/>
+            <a:t>Create tests to figure out code</a:t>
+          </a:r>
+          <a:endParaRPr lang="en-US" dirty="0"/>
+        </a:p>
+      </dgm:t>
+    </dgm:pt>
+    <dgm:pt modelId="{59BB5249-1E1B-8B4D-976B-E1A88D40CAA6}" type="parTrans" cxnId="{DF13FF6D-2192-E34F-9549-FBEB5EF127B6}">
+      <dgm:prSet/>
+      <dgm:spPr/>
+      <dgm:t>
+        <a:bodyPr/>
+        <a:lstStyle/>
+        <a:p>
+          <a:endParaRPr lang="en-US"/>
+        </a:p>
+      </dgm:t>
+    </dgm:pt>
+    <dgm:pt modelId="{FDC1235B-0FC4-4746-94B2-27D427DFFB42}" type="sibTrans" cxnId="{DF13FF6D-2192-E34F-9549-FBEB5EF127B6}">
+      <dgm:prSet/>
+      <dgm:spPr/>
+      <dgm:t>
+        <a:bodyPr/>
+        <a:lstStyle/>
+        <a:p>
+          <a:endParaRPr lang="en-US"/>
+        </a:p>
+      </dgm:t>
+    </dgm:pt>
+    <dgm:pt modelId="{53B11683-8F4F-E441-BEC6-DE945E9AB1FC}">
+      <dgm:prSet phldrT="[Text]"/>
+      <dgm:spPr/>
+      <dgm:t>
+        <a:bodyPr/>
+        <a:lstStyle/>
+        <a:p>
+          <a:r>
+            <a:rPr lang="en-US" dirty="0" smtClean="0"/>
+            <a:t>Write the code in the system</a:t>
+          </a:r>
+          <a:endParaRPr lang="en-US" dirty="0"/>
+        </a:p>
+      </dgm:t>
+    </dgm:pt>
+    <dgm:pt modelId="{D4774802-9CA9-B745-BCB6-B03DA0DAC568}" type="parTrans" cxnId="{0FCA8014-523C-D941-ADEC-74E37B041557}">
+      <dgm:prSet/>
+      <dgm:spPr/>
+      <dgm:t>
+        <a:bodyPr/>
+        <a:lstStyle/>
+        <a:p>
+          <a:endParaRPr lang="en-US"/>
+        </a:p>
+      </dgm:t>
+    </dgm:pt>
+    <dgm:pt modelId="{FD247472-245F-AE4C-AF99-A17E48C472EC}" type="sibTrans" cxnId="{0FCA8014-523C-D941-ADEC-74E37B041557}">
+      <dgm:prSet/>
+      <dgm:spPr/>
+      <dgm:t>
+        <a:bodyPr/>
+        <a:lstStyle/>
+        <a:p>
+          <a:endParaRPr lang="en-US"/>
+        </a:p>
+      </dgm:t>
+    </dgm:pt>
+    <dgm:pt modelId="{CEDF3B7F-A205-2348-AD8D-2662F2E246A9}">
+      <dgm:prSet phldrT="[Text]"/>
+      <dgm:spPr/>
+      <dgm:t>
+        <a:bodyPr/>
+        <a:lstStyle/>
+        <a:p>
+          <a:r>
+            <a:rPr lang="en-US" dirty="0" smtClean="0"/>
+            <a:t>Run tests</a:t>
+          </a:r>
+          <a:endParaRPr lang="en-US" dirty="0"/>
+        </a:p>
+      </dgm:t>
+    </dgm:pt>
+    <dgm:pt modelId="{30F6A5C7-282C-1541-968C-041C6D51317B}" type="parTrans" cxnId="{AB7E31E5-BCB6-6B4B-B40E-8D91951553CB}">
+      <dgm:prSet/>
+      <dgm:spPr/>
+      <dgm:t>
+        <a:bodyPr/>
+        <a:lstStyle/>
+        <a:p>
+          <a:endParaRPr lang="en-US"/>
+        </a:p>
+      </dgm:t>
+    </dgm:pt>
+    <dgm:pt modelId="{A322BBFD-6951-864B-8226-8B51E139594D}" type="sibTrans" cxnId="{AB7E31E5-BCB6-6B4B-B40E-8D91951553CB}">
+      <dgm:prSet/>
+      <dgm:spPr/>
+      <dgm:t>
+        <a:bodyPr/>
+        <a:lstStyle/>
+        <a:p>
+          <a:endParaRPr lang="en-US"/>
+        </a:p>
+      </dgm:t>
+    </dgm:pt>
+    <dgm:pt modelId="{627D7B61-1480-694F-AFC3-E6FB753336DF}">
+      <dgm:prSet phldrT="[Text]"/>
+      <dgm:spPr/>
+      <dgm:t>
+        <a:bodyPr/>
+        <a:lstStyle/>
+        <a:p>
+          <a:r>
+            <a:rPr lang="en-US" dirty="0" smtClean="0"/>
+            <a:t>Team revisit/meeting to move on to the next stage</a:t>
+          </a:r>
+          <a:endParaRPr lang="en-US" dirty="0"/>
+        </a:p>
+      </dgm:t>
+    </dgm:pt>
+    <dgm:pt modelId="{85C0248E-C8DB-AF42-BD1B-75367E49A4A4}" type="parTrans" cxnId="{959775B3-5A81-F34D-B019-2189B9CC9A02}">
+      <dgm:prSet/>
+      <dgm:spPr/>
+      <dgm:t>
+        <a:bodyPr/>
+        <a:lstStyle/>
+        <a:p>
+          <a:endParaRPr lang="en-US"/>
+        </a:p>
+      </dgm:t>
+    </dgm:pt>
+    <dgm:pt modelId="{1D414F48-2BED-454B-A83A-C795111AEDC3}" type="sibTrans" cxnId="{959775B3-5A81-F34D-B019-2189B9CC9A02}">
+      <dgm:prSet/>
+      <dgm:spPr/>
+      <dgm:t>
+        <a:bodyPr/>
+        <a:lstStyle/>
+        <a:p>
+          <a:endParaRPr lang="en-US"/>
+        </a:p>
+      </dgm:t>
+    </dgm:pt>
+    <dgm:pt modelId="{571F2461-3586-8A46-827C-24191DE275B8}">
+      <dgm:prSet phldrT="[Text]"/>
+      <dgm:spPr/>
+      <dgm:t>
+        <a:bodyPr/>
+        <a:lstStyle/>
+        <a:p>
+          <a:r>
+            <a:rPr lang="en-US" dirty="0" smtClean="0"/>
+            <a:t>Identify </a:t>
+          </a:r>
+          <a:r>
+            <a:rPr lang="en-US" dirty="0" err="1" smtClean="0"/>
+            <a:t>MoSCoW</a:t>
+          </a:r>
+          <a:r>
+            <a:rPr lang="en-US" dirty="0" smtClean="0"/>
+            <a:t> requirement</a:t>
+          </a:r>
+          <a:endParaRPr lang="en-US" dirty="0"/>
+        </a:p>
+      </dgm:t>
+    </dgm:pt>
+    <dgm:pt modelId="{8C398D8A-80D6-0E42-B091-60574125CA96}" type="parTrans" cxnId="{F2E35A78-EF30-E543-BE8E-5992A68BA8C6}">
+      <dgm:prSet/>
+      <dgm:spPr/>
+      <dgm:t>
+        <a:bodyPr/>
+        <a:lstStyle/>
+        <a:p>
+          <a:endParaRPr lang="en-US"/>
+        </a:p>
+      </dgm:t>
+    </dgm:pt>
+    <dgm:pt modelId="{A34F7935-F94A-C049-9FA6-A7E16B84AC15}" type="sibTrans" cxnId="{F2E35A78-EF30-E543-BE8E-5992A68BA8C6}">
+      <dgm:prSet/>
+      <dgm:spPr/>
+      <dgm:t>
+        <a:bodyPr/>
+        <a:lstStyle/>
+        <a:p>
+          <a:endParaRPr lang="en-US"/>
+        </a:p>
+      </dgm:t>
+    </dgm:pt>
+    <dgm:pt modelId="{843455B9-8FB0-3343-85B1-A97B715C9DD6}" type="pres">
+      <dgm:prSet presAssocID="{A65C92DD-372A-6C4E-B3FF-DE4CC82D76CD}" presName="cycle" presStyleCnt="0">
+        <dgm:presLayoutVars>
+          <dgm:dir/>
+          <dgm:resizeHandles val="exact"/>
+        </dgm:presLayoutVars>
+      </dgm:prSet>
+      <dgm:spPr/>
+    </dgm:pt>
+    <dgm:pt modelId="{F2EAB9FF-A2AA-EB4C-A3BA-9376E44F04E7}" type="pres">
+      <dgm:prSet presAssocID="{2BCD6A3D-366D-794B-8B2C-32C88907550C}" presName="dummy" presStyleCnt="0"/>
+      <dgm:spPr/>
+    </dgm:pt>
+    <dgm:pt modelId="{FAC0C95F-0F93-FD4E-8FD2-C078DF18447F}" type="pres">
+      <dgm:prSet presAssocID="{2BCD6A3D-366D-794B-8B2C-32C88907550C}" presName="node" presStyleLbl="revTx" presStyleIdx="0" presStyleCnt="5">
+        <dgm:presLayoutVars>
+          <dgm:bulletEnabled val="1"/>
+        </dgm:presLayoutVars>
+      </dgm:prSet>
+      <dgm:spPr/>
+      <dgm:t>
+        <a:bodyPr/>
+        <a:lstStyle/>
+        <a:p>
+          <a:endParaRPr lang="en-US"/>
+        </a:p>
+      </dgm:t>
+    </dgm:pt>
+    <dgm:pt modelId="{AF2FD4F5-BDD6-1A44-BF87-1C52205461E6}" type="pres">
+      <dgm:prSet presAssocID="{FDC1235B-0FC4-4746-94B2-27D427DFFB42}" presName="sibTrans" presStyleLbl="node1" presStyleIdx="0" presStyleCnt="5" custLinFactNeighborY="673"/>
+      <dgm:spPr/>
+    </dgm:pt>
+    <dgm:pt modelId="{4F7E11CA-7A8D-8A45-A178-DBAD2B4D25F4}" type="pres">
+      <dgm:prSet presAssocID="{53B11683-8F4F-E441-BEC6-DE945E9AB1FC}" presName="dummy" presStyleCnt="0"/>
+      <dgm:spPr/>
+    </dgm:pt>
+    <dgm:pt modelId="{72B81F14-F9D8-654D-8F4B-09AB41FEC73D}" type="pres">
+      <dgm:prSet presAssocID="{53B11683-8F4F-E441-BEC6-DE945E9AB1FC}" presName="node" presStyleLbl="revTx" presStyleIdx="1" presStyleCnt="5">
+        <dgm:presLayoutVars>
+          <dgm:bulletEnabled val="1"/>
+        </dgm:presLayoutVars>
+      </dgm:prSet>
+      <dgm:spPr/>
+      <dgm:t>
+        <a:bodyPr/>
+        <a:lstStyle/>
+        <a:p>
+          <a:endParaRPr lang="en-US"/>
+        </a:p>
+      </dgm:t>
+    </dgm:pt>
+    <dgm:pt modelId="{75C6676A-040C-8F42-8235-7A1C8BC03742}" type="pres">
+      <dgm:prSet presAssocID="{FD247472-245F-AE4C-AF99-A17E48C472EC}" presName="sibTrans" presStyleLbl="node1" presStyleIdx="1" presStyleCnt="5"/>
+      <dgm:spPr/>
+    </dgm:pt>
+    <dgm:pt modelId="{CD46F871-0DD3-C347-A9D8-D4982A4F3346}" type="pres">
+      <dgm:prSet presAssocID="{CEDF3B7F-A205-2348-AD8D-2662F2E246A9}" presName="dummy" presStyleCnt="0"/>
+      <dgm:spPr/>
+    </dgm:pt>
+    <dgm:pt modelId="{F7415D74-AA37-954A-B5BC-EF423171F250}" type="pres">
+      <dgm:prSet presAssocID="{CEDF3B7F-A205-2348-AD8D-2662F2E246A9}" presName="node" presStyleLbl="revTx" presStyleIdx="2" presStyleCnt="5">
+        <dgm:presLayoutVars>
+          <dgm:bulletEnabled val="1"/>
+        </dgm:presLayoutVars>
+      </dgm:prSet>
+      <dgm:spPr/>
+    </dgm:pt>
+    <dgm:pt modelId="{D84BA610-DDC1-0949-8752-3ECEB0FEAA97}" type="pres">
+      <dgm:prSet presAssocID="{A322BBFD-6951-864B-8226-8B51E139594D}" presName="sibTrans" presStyleLbl="node1" presStyleIdx="2" presStyleCnt="5"/>
+      <dgm:spPr/>
+    </dgm:pt>
+    <dgm:pt modelId="{236E5D8D-E5F1-4B41-BE87-B831F3D19865}" type="pres">
+      <dgm:prSet presAssocID="{627D7B61-1480-694F-AFC3-E6FB753336DF}" presName="dummy" presStyleCnt="0"/>
+      <dgm:spPr/>
+    </dgm:pt>
+    <dgm:pt modelId="{71EE73FF-A55E-0643-B6C6-BDC95A3B2CF5}" type="pres">
+      <dgm:prSet presAssocID="{627D7B61-1480-694F-AFC3-E6FB753336DF}" presName="node" presStyleLbl="revTx" presStyleIdx="3" presStyleCnt="5">
+        <dgm:presLayoutVars>
+          <dgm:bulletEnabled val="1"/>
+        </dgm:presLayoutVars>
+      </dgm:prSet>
+      <dgm:spPr/>
+      <dgm:t>
+        <a:bodyPr/>
+        <a:lstStyle/>
+        <a:p>
+          <a:endParaRPr lang="en-US"/>
+        </a:p>
+      </dgm:t>
+    </dgm:pt>
+    <dgm:pt modelId="{3C083E73-331C-CB49-8964-D4D7CBED79B5}" type="pres">
+      <dgm:prSet presAssocID="{1D414F48-2BED-454B-A83A-C795111AEDC3}" presName="sibTrans" presStyleLbl="node1" presStyleIdx="3" presStyleCnt="5"/>
+      <dgm:spPr/>
+    </dgm:pt>
+    <dgm:pt modelId="{E5F17336-3106-C04C-B6C1-937D926D064F}" type="pres">
+      <dgm:prSet presAssocID="{571F2461-3586-8A46-827C-24191DE275B8}" presName="dummy" presStyleCnt="0"/>
+      <dgm:spPr/>
+    </dgm:pt>
+    <dgm:pt modelId="{3B5B0166-6985-B547-B3F5-84787C4B2452}" type="pres">
+      <dgm:prSet presAssocID="{571F2461-3586-8A46-827C-24191DE275B8}" presName="node" presStyleLbl="revTx" presStyleIdx="4" presStyleCnt="5">
+        <dgm:presLayoutVars>
+          <dgm:bulletEnabled val="1"/>
+        </dgm:presLayoutVars>
+      </dgm:prSet>
+      <dgm:spPr/>
+    </dgm:pt>
+    <dgm:pt modelId="{510115F9-3739-E94E-8BF7-B34D6D8B1927}" type="pres">
+      <dgm:prSet presAssocID="{A34F7935-F94A-C049-9FA6-A7E16B84AC15}" presName="sibTrans" presStyleLbl="node1" presStyleIdx="4" presStyleCnt="5"/>
+      <dgm:spPr/>
+    </dgm:pt>
+  </dgm:ptLst>
+  <dgm:cxnLst>
+    <dgm:cxn modelId="{FDF171D3-2667-444C-9296-FFD85D0E1D76}" type="presOf" srcId="{A34F7935-F94A-C049-9FA6-A7E16B84AC15}" destId="{510115F9-3739-E94E-8BF7-B34D6D8B1927}" srcOrd="0" destOrd="0" presId="urn:microsoft.com/office/officeart/2005/8/layout/cycle1"/>
+    <dgm:cxn modelId="{959775B3-5A81-F34D-B019-2189B9CC9A02}" srcId="{A65C92DD-372A-6C4E-B3FF-DE4CC82D76CD}" destId="{627D7B61-1480-694F-AFC3-E6FB753336DF}" srcOrd="3" destOrd="0" parTransId="{85C0248E-C8DB-AF42-BD1B-75367E49A4A4}" sibTransId="{1D414F48-2BED-454B-A83A-C795111AEDC3}"/>
+    <dgm:cxn modelId="{CFFA2380-2109-1C40-B4FA-FD5DAD8FA007}" type="presOf" srcId="{A65C92DD-372A-6C4E-B3FF-DE4CC82D76CD}" destId="{843455B9-8FB0-3343-85B1-A97B715C9DD6}" srcOrd="0" destOrd="0" presId="urn:microsoft.com/office/officeart/2005/8/layout/cycle1"/>
+    <dgm:cxn modelId="{0277F11C-9DE6-164C-894B-F4A165D4B8F5}" type="presOf" srcId="{627D7B61-1480-694F-AFC3-E6FB753336DF}" destId="{71EE73FF-A55E-0643-B6C6-BDC95A3B2CF5}" srcOrd="0" destOrd="0" presId="urn:microsoft.com/office/officeart/2005/8/layout/cycle1"/>
+    <dgm:cxn modelId="{1B17774A-CC8B-1548-AFFD-6B7BA5490898}" type="presOf" srcId="{FD247472-245F-AE4C-AF99-A17E48C472EC}" destId="{75C6676A-040C-8F42-8235-7A1C8BC03742}" srcOrd="0" destOrd="0" presId="urn:microsoft.com/office/officeart/2005/8/layout/cycle1"/>
+    <dgm:cxn modelId="{3C3BC8E5-57CC-EA48-AB6A-383EC242CC77}" type="presOf" srcId="{FDC1235B-0FC4-4746-94B2-27D427DFFB42}" destId="{AF2FD4F5-BDD6-1A44-BF87-1C52205461E6}" srcOrd="0" destOrd="0" presId="urn:microsoft.com/office/officeart/2005/8/layout/cycle1"/>
+    <dgm:cxn modelId="{54F1FA35-A14A-F047-890E-F777A1C87025}" type="presOf" srcId="{53B11683-8F4F-E441-BEC6-DE945E9AB1FC}" destId="{72B81F14-F9D8-654D-8F4B-09AB41FEC73D}" srcOrd="0" destOrd="0" presId="urn:microsoft.com/office/officeart/2005/8/layout/cycle1"/>
+    <dgm:cxn modelId="{0FCA8014-523C-D941-ADEC-74E37B041557}" srcId="{A65C92DD-372A-6C4E-B3FF-DE4CC82D76CD}" destId="{53B11683-8F4F-E441-BEC6-DE945E9AB1FC}" srcOrd="1" destOrd="0" parTransId="{D4774802-9CA9-B745-BCB6-B03DA0DAC568}" sibTransId="{FD247472-245F-AE4C-AF99-A17E48C472EC}"/>
+    <dgm:cxn modelId="{C511B52F-F649-2546-B65E-0370EAE995A6}" type="presOf" srcId="{1D414F48-2BED-454B-A83A-C795111AEDC3}" destId="{3C083E73-331C-CB49-8964-D4D7CBED79B5}" srcOrd="0" destOrd="0" presId="urn:microsoft.com/office/officeart/2005/8/layout/cycle1"/>
+    <dgm:cxn modelId="{F2E35A78-EF30-E543-BE8E-5992A68BA8C6}" srcId="{A65C92DD-372A-6C4E-B3FF-DE4CC82D76CD}" destId="{571F2461-3586-8A46-827C-24191DE275B8}" srcOrd="4" destOrd="0" parTransId="{8C398D8A-80D6-0E42-B091-60574125CA96}" sibTransId="{A34F7935-F94A-C049-9FA6-A7E16B84AC15}"/>
+    <dgm:cxn modelId="{D12EC3BC-395B-7A48-A20F-1D93FE217A0B}" type="presOf" srcId="{571F2461-3586-8A46-827C-24191DE275B8}" destId="{3B5B0166-6985-B547-B3F5-84787C4B2452}" srcOrd="0" destOrd="0" presId="urn:microsoft.com/office/officeart/2005/8/layout/cycle1"/>
+    <dgm:cxn modelId="{998F95FA-5C11-A34F-9116-D1B35A1B91F8}" type="presOf" srcId="{A322BBFD-6951-864B-8226-8B51E139594D}" destId="{D84BA610-DDC1-0949-8752-3ECEB0FEAA97}" srcOrd="0" destOrd="0" presId="urn:microsoft.com/office/officeart/2005/8/layout/cycle1"/>
+    <dgm:cxn modelId="{D1C8C535-6484-9447-BC46-9638CEA34143}" type="presOf" srcId="{CEDF3B7F-A205-2348-AD8D-2662F2E246A9}" destId="{F7415D74-AA37-954A-B5BC-EF423171F250}" srcOrd="0" destOrd="0" presId="urn:microsoft.com/office/officeart/2005/8/layout/cycle1"/>
+    <dgm:cxn modelId="{77A9F094-B25F-1C40-9A5D-88D07B6FD6E6}" type="presOf" srcId="{2BCD6A3D-366D-794B-8B2C-32C88907550C}" destId="{FAC0C95F-0F93-FD4E-8FD2-C078DF18447F}" srcOrd="0" destOrd="0" presId="urn:microsoft.com/office/officeart/2005/8/layout/cycle1"/>
+    <dgm:cxn modelId="{AB7E31E5-BCB6-6B4B-B40E-8D91951553CB}" srcId="{A65C92DD-372A-6C4E-B3FF-DE4CC82D76CD}" destId="{CEDF3B7F-A205-2348-AD8D-2662F2E246A9}" srcOrd="2" destOrd="0" parTransId="{30F6A5C7-282C-1541-968C-041C6D51317B}" sibTransId="{A322BBFD-6951-864B-8226-8B51E139594D}"/>
+    <dgm:cxn modelId="{DF13FF6D-2192-E34F-9549-FBEB5EF127B6}" srcId="{A65C92DD-372A-6C4E-B3FF-DE4CC82D76CD}" destId="{2BCD6A3D-366D-794B-8B2C-32C88907550C}" srcOrd="0" destOrd="0" parTransId="{59BB5249-1E1B-8B4D-976B-E1A88D40CAA6}" sibTransId="{FDC1235B-0FC4-4746-94B2-27D427DFFB42}"/>
+    <dgm:cxn modelId="{775BB1D3-E43F-7649-B469-5DCDC5F586C6}" type="presParOf" srcId="{843455B9-8FB0-3343-85B1-A97B715C9DD6}" destId="{F2EAB9FF-A2AA-EB4C-A3BA-9376E44F04E7}" srcOrd="0" destOrd="0" presId="urn:microsoft.com/office/officeart/2005/8/layout/cycle1"/>
+    <dgm:cxn modelId="{85E79CC3-2450-C042-8255-1762FFDCD718}" type="presParOf" srcId="{843455B9-8FB0-3343-85B1-A97B715C9DD6}" destId="{FAC0C95F-0F93-FD4E-8FD2-C078DF18447F}" srcOrd="1" destOrd="0" presId="urn:microsoft.com/office/officeart/2005/8/layout/cycle1"/>
+    <dgm:cxn modelId="{2187F948-66A2-E34D-A662-6AE32E40C555}" type="presParOf" srcId="{843455B9-8FB0-3343-85B1-A97B715C9DD6}" destId="{AF2FD4F5-BDD6-1A44-BF87-1C52205461E6}" srcOrd="2" destOrd="0" presId="urn:microsoft.com/office/officeart/2005/8/layout/cycle1"/>
+    <dgm:cxn modelId="{CC0AACD4-8762-A54E-9038-D1AD330BC772}" type="presParOf" srcId="{843455B9-8FB0-3343-85B1-A97B715C9DD6}" destId="{4F7E11CA-7A8D-8A45-A178-DBAD2B4D25F4}" srcOrd="3" destOrd="0" presId="urn:microsoft.com/office/officeart/2005/8/layout/cycle1"/>
+    <dgm:cxn modelId="{6B61222F-0F91-AA4E-8994-BEA1FCD07A74}" type="presParOf" srcId="{843455B9-8FB0-3343-85B1-A97B715C9DD6}" destId="{72B81F14-F9D8-654D-8F4B-09AB41FEC73D}" srcOrd="4" destOrd="0" presId="urn:microsoft.com/office/officeart/2005/8/layout/cycle1"/>
+    <dgm:cxn modelId="{F0FEFA52-A085-354A-B7B9-832149978BAA}" type="presParOf" srcId="{843455B9-8FB0-3343-85B1-A97B715C9DD6}" destId="{75C6676A-040C-8F42-8235-7A1C8BC03742}" srcOrd="5" destOrd="0" presId="urn:microsoft.com/office/officeart/2005/8/layout/cycle1"/>
+    <dgm:cxn modelId="{5953A4F7-2CF0-3542-AC54-0652902908AF}" type="presParOf" srcId="{843455B9-8FB0-3343-85B1-A97B715C9DD6}" destId="{CD46F871-0DD3-C347-A9D8-D4982A4F3346}" srcOrd="6" destOrd="0" presId="urn:microsoft.com/office/officeart/2005/8/layout/cycle1"/>
+    <dgm:cxn modelId="{A557C2EB-FCFB-B545-9E5D-14714037C948}" type="presParOf" srcId="{843455B9-8FB0-3343-85B1-A97B715C9DD6}" destId="{F7415D74-AA37-954A-B5BC-EF423171F250}" srcOrd="7" destOrd="0" presId="urn:microsoft.com/office/officeart/2005/8/layout/cycle1"/>
+    <dgm:cxn modelId="{3246599E-D973-B24E-996E-8FAAE32CD789}" type="presParOf" srcId="{843455B9-8FB0-3343-85B1-A97B715C9DD6}" destId="{D84BA610-DDC1-0949-8752-3ECEB0FEAA97}" srcOrd="8" destOrd="0" presId="urn:microsoft.com/office/officeart/2005/8/layout/cycle1"/>
+    <dgm:cxn modelId="{972E54E1-1C9B-AF4C-98E1-2F104F84E577}" type="presParOf" srcId="{843455B9-8FB0-3343-85B1-A97B715C9DD6}" destId="{236E5D8D-E5F1-4B41-BE87-B831F3D19865}" srcOrd="9" destOrd="0" presId="urn:microsoft.com/office/officeart/2005/8/layout/cycle1"/>
+    <dgm:cxn modelId="{430431DE-8D01-394F-AEB3-7E1F60B43B3C}" type="presParOf" srcId="{843455B9-8FB0-3343-85B1-A97B715C9DD6}" destId="{71EE73FF-A55E-0643-B6C6-BDC95A3B2CF5}" srcOrd="10" destOrd="0" presId="urn:microsoft.com/office/officeart/2005/8/layout/cycle1"/>
+    <dgm:cxn modelId="{F251CF53-17E8-B646-87CE-4C3189391B7C}" type="presParOf" srcId="{843455B9-8FB0-3343-85B1-A97B715C9DD6}" destId="{3C083E73-331C-CB49-8964-D4D7CBED79B5}" srcOrd="11" destOrd="0" presId="urn:microsoft.com/office/officeart/2005/8/layout/cycle1"/>
+    <dgm:cxn modelId="{8A2EFCC6-FAF1-7C4F-9FE6-C3C538F6115A}" type="presParOf" srcId="{843455B9-8FB0-3343-85B1-A97B715C9DD6}" destId="{E5F17336-3106-C04C-B6C1-937D926D064F}" srcOrd="12" destOrd="0" presId="urn:microsoft.com/office/officeart/2005/8/layout/cycle1"/>
+    <dgm:cxn modelId="{AA437DB3-A707-FC45-B28B-FC240851176B}" type="presParOf" srcId="{843455B9-8FB0-3343-85B1-A97B715C9DD6}" destId="{3B5B0166-6985-B547-B3F5-84787C4B2452}" srcOrd="13" destOrd="0" presId="urn:microsoft.com/office/officeart/2005/8/layout/cycle1"/>
+    <dgm:cxn modelId="{93B8FE6E-CE3A-8A44-82BB-1F04AC598A1A}" type="presParOf" srcId="{843455B9-8FB0-3343-85B1-A97B715C9DD6}" destId="{510115F9-3739-E94E-8BF7-B34D6D8B1927}" srcOrd="14" destOrd="0" presId="urn:microsoft.com/office/officeart/2005/8/layout/cycle1"/>
+  </dgm:cxnLst>
+  <dgm:bg/>
+  <dgm:whole/>
+  <dgm:extLst>
+    <a:ext uri="http://schemas.microsoft.com/office/drawing/2008/diagram">
+      <dsp:dataModelExt xmlns:dsp="http://schemas.microsoft.com/office/drawing/2008/diagram" relId="rId6" minVer="http://schemas.openxmlformats.org/drawingml/2006/diagram"/>
+    </a:ext>
+  </dgm:extLst>
+</dgm:dataModel>
+</file>
+
+<file path=ppt/diagrams/drawing1.xml><?xml version="1.0" encoding="utf-8"?>
+<dsp:drawing xmlns:dgm="http://schemas.openxmlformats.org/drawingml/2006/diagram" xmlns:dsp="http://schemas.microsoft.com/office/drawing/2008/diagram" xmlns:a="http://schemas.openxmlformats.org/drawingml/2006/main">
+  <dsp:spTree>
+    <dsp:nvGrpSpPr>
+      <dsp:cNvPr id="0" name=""/>
+      <dsp:cNvGrpSpPr/>
+    </dsp:nvGrpSpPr>
+    <dsp:grpSpPr/>
+    <dsp:sp modelId="{FAC0C95F-0F93-FD4E-8FD2-C078DF18447F}">
+      <dsp:nvSpPr>
+        <dsp:cNvPr id="0" name=""/>
+        <dsp:cNvSpPr/>
+      </dsp:nvSpPr>
+      <dsp:spPr>
+        <a:xfrm>
+          <a:off x="4704665" y="39140"/>
+          <a:ext cx="1341437" cy="1341437"/>
+        </a:xfrm>
+        <a:prstGeom prst="rect">
+          <a:avLst/>
+        </a:prstGeom>
+        <a:noFill/>
+        <a:ln>
+          <a:noFill/>
+        </a:ln>
+        <a:effectLst/>
+      </dsp:spPr>
+      <dsp:style>
+        <a:lnRef idx="0">
+          <a:scrgbClr r="0" g="0" b="0"/>
+        </a:lnRef>
+        <a:fillRef idx="0">
+          <a:scrgbClr r="0" g="0" b="0"/>
+        </a:fillRef>
+        <a:effectRef idx="0">
+          <a:scrgbClr r="0" g="0" b="0"/>
+        </a:effectRef>
+        <a:fontRef idx="minor"/>
+      </dsp:style>
+      <dsp:txBody>
+        <a:bodyPr spcFirstLastPara="0" vert="horz" wrap="square" lIns="17780" tIns="17780" rIns="17780" bIns="17780" numCol="1" spcCol="1270" anchor="ctr" anchorCtr="0">
+          <a:noAutofit/>
+        </a:bodyPr>
+        <a:lstStyle/>
+        <a:p>
+          <a:pPr lvl="0" algn="ctr" defTabSz="622300">
+            <a:lnSpc>
+              <a:spcPct val="90000"/>
+            </a:lnSpc>
+            <a:spcBef>
+              <a:spcPct val="0"/>
+            </a:spcBef>
+            <a:spcAft>
+              <a:spcPct val="35000"/>
+            </a:spcAft>
+          </a:pPr>
+          <a:r>
+            <a:rPr lang="en-US" sz="1400" kern="1200" dirty="0" smtClean="0"/>
+            <a:t>Create tests to figure out code</a:t>
+          </a:r>
+          <a:endParaRPr lang="en-US" sz="1400" kern="1200" dirty="0"/>
+        </a:p>
+      </dsp:txBody>
+      <dsp:txXfrm>
+        <a:off x="4704665" y="39140"/>
+        <a:ext cx="1341437" cy="1341437"/>
+      </dsp:txXfrm>
+    </dsp:sp>
+    <dsp:sp modelId="{AF2FD4F5-BDD6-1A44-BF87-1C52205461E6}">
+      <dsp:nvSpPr>
+        <dsp:cNvPr id="0" name=""/>
+        <dsp:cNvSpPr/>
+      </dsp:nvSpPr>
+      <dsp:spPr>
+        <a:xfrm>
+          <a:off x="1549560" y="34230"/>
+          <a:ext cx="5028878" cy="5028878"/>
+        </a:xfrm>
+        <a:prstGeom prst="circularArrow">
+          <a:avLst>
+            <a:gd name="adj1" fmla="val 5202"/>
+            <a:gd name="adj2" fmla="val 336015"/>
+            <a:gd name="adj3" fmla="val 21292825"/>
+            <a:gd name="adj4" fmla="val 19766604"/>
+            <a:gd name="adj5" fmla="val 6068"/>
+          </a:avLst>
+        </a:prstGeom>
+        <a:gradFill rotWithShape="0">
+          <a:gsLst>
+            <a:gs pos="0">
+              <a:schemeClr val="accent1">
+                <a:hueOff val="0"/>
+                <a:satOff val="0"/>
+                <a:lumOff val="0"/>
+                <a:alphaOff val="0"/>
+                <a:tint val="96000"/>
+                <a:lumMod val="100000"/>
+              </a:schemeClr>
+            </a:gs>
+            <a:gs pos="78000">
+              <a:schemeClr val="accent1">
+                <a:hueOff val="0"/>
+                <a:satOff val="0"/>
+                <a:lumOff val="0"/>
+                <a:alphaOff val="0"/>
+                <a:shade val="94000"/>
+                <a:lumMod val="94000"/>
+              </a:schemeClr>
+            </a:gs>
+          </a:gsLst>
+          <a:lin ang="5400000" scaled="0"/>
+        </a:gradFill>
+        <a:ln>
+          <a:noFill/>
+        </a:ln>
+        <a:effectLst>
+          <a:outerShdw blurRad="38100" dist="25400" dir="5400000" rotWithShape="0">
+            <a:srgbClr val="000000">
+              <a:alpha val="35000"/>
+            </a:srgbClr>
+          </a:outerShdw>
+        </a:effectLst>
+      </dsp:spPr>
+      <dsp:style>
+        <a:lnRef idx="0">
+          <a:scrgbClr r="0" g="0" b="0"/>
+        </a:lnRef>
+        <a:fillRef idx="3">
+          <a:scrgbClr r="0" g="0" b="0"/>
+        </a:fillRef>
+        <a:effectRef idx="2">
+          <a:scrgbClr r="0" g="0" b="0"/>
+        </a:effectRef>
+        <a:fontRef idx="minor">
+          <a:schemeClr val="lt1"/>
+        </a:fontRef>
+      </dsp:style>
+    </dsp:sp>
+    <dsp:sp modelId="{72B81F14-F9D8-654D-8F4B-09AB41FEC73D}">
+      <dsp:nvSpPr>
+        <dsp:cNvPr id="0" name=""/>
+        <dsp:cNvSpPr/>
+      </dsp:nvSpPr>
+      <dsp:spPr>
+        <a:xfrm>
+          <a:off x="5515145" y="2533541"/>
+          <a:ext cx="1341437" cy="1341437"/>
+        </a:xfrm>
+        <a:prstGeom prst="rect">
+          <a:avLst/>
+        </a:prstGeom>
+        <a:noFill/>
+        <a:ln>
+          <a:noFill/>
+        </a:ln>
+        <a:effectLst/>
+      </dsp:spPr>
+      <dsp:style>
+        <a:lnRef idx="0">
+          <a:scrgbClr r="0" g="0" b="0"/>
+        </a:lnRef>
+        <a:fillRef idx="0">
+          <a:scrgbClr r="0" g="0" b="0"/>
+        </a:fillRef>
+        <a:effectRef idx="0">
+          <a:scrgbClr r="0" g="0" b="0"/>
+        </a:effectRef>
+        <a:fontRef idx="minor"/>
+      </dsp:style>
+      <dsp:txBody>
+        <a:bodyPr spcFirstLastPara="0" vert="horz" wrap="square" lIns="17780" tIns="17780" rIns="17780" bIns="17780" numCol="1" spcCol="1270" anchor="ctr" anchorCtr="0">
+          <a:noAutofit/>
+        </a:bodyPr>
+        <a:lstStyle/>
+        <a:p>
+          <a:pPr lvl="0" algn="ctr" defTabSz="622300">
+            <a:lnSpc>
+              <a:spcPct val="90000"/>
+            </a:lnSpc>
+            <a:spcBef>
+              <a:spcPct val="0"/>
+            </a:spcBef>
+            <a:spcAft>
+              <a:spcPct val="35000"/>
+            </a:spcAft>
+          </a:pPr>
+          <a:r>
+            <a:rPr lang="en-US" sz="1400" kern="1200" dirty="0" smtClean="0"/>
+            <a:t>Write the code in the system</a:t>
+          </a:r>
+          <a:endParaRPr lang="en-US" sz="1400" kern="1200" dirty="0"/>
+        </a:p>
+      </dsp:txBody>
+      <dsp:txXfrm>
+        <a:off x="5515145" y="2533541"/>
+        <a:ext cx="1341437" cy="1341437"/>
+      </dsp:txXfrm>
+    </dsp:sp>
+    <dsp:sp modelId="{75C6676A-040C-8F42-8235-7A1C8BC03742}">
+      <dsp:nvSpPr>
+        <dsp:cNvPr id="0" name=""/>
+        <dsp:cNvSpPr/>
+      </dsp:nvSpPr>
+      <dsp:spPr>
+        <a:xfrm>
+          <a:off x="1549560" y="385"/>
+          <a:ext cx="5028878" cy="5028878"/>
+        </a:xfrm>
+        <a:prstGeom prst="circularArrow">
+          <a:avLst>
+            <a:gd name="adj1" fmla="val 5202"/>
+            <a:gd name="adj2" fmla="val 336015"/>
+            <a:gd name="adj3" fmla="val 4014266"/>
+            <a:gd name="adj4" fmla="val 2253829"/>
+            <a:gd name="adj5" fmla="val 6068"/>
+          </a:avLst>
+        </a:prstGeom>
+        <a:gradFill rotWithShape="0">
+          <a:gsLst>
+            <a:gs pos="0">
+              <a:schemeClr val="accent1">
+                <a:hueOff val="0"/>
+                <a:satOff val="0"/>
+                <a:lumOff val="0"/>
+                <a:alphaOff val="0"/>
+                <a:tint val="96000"/>
+                <a:lumMod val="100000"/>
+              </a:schemeClr>
+            </a:gs>
+            <a:gs pos="78000">
+              <a:schemeClr val="accent1">
+                <a:hueOff val="0"/>
+                <a:satOff val="0"/>
+                <a:lumOff val="0"/>
+                <a:alphaOff val="0"/>
+                <a:shade val="94000"/>
+                <a:lumMod val="94000"/>
+              </a:schemeClr>
+            </a:gs>
+          </a:gsLst>
+          <a:lin ang="5400000" scaled="0"/>
+        </a:gradFill>
+        <a:ln>
+          <a:noFill/>
+        </a:ln>
+        <a:effectLst>
+          <a:outerShdw blurRad="38100" dist="25400" dir="5400000" rotWithShape="0">
+            <a:srgbClr val="000000">
+              <a:alpha val="35000"/>
+            </a:srgbClr>
+          </a:outerShdw>
+        </a:effectLst>
+      </dsp:spPr>
+      <dsp:style>
+        <a:lnRef idx="0">
+          <a:scrgbClr r="0" g="0" b="0"/>
+        </a:lnRef>
+        <a:fillRef idx="3">
+          <a:scrgbClr r="0" g="0" b="0"/>
+        </a:fillRef>
+        <a:effectRef idx="2">
+          <a:scrgbClr r="0" g="0" b="0"/>
+        </a:effectRef>
+        <a:fontRef idx="minor">
+          <a:schemeClr val="lt1"/>
+        </a:fontRef>
+      </dsp:style>
+    </dsp:sp>
+    <dsp:sp modelId="{F7415D74-AA37-954A-B5BC-EF423171F250}">
+      <dsp:nvSpPr>
+        <dsp:cNvPr id="0" name=""/>
+        <dsp:cNvSpPr/>
+      </dsp:nvSpPr>
+      <dsp:spPr>
+        <a:xfrm>
+          <a:off x="3393281" y="4075166"/>
+          <a:ext cx="1341437" cy="1341437"/>
+        </a:xfrm>
+        <a:prstGeom prst="rect">
+          <a:avLst/>
+        </a:prstGeom>
+        <a:noFill/>
+        <a:ln>
+          <a:noFill/>
+        </a:ln>
+        <a:effectLst/>
+      </dsp:spPr>
+      <dsp:style>
+        <a:lnRef idx="0">
+          <a:scrgbClr r="0" g="0" b="0"/>
+        </a:lnRef>
+        <a:fillRef idx="0">
+          <a:scrgbClr r="0" g="0" b="0"/>
+        </a:fillRef>
+        <a:effectRef idx="0">
+          <a:scrgbClr r="0" g="0" b="0"/>
+        </a:effectRef>
+        <a:fontRef idx="minor"/>
+      </dsp:style>
+      <dsp:txBody>
+        <a:bodyPr spcFirstLastPara="0" vert="horz" wrap="square" lIns="17780" tIns="17780" rIns="17780" bIns="17780" numCol="1" spcCol="1270" anchor="ctr" anchorCtr="0">
+          <a:noAutofit/>
+        </a:bodyPr>
+        <a:lstStyle/>
+        <a:p>
+          <a:pPr lvl="0" algn="ctr" defTabSz="622300">
+            <a:lnSpc>
+              <a:spcPct val="90000"/>
+            </a:lnSpc>
+            <a:spcBef>
+              <a:spcPct val="0"/>
+            </a:spcBef>
+            <a:spcAft>
+              <a:spcPct val="35000"/>
+            </a:spcAft>
+          </a:pPr>
+          <a:r>
+            <a:rPr lang="en-US" sz="1400" kern="1200" dirty="0" smtClean="0"/>
+            <a:t>Run tests</a:t>
+          </a:r>
+          <a:endParaRPr lang="en-US" sz="1400" kern="1200" dirty="0"/>
+        </a:p>
+      </dsp:txBody>
+      <dsp:txXfrm>
+        <a:off x="3393281" y="4075166"/>
+        <a:ext cx="1341437" cy="1341437"/>
+      </dsp:txXfrm>
+    </dsp:sp>
+    <dsp:sp modelId="{D84BA610-DDC1-0949-8752-3ECEB0FEAA97}">
+      <dsp:nvSpPr>
+        <dsp:cNvPr id="0" name=""/>
+        <dsp:cNvSpPr/>
+      </dsp:nvSpPr>
+      <dsp:spPr>
+        <a:xfrm>
+          <a:off x="1549560" y="385"/>
+          <a:ext cx="5028878" cy="5028878"/>
+        </a:xfrm>
+        <a:prstGeom prst="circularArrow">
+          <a:avLst>
+            <a:gd name="adj1" fmla="val 5202"/>
+            <a:gd name="adj2" fmla="val 336015"/>
+            <a:gd name="adj3" fmla="val 8210155"/>
+            <a:gd name="adj4" fmla="val 6449719"/>
+            <a:gd name="adj5" fmla="val 6068"/>
+          </a:avLst>
+        </a:prstGeom>
+        <a:gradFill rotWithShape="0">
+          <a:gsLst>
+            <a:gs pos="0">
+              <a:schemeClr val="accent1">
+                <a:hueOff val="0"/>
+                <a:satOff val="0"/>
+                <a:lumOff val="0"/>
+                <a:alphaOff val="0"/>
+                <a:tint val="96000"/>
+                <a:lumMod val="100000"/>
+              </a:schemeClr>
+            </a:gs>
+            <a:gs pos="78000">
+              <a:schemeClr val="accent1">
+                <a:hueOff val="0"/>
+                <a:satOff val="0"/>
+                <a:lumOff val="0"/>
+                <a:alphaOff val="0"/>
+                <a:shade val="94000"/>
+                <a:lumMod val="94000"/>
+              </a:schemeClr>
+            </a:gs>
+          </a:gsLst>
+          <a:lin ang="5400000" scaled="0"/>
+        </a:gradFill>
+        <a:ln>
+          <a:noFill/>
+        </a:ln>
+        <a:effectLst>
+          <a:outerShdw blurRad="38100" dist="25400" dir="5400000" rotWithShape="0">
+            <a:srgbClr val="000000">
+              <a:alpha val="35000"/>
+            </a:srgbClr>
+          </a:outerShdw>
+        </a:effectLst>
+      </dsp:spPr>
+      <dsp:style>
+        <a:lnRef idx="0">
+          <a:scrgbClr r="0" g="0" b="0"/>
+        </a:lnRef>
+        <a:fillRef idx="3">
+          <a:scrgbClr r="0" g="0" b="0"/>
+        </a:fillRef>
+        <a:effectRef idx="2">
+          <a:scrgbClr r="0" g="0" b="0"/>
+        </a:effectRef>
+        <a:fontRef idx="minor">
+          <a:schemeClr val="lt1"/>
+        </a:fontRef>
+      </dsp:style>
+    </dsp:sp>
+    <dsp:sp modelId="{71EE73FF-A55E-0643-B6C6-BDC95A3B2CF5}">
+      <dsp:nvSpPr>
+        <dsp:cNvPr id="0" name=""/>
+        <dsp:cNvSpPr/>
+      </dsp:nvSpPr>
+      <dsp:spPr>
+        <a:xfrm>
+          <a:off x="1271416" y="2533541"/>
+          <a:ext cx="1341437" cy="1341437"/>
+        </a:xfrm>
+        <a:prstGeom prst="rect">
+          <a:avLst/>
+        </a:prstGeom>
+        <a:noFill/>
+        <a:ln>
+          <a:noFill/>
+        </a:ln>
+        <a:effectLst/>
+      </dsp:spPr>
+      <dsp:style>
+        <a:lnRef idx="0">
+          <a:scrgbClr r="0" g="0" b="0"/>
+        </a:lnRef>
+        <a:fillRef idx="0">
+          <a:scrgbClr r="0" g="0" b="0"/>
+        </a:fillRef>
+        <a:effectRef idx="0">
+          <a:scrgbClr r="0" g="0" b="0"/>
+        </a:effectRef>
+        <a:fontRef idx="minor"/>
+      </dsp:style>
+      <dsp:txBody>
+        <a:bodyPr spcFirstLastPara="0" vert="horz" wrap="square" lIns="17780" tIns="17780" rIns="17780" bIns="17780" numCol="1" spcCol="1270" anchor="ctr" anchorCtr="0">
+          <a:noAutofit/>
+        </a:bodyPr>
+        <a:lstStyle/>
+        <a:p>
+          <a:pPr lvl="0" algn="ctr" defTabSz="622300">
+            <a:lnSpc>
+              <a:spcPct val="90000"/>
+            </a:lnSpc>
+            <a:spcBef>
+              <a:spcPct val="0"/>
+            </a:spcBef>
+            <a:spcAft>
+              <a:spcPct val="35000"/>
+            </a:spcAft>
+          </a:pPr>
+          <a:r>
+            <a:rPr lang="en-US" sz="1400" kern="1200" dirty="0" smtClean="0"/>
+            <a:t>Team revisit/meeting to move on to the next stage</a:t>
+          </a:r>
+          <a:endParaRPr lang="en-US" sz="1400" kern="1200" dirty="0"/>
+        </a:p>
+      </dsp:txBody>
+      <dsp:txXfrm>
+        <a:off x="1271416" y="2533541"/>
+        <a:ext cx="1341437" cy="1341437"/>
+      </dsp:txXfrm>
+    </dsp:sp>
+    <dsp:sp modelId="{3C083E73-331C-CB49-8964-D4D7CBED79B5}">
+      <dsp:nvSpPr>
+        <dsp:cNvPr id="0" name=""/>
+        <dsp:cNvSpPr/>
+      </dsp:nvSpPr>
+      <dsp:spPr>
+        <a:xfrm>
+          <a:off x="1549560" y="385"/>
+          <a:ext cx="5028878" cy="5028878"/>
+        </a:xfrm>
+        <a:prstGeom prst="circularArrow">
+          <a:avLst>
+            <a:gd name="adj1" fmla="val 5202"/>
+            <a:gd name="adj2" fmla="val 336015"/>
+            <a:gd name="adj3" fmla="val 12297380"/>
+            <a:gd name="adj4" fmla="val 10771160"/>
+            <a:gd name="adj5" fmla="val 6068"/>
+          </a:avLst>
+        </a:prstGeom>
+        <a:gradFill rotWithShape="0">
+          <a:gsLst>
+            <a:gs pos="0">
+              <a:schemeClr val="accent1">
+                <a:hueOff val="0"/>
+                <a:satOff val="0"/>
+                <a:lumOff val="0"/>
+                <a:alphaOff val="0"/>
+                <a:tint val="96000"/>
+                <a:lumMod val="100000"/>
+              </a:schemeClr>
+            </a:gs>
+            <a:gs pos="78000">
+              <a:schemeClr val="accent1">
+                <a:hueOff val="0"/>
+                <a:satOff val="0"/>
+                <a:lumOff val="0"/>
+                <a:alphaOff val="0"/>
+                <a:shade val="94000"/>
+                <a:lumMod val="94000"/>
+              </a:schemeClr>
+            </a:gs>
+          </a:gsLst>
+          <a:lin ang="5400000" scaled="0"/>
+        </a:gradFill>
+        <a:ln>
+          <a:noFill/>
+        </a:ln>
+        <a:effectLst>
+          <a:outerShdw blurRad="38100" dist="25400" dir="5400000" rotWithShape="0">
+            <a:srgbClr val="000000">
+              <a:alpha val="35000"/>
+            </a:srgbClr>
+          </a:outerShdw>
+        </a:effectLst>
+      </dsp:spPr>
+      <dsp:style>
+        <a:lnRef idx="0">
+          <a:scrgbClr r="0" g="0" b="0"/>
+        </a:lnRef>
+        <a:fillRef idx="3">
+          <a:scrgbClr r="0" g="0" b="0"/>
+        </a:fillRef>
+        <a:effectRef idx="2">
+          <a:scrgbClr r="0" g="0" b="0"/>
+        </a:effectRef>
+        <a:fontRef idx="minor">
+          <a:schemeClr val="lt1"/>
+        </a:fontRef>
+      </dsp:style>
+    </dsp:sp>
+    <dsp:sp modelId="{3B5B0166-6985-B547-B3F5-84787C4B2452}">
+      <dsp:nvSpPr>
+        <dsp:cNvPr id="0" name=""/>
+        <dsp:cNvSpPr/>
+      </dsp:nvSpPr>
+      <dsp:spPr>
+        <a:xfrm>
+          <a:off x="2081896" y="39140"/>
+          <a:ext cx="1341437" cy="1341437"/>
+        </a:xfrm>
+        <a:prstGeom prst="rect">
+          <a:avLst/>
+        </a:prstGeom>
+        <a:noFill/>
+        <a:ln>
+          <a:noFill/>
+        </a:ln>
+        <a:effectLst/>
+      </dsp:spPr>
+      <dsp:style>
+        <a:lnRef idx="0">
+          <a:scrgbClr r="0" g="0" b="0"/>
+        </a:lnRef>
+        <a:fillRef idx="0">
+          <a:scrgbClr r="0" g="0" b="0"/>
+        </a:fillRef>
+        <a:effectRef idx="0">
+          <a:scrgbClr r="0" g="0" b="0"/>
+        </a:effectRef>
+        <a:fontRef idx="minor"/>
+      </dsp:style>
+      <dsp:txBody>
+        <a:bodyPr spcFirstLastPara="0" vert="horz" wrap="square" lIns="17780" tIns="17780" rIns="17780" bIns="17780" numCol="1" spcCol="1270" anchor="ctr" anchorCtr="0">
+          <a:noAutofit/>
+        </a:bodyPr>
+        <a:lstStyle/>
+        <a:p>
+          <a:pPr lvl="0" algn="ctr" defTabSz="622300">
+            <a:lnSpc>
+              <a:spcPct val="90000"/>
+            </a:lnSpc>
+            <a:spcBef>
+              <a:spcPct val="0"/>
+            </a:spcBef>
+            <a:spcAft>
+              <a:spcPct val="35000"/>
+            </a:spcAft>
+          </a:pPr>
+          <a:r>
+            <a:rPr lang="en-US" sz="1400" kern="1200" dirty="0" smtClean="0"/>
+            <a:t>Identify </a:t>
+          </a:r>
+          <a:r>
+            <a:rPr lang="en-US" sz="1400" kern="1200" dirty="0" err="1" smtClean="0"/>
+            <a:t>MoSCoW</a:t>
+          </a:r>
+          <a:r>
+            <a:rPr lang="en-US" sz="1400" kern="1200" dirty="0" smtClean="0"/>
+            <a:t> requirement</a:t>
+          </a:r>
+          <a:endParaRPr lang="en-US" sz="1400" kern="1200" dirty="0"/>
+        </a:p>
+      </dsp:txBody>
+      <dsp:txXfrm>
+        <a:off x="2081896" y="39140"/>
+        <a:ext cx="1341437" cy="1341437"/>
+      </dsp:txXfrm>
+    </dsp:sp>
+    <dsp:sp modelId="{510115F9-3739-E94E-8BF7-B34D6D8B1927}">
+      <dsp:nvSpPr>
+        <dsp:cNvPr id="0" name=""/>
+        <dsp:cNvSpPr/>
+      </dsp:nvSpPr>
+      <dsp:spPr>
+        <a:xfrm>
+          <a:off x="1549560" y="385"/>
+          <a:ext cx="5028878" cy="5028878"/>
+        </a:xfrm>
+        <a:prstGeom prst="circularArrow">
+          <a:avLst>
+            <a:gd name="adj1" fmla="val 5202"/>
+            <a:gd name="adj2" fmla="val 336015"/>
+            <a:gd name="adj3" fmla="val 16865256"/>
+            <a:gd name="adj4" fmla="val 15198729"/>
+            <a:gd name="adj5" fmla="val 6068"/>
+          </a:avLst>
+        </a:prstGeom>
+        <a:gradFill rotWithShape="0">
+          <a:gsLst>
+            <a:gs pos="0">
+              <a:schemeClr val="accent1">
+                <a:hueOff val="0"/>
+                <a:satOff val="0"/>
+                <a:lumOff val="0"/>
+                <a:alphaOff val="0"/>
+                <a:tint val="96000"/>
+                <a:lumMod val="100000"/>
+              </a:schemeClr>
+            </a:gs>
+            <a:gs pos="78000">
+              <a:schemeClr val="accent1">
+                <a:hueOff val="0"/>
+                <a:satOff val="0"/>
+                <a:lumOff val="0"/>
+                <a:alphaOff val="0"/>
+                <a:shade val="94000"/>
+                <a:lumMod val="94000"/>
+              </a:schemeClr>
+            </a:gs>
+          </a:gsLst>
+          <a:lin ang="5400000" scaled="0"/>
+        </a:gradFill>
+        <a:ln>
+          <a:noFill/>
+        </a:ln>
+        <a:effectLst>
+          <a:outerShdw blurRad="38100" dist="25400" dir="5400000" rotWithShape="0">
+            <a:srgbClr val="000000">
+              <a:alpha val="35000"/>
+            </a:srgbClr>
+          </a:outerShdw>
+        </a:effectLst>
+      </dsp:spPr>
+      <dsp:style>
+        <a:lnRef idx="0">
+          <a:scrgbClr r="0" g="0" b="0"/>
+        </a:lnRef>
+        <a:fillRef idx="3">
+          <a:scrgbClr r="0" g="0" b="0"/>
+        </a:fillRef>
+        <a:effectRef idx="2">
+          <a:scrgbClr r="0" g="0" b="0"/>
+        </a:effectRef>
+        <a:fontRef idx="minor">
+          <a:schemeClr val="lt1"/>
+        </a:fontRef>
+      </dsp:style>
+    </dsp:sp>
+  </dsp:spTree>
+</dsp:drawing>
+</file>
+
+<file path=ppt/diagrams/layout1.xml><?xml version="1.0" encoding="utf-8"?>
+<dgm:layoutDef xmlns:dgm="http://schemas.openxmlformats.org/drawingml/2006/diagram" xmlns:a="http://schemas.openxmlformats.org/drawingml/2006/main" uniqueId="urn:microsoft.com/office/officeart/2005/8/layout/cycle1">
+  <dgm:title val=""/>
+  <dgm:desc val=""/>
+  <dgm:catLst>
+    <dgm:cat type="cycle" pri="2000"/>
+  </dgm:catLst>
+  <dgm:sampData>
+    <dgm:dataModel>
+      <dgm:ptLst>
+        <dgm:pt modelId="0" type="doc"/>
+        <dgm:pt modelId="1">
+          <dgm:prSet phldr="1"/>
+        </dgm:pt>
+        <dgm:pt modelId="2">
+          <dgm:prSet phldr="1"/>
+        </dgm:pt>
+        <dgm:pt modelId="3">
+          <dgm:prSet phldr="1"/>
+        </dgm:pt>
+        <dgm:pt modelId="4">
+          <dgm:prSet phldr="1"/>
+        </dgm:pt>
+        <dgm:pt modelId="5">
+          <dgm:prSet phldr="1"/>
+        </dgm:pt>
+      </dgm:ptLst>
+      <dgm:cxnLst>
+        <dgm:cxn modelId="6" srcId="0" destId="1" srcOrd="0" destOrd="0"/>
+        <dgm:cxn modelId="7" srcId="0" destId="2" srcOrd="1" destOrd="0"/>
+        <dgm:cxn modelId="8" srcId="0" destId="3" srcOrd="2" destOrd="0"/>
+        <dgm:cxn modelId="9" srcId="0" destId="4" srcOrd="3" destOrd="0"/>
+        <dgm:cxn modelId="10" srcId="0" destId="5" srcOrd="4" destOrd="0"/>
+      </dgm:cxnLst>
+      <dgm:bg/>
+      <dgm:whole/>
+    </dgm:dataModel>
+  </dgm:sampData>
+  <dgm:styleData>
+    <dgm:dataModel>
+      <dgm:ptLst>
+        <dgm:pt modelId="0" type="doc"/>
+        <dgm:pt modelId="1"/>
+        <dgm:pt modelId="2"/>
+        <dgm:pt modelId="3"/>
+      </dgm:ptLst>
+      <dgm:cxnLst>
+        <dgm:cxn modelId="4" srcId="0" destId="1" srcOrd="0" destOrd="0"/>
+        <dgm:cxn modelId="5" srcId="0" destId="2" srcOrd="1" destOrd="0"/>
+        <dgm:cxn modelId="6" srcId="0" destId="3" srcOrd="2" destOrd="0"/>
+      </dgm:cxnLst>
+      <dgm:bg/>
+      <dgm:whole/>
+    </dgm:dataModel>
+  </dgm:styleData>
+  <dgm:clrData>
+    <dgm:dataModel>
+      <dgm:ptLst>
+        <dgm:pt modelId="0" type="doc"/>
+        <dgm:pt modelId="1"/>
+        <dgm:pt modelId="2"/>
+        <dgm:pt modelId="3"/>
+        <dgm:pt modelId="4"/>
+        <dgm:pt modelId="5"/>
+        <dgm:pt modelId="6"/>
+      </dgm:ptLst>
+      <dgm:cxnLst>
+        <dgm:cxn modelId="7" srcId="0" destId="1" srcOrd="0" destOrd="0"/>
+        <dgm:cxn modelId="8" srcId="0" destId="2" srcOrd="1" destOrd="0"/>
+        <dgm:cxn modelId="9" srcId="0" destId="3" srcOrd="2" destOrd="0"/>
+        <dgm:cxn modelId="10" srcId="0" destId="4" srcOrd="3" destOrd="0"/>
+        <dgm:cxn modelId="11" srcId="0" destId="5" srcOrd="4" destOrd="0"/>
+        <dgm:cxn modelId="12" srcId="0" destId="6" srcOrd="5" destOrd="0"/>
+      </dgm:cxnLst>
+      <dgm:bg/>
+      <dgm:whole/>
+    </dgm:dataModel>
+  </dgm:clrData>
+  <dgm:layoutNode name="cycle">
+    <dgm:varLst>
+      <dgm:dir/>
+      <dgm:resizeHandles val="exact"/>
+    </dgm:varLst>
+    <dgm:choose name="Name0">
+      <dgm:if name="Name1" func="var" arg="dir" op="equ" val="norm">
+        <dgm:alg type="cycle">
+          <dgm:param type="stAng" val="0"/>
+          <dgm:param type="spanAng" val="360"/>
+        </dgm:alg>
+      </dgm:if>
+      <dgm:else name="Name2">
+        <dgm:alg type="cycle">
+          <dgm:param type="stAng" val="0"/>
+          <dgm:param type="spanAng" val="-360"/>
+        </dgm:alg>
+      </dgm:else>
+    </dgm:choose>
+    <dgm:shape xmlns:r="http://schemas.openxmlformats.org/officeDocument/2006/relationships" r:blip="">
+      <dgm:adjLst/>
+    </dgm:shape>
+    <dgm:presOf/>
+    <dgm:choose name="Name3">
+      <dgm:if name="Name4" func="var" arg="dir" op="equ" val="norm">
+        <dgm:constrLst>
+          <dgm:constr type="diam" val="1"/>
+          <dgm:constr type="w" for="ch" forName="node" refType="w"/>
+          <dgm:constr type="w" for="ch" ptType="sibTrans" refType="w" refFor="ch" refForName="node" fact="0.5"/>
+          <dgm:constr type="h" for="ch" ptType="sibTrans" op="equ"/>
+          <dgm:constr type="diam" for="ch" ptType="sibTrans" refType="diam" op="equ"/>
+          <dgm:constr type="sibSp" refType="w" refFor="ch" refForName="node" fact="0.15"/>
+          <dgm:constr type="w" for="ch" forName="dummy" refType="sibSp" fact="2.8"/>
+          <dgm:constr type="primFontSz" for="ch" forName="node" op="equ" val="65"/>
+        </dgm:constrLst>
+      </dgm:if>
+      <dgm:else name="Name5">
+        <dgm:constrLst>
+          <dgm:constr type="diam" val="1"/>
+          <dgm:constr type="w" for="ch" forName="node" refType="w"/>
+          <dgm:constr type="w" for="ch" ptType="sibTrans" refType="w" refFor="ch" refForName="node" fact="0.5"/>
+          <dgm:constr type="h" for="ch" ptType="sibTrans" op="equ"/>
+          <dgm:constr type="diam" for="ch" ptType="sibTrans" refType="diam" op="equ" fact="-1"/>
+          <dgm:constr type="sibSp" refType="w" refFor="ch" refForName="node" fact="0.15"/>
+          <dgm:constr type="w" for="ch" forName="dummy" refType="sibSp" fact="2.8"/>
+          <dgm:constr type="primFontSz" for="ch" forName="node" op="equ" val="65"/>
+        </dgm:constrLst>
+      </dgm:else>
+    </dgm:choose>
+    <dgm:ruleLst>
+      <dgm:rule type="diam" val="INF" fact="NaN" max="NaN"/>
+    </dgm:ruleLst>
+    <dgm:forEach name="nodesForEach" axis="ch" ptType="node">
+      <dgm:choose name="Name6">
+        <dgm:if name="Name7" axis="par ch" ptType="doc node" func="cnt" op="gt" val="1">
+          <dgm:layoutNode name="dummy">
+            <dgm:alg type="sp"/>
+            <dgm:shape xmlns:r="http://schemas.openxmlformats.org/officeDocument/2006/relationships" r:blip="">
+              <dgm:adjLst/>
+            </dgm:shape>
+            <dgm:presOf/>
+            <dgm:constrLst>
+              <dgm:constr type="h" refType="w"/>
+            </dgm:constrLst>
+            <dgm:ruleLst/>
+          </dgm:layoutNode>
+        </dgm:if>
+        <dgm:else name="Name8"/>
+      </dgm:choose>
+      <dgm:layoutNode name="node" styleLbl="revTx">
+        <dgm:varLst>
+          <dgm:bulletEnabled val="1"/>
+        </dgm:varLst>
+        <dgm:alg type="tx">
+          <dgm:param type="txAnchorVertCh" val="mid"/>
+        </dgm:alg>
+        <dgm:shape xmlns:r="http://schemas.openxmlformats.org/officeDocument/2006/relationships" type="rect" r:blip="">
+          <dgm:adjLst/>
+        </dgm:shape>
+        <dgm:presOf axis="desOrSelf" ptType="node"/>
+        <dgm:constrLst>
+          <dgm:constr type="h" refType="w"/>
+          <dgm:constr type="lMarg" refType="primFontSz" fact="0.1"/>
+          <dgm:constr type="rMarg" refType="primFontSz" fact="0.1"/>
+          <dgm:constr type="tMarg" refType="primFontSz" fact="0.1"/>
+          <dgm:constr type="bMarg" refType="primFontSz" fact="0.1"/>
+        </dgm:constrLst>
+        <dgm:ruleLst>
+          <dgm:rule type="primFontSz" val="5" fact="NaN" max="NaN"/>
+        </dgm:ruleLst>
+      </dgm:layoutNode>
+      <dgm:choose name="Name9">
+        <dgm:if name="Name10" axis="par ch" ptType="doc node" func="cnt" op="gt" val="1">
+          <dgm:forEach name="Name11" axis="followSib" ptType="sibTrans" hideLastTrans="0" cnt="1">
+            <dgm:layoutNode name="sibTrans" styleLbl="node1">
+              <dgm:alg type="conn">
+                <dgm:param type="connRout" val="curve"/>
+                <dgm:param type="begPts" val="radial"/>
+                <dgm:param type="endPts" val="radial"/>
+              </dgm:alg>
+              <dgm:shape xmlns:r="http://schemas.openxmlformats.org/officeDocument/2006/relationships" type="conn" r:blip="">
+                <dgm:adjLst/>
+              </dgm:shape>
+              <dgm:presOf axis="self"/>
+              <dgm:constrLst>
+                <dgm:constr type="h" refType="w" fact="0.65"/>
+                <dgm:constr type="begPad"/>
+                <dgm:constr type="endPad"/>
+              </dgm:constrLst>
+              <dgm:ruleLst/>
+            </dgm:layoutNode>
+          </dgm:forEach>
+        </dgm:if>
+        <dgm:else name="Name12"/>
+      </dgm:choose>
+    </dgm:forEach>
+  </dgm:layoutNode>
+</dgm:layoutDef>
+</file>
+
+<file path=ppt/diagrams/quickStyle1.xml><?xml version="1.0" encoding="utf-8"?>
+<dgm:styleDef xmlns:dgm="http://schemas.openxmlformats.org/drawingml/2006/diagram" xmlns:a="http://schemas.openxmlformats.org/drawingml/2006/main" uniqueId="urn:microsoft.com/office/officeart/2005/8/quickstyle/simple4">
+  <dgm:title val=""/>
+  <dgm:desc val=""/>
+  <dgm:catLst>
+    <dgm:cat type="simple" pri="10400"/>
+  </dgm:catLst>
+  <dgm:scene3d>
+    <a:camera prst="orthographicFront"/>
+    <a:lightRig rig="threePt" dir="t"/>
+  </dgm:scene3d>
+  <dgm:styleLbl name="node0">
+    <dgm:scene3d>
+      <a:camera prst="orthographicFront"/>
+      <a:lightRig rig="threePt" dir="t"/>
+    </dgm:scene3d>
+    <dgm:sp3d/>
+    <dgm:txPr/>
+    <dgm:style>
+      <a:lnRef idx="0">
+        <a:scrgbClr r="0" g="0" b="0"/>
+      </a:lnRef>
+      <a:fillRef idx="3">
+        <a:scrgbClr r="0" g="0" b="0"/>
+      </a:fillRef>
+      <a:effectRef idx="2">
+        <a:scrgbClr r="0" g="0" b="0"/>
+      </a:effectRef>
+      <a:fontRef idx="minor">
+        <a:schemeClr val="lt1"/>
+      </a:fontRef>
+    </dgm:style>
+  </dgm:styleLbl>
+  <dgm:styleLbl name="lnNode1">
+    <dgm:scene3d>
+      <a:camera prst="orthographicFront"/>
+      <a:lightRig rig="threePt" dir="t"/>
+    </dgm:scene3d>
+    <dgm:sp3d/>
+    <dgm:txPr/>
+    <dgm:style>
+      <a:lnRef idx="1">
+        <a:scrgbClr r="0" g="0" b="0"/>
+      </a:lnRef>
+      <a:fillRef idx="3">
+        <a:scrgbClr r="0" g="0" b="0"/>
+      </a:fillRef>
+      <a:effectRef idx="2">
+        <a:scrgbClr r="0" g="0" b="0"/>
+      </a:effectRef>
+      <a:fontRef idx="minor">
+        <a:schemeClr val="lt1"/>
+      </a:fontRef>
+    </dgm:style>
+  </dgm:styleLbl>
+  <dgm:styleLbl name="vennNode1">
+    <dgm:scene3d>
+      <a:camera prst="orthographicFront"/>
+      <a:lightRig rig="threePt" dir="t"/>
+    </dgm:scene3d>
+    <dgm:sp3d/>
+    <dgm:txPr/>
+    <dgm:style>
+      <a:lnRef idx="0">
+        <a:scrgbClr r="0" g="0" b="0"/>
+      </a:lnRef>
+      <a:fillRef idx="3">
+        <a:scrgbClr r="0" g="0" b="0"/>
+      </a:fillRef>
+      <a:effectRef idx="0">
+        <a:scrgbClr r="0" g="0" b="0"/>
+      </a:effectRef>
+      <a:fontRef idx="minor">
+        <a:schemeClr val="tx1"/>
+      </a:fontRef>
+    </dgm:style>
+  </dgm:styleLbl>
+  <dgm:styleLbl name="alignNode1">
+    <dgm:scene3d>
+      <a:camera prst="orthographicFront"/>
+      <a:lightRig rig="threePt" dir="t"/>
+    </dgm:scene3d>
+    <dgm:sp3d/>
+    <dgm:txPr/>
+    <dgm:style>
+      <a:lnRef idx="1">
+        <a:scrgbClr r="0" g="0" b="0"/>
+      </a:lnRef>
+      <a:fillRef idx="3">
+        <a:scrgbClr r="0" g="0" b="0"/>
+      </a:fillRef>
+      <a:effectRef idx="2">
+        <a:scrgbClr r="0" g="0" b="0"/>
+      </a:effectRef>
+      <a:fontRef idx="minor">
+        <a:schemeClr val="lt1"/>
+      </a:fontRef>
+    </dgm:style>
+  </dgm:styleLbl>
+  <dgm:styleLbl name="node1">
+    <dgm:scene3d>
+      <a:camera prst="orthographicFront"/>
+      <a:lightRig rig="threePt" dir="t"/>
+    </dgm:scene3d>
+    <dgm:sp3d/>
+    <dgm:txPr/>
+    <dgm:style>
+      <a:lnRef idx="0">
+        <a:scrgbClr r="0" g="0" b="0"/>
+      </a:lnRef>
+      <a:fillRef idx="3">
+        <a:scrgbClr r="0" g="0" b="0"/>
+      </a:fillRef>
+      <a:effectRef idx="2">
+        <a:scrgbClr r="0" g="0" b="0"/>
+      </a:effectRef>
+      <a:fontRef idx="minor">
+        <a:schemeClr val="lt1"/>
+      </a:fontRef>
+    </dgm:style>
+  </dgm:styleLbl>
+  <dgm:styleLbl name="node2">
+    <dgm:scene3d>
+      <a:camera prst="orthographicFront"/>
+      <a:lightRig rig="threePt" dir="t"/>
+    </dgm:scene3d>
+    <dgm:sp3d/>
+    <dgm:txPr/>
+    <dgm:style>
+      <a:lnRef idx="0">
+        <a:scrgbClr r="0" g="0" b="0"/>
+      </a:lnRef>
+      <a:fillRef idx="3">
+        <a:scrgbClr r="0" g="0" b="0"/>
+      </a:fillRef>
+      <a:effectRef idx="2">
+        <a:scrgbClr r="0" g="0" b="0"/>
+      </a:effectRef>
+      <a:fontRef idx="minor">
+        <a:schemeClr val="lt1"/>
+      </a:fontRef>
+    </dgm:style>
+  </dgm:styleLbl>
+  <dgm:styleLbl name="node3">
+    <dgm:scene3d>
+      <a:camera prst="orthographicFront"/>
+      <a:lightRig rig="threePt" dir="t"/>
+    </dgm:scene3d>
+    <dgm:sp3d/>
+    <dgm:txPr/>
+    <dgm:style>
+      <a:lnRef idx="0">
+        <a:scrgbClr r="0" g="0" b="0"/>
+      </a:lnRef>
+      <a:fillRef idx="3">
+        <a:scrgbClr r="0" g="0" b="0"/>
+      </a:fillRef>
+      <a:effectRef idx="2">
+        <a:scrgbClr r="0" g="0" b="0"/>
+      </a:effectRef>
+      <a:fontRef idx="minor">
+        <a:schemeClr val="lt1"/>
+      </a:fontRef>
+    </dgm:style>
+  </dgm:styleLbl>
+  <dgm:styleLbl name="node4">
+    <dgm:scene3d>
+      <a:camera prst="orthographicFront"/>
+      <a:lightRig rig="threePt" dir="t"/>
+    </dgm:scene3d>
+    <dgm:sp3d/>
+    <dgm:txPr/>
+    <dgm:style>
+      <a:lnRef idx="0">
+        <a:scrgbClr r="0" g="0" b="0"/>
+      </a:lnRef>
+      <a:fillRef idx="3">
+        <a:scrgbClr r="0" g="0" b="0"/>
+      </a:fillRef>
+      <a:effectRef idx="2">
+        <a:scrgbClr r="0" g="0" b="0"/>
+      </a:effectRef>
+      <a:fontRef idx="minor">
+        <a:schemeClr val="lt1"/>
+      </a:fontRef>
+    </dgm:style>
+  </dgm:styleLbl>
+  <dgm:styleLbl name="fgImgPlace1">
+    <dgm:scene3d>
+      <a:camera prst="orthographicFront"/>
+      <a:lightRig rig="threePt" dir="t"/>
+    </dgm:scene3d>
+    <dgm:sp3d/>
+    <dgm:txPr/>
+    <dgm:style>
+      <a:lnRef idx="0">
+        <a:scrgbClr r="0" g="0" b="0"/>
+      </a:lnRef>
+      <a:fillRef idx="1">
+        <a:scrgbClr r="0" g="0" b="0"/>
+      </a:fillRef>
+      <a:effectRef idx="2">
+        <a:scrgbClr r="0" g="0" b="0"/>
+      </a:effectRef>
+      <a:fontRef idx="minor"/>
+    </dgm:style>
+  </dgm:styleLbl>
+  <dgm:styleLbl name="alignImgPlace1">
+    <dgm:scene3d>
+      <a:camera prst="orthographicFront"/>
+      <a:lightRig rig="threePt" dir="t"/>
+    </dgm:scene3d>
+    <dgm:sp3d/>
+    <dgm:txPr/>
+    <dgm:style>
+      <a:lnRef idx="0">
+        <a:scrgbClr r="0" g="0" b="0"/>
+      </a:lnRef>
+      <a:fillRef idx="1">
+        <a:scrgbClr r="0" g="0" b="0"/>
+      </a:fillRef>
+      <a:effectRef idx="2">
+        <a:scrgbClr r="0" g="0" b="0"/>
+      </a:effectRef>
+      <a:fontRef idx="minor"/>
+    </dgm:style>
+  </dgm:styleLbl>
+  <dgm:styleLbl name="bgImgPlace1">
+    <dgm:scene3d>
+      <a:camera prst="orthographicFront"/>
+      <a:lightRig rig="threePt" dir="t"/>
+    </dgm:scene3d>
+    <dgm:sp3d/>
+    <dgm:txPr/>
+    <dgm:style>
+      <a:lnRef idx="0">
+        <a:scrgbClr r="0" g="0" b="0"/>
+      </a:lnRef>
+      <a:fillRef idx="1">
+        <a:scrgbClr r="0" g="0" b="0"/>
+      </a:fillRef>
+      <a:effectRef idx="2">
+        <a:scrgbClr r="0" g="0" b="0"/>
+      </a:effectRef>
+      <a:fontRef idx="minor"/>
+    </dgm:style>
+  </dgm:styleLbl>
+  <dgm:styleLbl name="sibTrans2D1">
+    <dgm:scene3d>
+      <a:camera prst="orthographicFront"/>
+      <a:lightRig rig="threePt" dir="t"/>
+    </dgm:scene3d>
+    <dgm:sp3d/>
+    <dgm:txPr/>
+    <dgm:style>
+      <a:lnRef idx="0">
+        <a:scrgbClr r="0" g="0" b="0"/>
+      </a:lnRef>
+      <a:fillRef idx="3">
+        <a:scrgbClr r="0" g="0" b="0"/>
+      </a:fillRef>
+      <a:effectRef idx="2">
+        <a:scrgbClr r="0" g="0" b="0"/>
+      </a:effectRef>
+      <a:fontRef idx="minor">
+        <a:schemeClr val="lt1"/>
+      </a:fontRef>
+    </dgm:style>
+  </dgm:styleLbl>
+  <dgm:styleLbl name="fgSibTrans2D1">
+    <dgm:scene3d>
+      <a:camera prst="orthographicFront"/>
+      <a:lightRig rig="threePt" dir="t"/>
+    </dgm:scene3d>
+    <dgm:sp3d/>
+    <dgm:txPr/>
+    <dgm:style>
+      <a:lnRef idx="0">
+        <a:scrgbClr r="0" g="0" b="0"/>
+      </a:lnRef>
+      <a:fillRef idx="3">
+        <a:scrgbClr r="0" g="0" b="0"/>
+      </a:fillRef>
+      <a:effectRef idx="2">
+        <a:scrgbClr r="0" g="0" b="0"/>
+      </a:effectRef>
+      <a:fontRef idx="minor">
+        <a:schemeClr val="lt1"/>
+      </a:fontRef>
+    </dgm:style>
+  </dgm:styleLbl>
+  <dgm:styleLbl name="bgSibTrans2D1">
+    <dgm:scene3d>
+      <a:camera prst="orthographicFront"/>
+      <a:lightRig rig="threePt" dir="t"/>
+    </dgm:scene3d>
+    <dgm:sp3d/>
+    <dgm:txPr/>
+    <dgm:style>
+      <a:lnRef idx="0">
+        <a:scrgbClr r="0" g="0" b="0"/>
+      </a:lnRef>
+      <a:fillRef idx="3">
+        <a:scrgbClr r="0" g="0" b="0"/>
+      </a:fillRef>
+      <a:effectRef idx="2">
+        <a:scrgbClr r="0" g="0" b="0"/>
+      </a:effectRef>
+      <a:fontRef idx="minor">
+        <a:schemeClr val="lt1"/>
+      </a:fontRef>
+    </dgm:style>
+  </dgm:styleLbl>
+  <dgm:styleLbl name="sibTrans1D1">
+    <dgm:scene3d>
+      <a:camera prst="orthographicFront"/>
+      <a:lightRig rig="threePt" dir="t"/>
+    </dgm:scene3d>
+    <dgm:sp3d/>
+    <dgm:txPr/>
+    <dgm:style>
+      <a:lnRef idx="1">
+        <a:scrgbClr r="0" g="0" b="0"/>
+      </a:lnRef>
+      <a:fillRef idx="0">
+        <a:scrgbClr r="0" g="0" b="0"/>
+      </a:fillRef>
+      <a:effectRef idx="0">
+        <a:scrgbClr r="0" g="0" b="0"/>
+      </a:effectRef>
+      <a:fontRef idx="minor"/>
+    </dgm:style>
+  </dgm:styleLbl>
+  <dgm:styleLbl name="callout">
+    <dgm:scene3d>
+      <a:camera prst="orthographicFront"/>
+      <a:lightRig rig="threePt" dir="t"/>
+    </dgm:scene3d>
+    <dgm:sp3d/>
+    <dgm:txPr/>
+    <dgm:style>
+      <a:lnRef idx="2">
+        <a:scrgbClr r="0" g="0" b="0"/>
+      </a:lnRef>
+      <a:fillRef idx="1">
+        <a:scrgbClr r="0" g="0" b="0"/>
+      </a:fillRef>
+      <a:effectRef idx="1">
+        <a:scrgbClr r="0" g="0" b="0"/>
+      </a:effectRef>
+      <a:fontRef idx="minor"/>
+    </dgm:style>
+  </dgm:styleLbl>
+  <dgm:styleLbl name="asst0">
+    <dgm:scene3d>
+      <a:camera prst="orthographicFront"/>
+      <a:lightRig rig="threePt" dir="t"/>
+    </dgm:scene3d>
+    <dgm:sp3d/>
+    <dgm:txPr/>
+    <dgm:style>
+      <a:lnRef idx="0">
+        <a:scrgbClr r="0" g="0" b="0"/>
+      </a:lnRef>
+      <a:fillRef idx="3">
+        <a:scrgbClr r="0" g="0" b="0"/>
+      </a:fillRef>
+      <a:effectRef idx="2">
+        <a:scrgbClr r="0" g="0" b="0"/>
+      </a:effectRef>
+      <a:fontRef idx="minor">
+        <a:schemeClr val="lt1"/>
+      </a:fontRef>
+    </dgm:style>
+  </dgm:styleLbl>
+  <dgm:styleLbl name="asst1">
+    <dgm:scene3d>
+      <a:camera prst="orthographicFront"/>
+      <a:lightRig rig="threePt" dir="t"/>
+    </dgm:scene3d>
+    <dgm:sp3d/>
+    <dgm:txPr/>
+    <dgm:style>
+      <a:lnRef idx="0">
+        <a:scrgbClr r="0" g="0" b="0"/>
+      </a:lnRef>
+      <a:fillRef idx="3">
+        <a:scrgbClr r="0" g="0" b="0"/>
+      </a:fillRef>
+      <a:effectRef idx="2">
+        <a:scrgbClr r="0" g="0" b="0"/>
+      </a:effectRef>
+      <a:fontRef idx="minor">
+        <a:schemeClr val="lt1"/>
+      </a:fontRef>
+    </dgm:style>
+  </dgm:styleLbl>
+  <dgm:styleLbl name="asst2">
+    <dgm:scene3d>
+      <a:camera prst="orthographicFront"/>
+      <a:lightRig rig="threePt" dir="t"/>
+    </dgm:scene3d>
+    <dgm:sp3d/>
+    <dgm:txPr/>
+    <dgm:style>
+      <a:lnRef idx="0">
+        <a:scrgbClr r="0" g="0" b="0"/>
+      </a:lnRef>
+      <a:fillRef idx="3">
+        <a:scrgbClr r="0" g="0" b="0"/>
+      </a:fillRef>
+      <a:effectRef idx="2">
+        <a:scrgbClr r="0" g="0" b="0"/>
+      </a:effectRef>
+      <a:fontRef idx="minor">
+        <a:schemeClr val="lt1"/>
+      </a:fontRef>
+    </dgm:style>
+  </dgm:styleLbl>
+  <dgm:styleLbl name="asst3">
+    <dgm:scene3d>
+      <a:camera prst="orthographicFront"/>
+      <a:lightRig rig="threePt" dir="t"/>
+    </dgm:scene3d>
+    <dgm:sp3d/>
+    <dgm:txPr/>
+    <dgm:style>
+      <a:lnRef idx="0">
+        <a:scrgbClr r="0" g="0" b="0"/>
+      </a:lnRef>
+      <a:fillRef idx="3">
+        <a:scrgbClr r="0" g="0" b="0"/>
+      </a:fillRef>
+      <a:effectRef idx="2">
+        <a:scrgbClr r="0" g="0" b="0"/>
+      </a:effectRef>
+      <a:fontRef idx="minor">
+        <a:schemeClr val="lt1"/>
+      </a:fontRef>
+    </dgm:style>
+  </dgm:styleLbl>
+  <dgm:styleLbl name="asst4">
+    <dgm:scene3d>
+      <a:camera prst="orthographicFront"/>
+      <a:lightRig rig="threePt" dir="t"/>
+    </dgm:scene3d>
+    <dgm:sp3d/>
+    <dgm:txPr/>
+    <dgm:style>
+      <a:lnRef idx="0">
+        <a:scrgbClr r="0" g="0" b="0"/>
+      </a:lnRef>
+      <a:fillRef idx="3">
+        <a:scrgbClr r="0" g="0" b="0"/>
+      </a:fillRef>
+      <a:effectRef idx="2">
+        <a:scrgbClr r="0" g="0" b="0"/>
+      </a:effectRef>
+      <a:fontRef idx="minor">
+        <a:schemeClr val="lt1"/>
+      </a:fontRef>
+    </dgm:style>
+  </dgm:styleLbl>
+  <dgm:styleLbl name="parChTrans2D1">
+    <dgm:scene3d>
+      <a:camera prst="orthographicFront"/>
+      <a:lightRig rig="threePt" dir="t"/>
+    </dgm:scene3d>
+    <dgm:sp3d/>
+    <dgm:txPr/>
+    <dgm:style>
+      <a:lnRef idx="0">
+        <a:scrgbClr r="0" g="0" b="0"/>
+      </a:lnRef>
+      <a:fillRef idx="3">
+        <a:scrgbClr r="0" g="0" b="0"/>
+      </a:fillRef>
+      <a:effectRef idx="2">
+        <a:scrgbClr r="0" g="0" b="0"/>
+      </a:effectRef>
+      <a:fontRef idx="minor">
+        <a:schemeClr val="lt1"/>
+      </a:fontRef>
+    </dgm:style>
+  </dgm:styleLbl>
+  <dgm:styleLbl name="parChTrans2D2">
+    <dgm:scene3d>
+      <a:camera prst="orthographicFront"/>
+      <a:lightRig rig="threePt" dir="t"/>
+    </dgm:scene3d>
+    <dgm:sp3d/>
+    <dgm:txPr/>
+    <dgm:style>
+      <a:lnRef idx="0">
+        <a:scrgbClr r="0" g="0" b="0"/>
+      </a:lnRef>
+      <a:fillRef idx="3">
+        <a:scrgbClr r="0" g="0" b="0"/>
+      </a:fillRef>
+      <a:effectRef idx="2">
+        <a:scrgbClr r="0" g="0" b="0"/>
+      </a:effectRef>
+      <a:fontRef idx="minor">
+        <a:schemeClr val="lt1"/>
+      </a:fontRef>
+    </dgm:style>
+  </dgm:styleLbl>
+  <dgm:styleLbl name="parChTrans2D3">
+    <dgm:scene3d>
+      <a:camera prst="orthographicFront"/>
+      <a:lightRig rig="threePt" dir="t"/>
+    </dgm:scene3d>
+    <dgm:sp3d/>
+    <dgm:txPr/>
+    <dgm:style>
+      <a:lnRef idx="1">
+        <a:scrgbClr r="0" g="0" b="0"/>
+      </a:lnRef>
+      <a:fillRef idx="3">
+        <a:scrgbClr r="0" g="0" b="0"/>
+      </a:fillRef>
+      <a:effectRef idx="2">
+        <a:scrgbClr r="0" g="0" b="0"/>
+      </a:effectRef>
+      <a:fontRef idx="minor">
+        <a:schemeClr val="lt1"/>
+      </a:fontRef>
+    </dgm:style>
+  </dgm:styleLbl>
+  <dgm:styleLbl name="parChTrans2D4">
+    <dgm:scene3d>
+      <a:camera prst="orthographicFront"/>
+      <a:lightRig rig="threePt" dir="t"/>
+    </dgm:scene3d>
+    <dgm:sp3d/>
+    <dgm:txPr/>
+    <dgm:style>
+      <a:lnRef idx="1">
+        <a:scrgbClr r="0" g="0" b="0"/>
+      </a:lnRef>
+      <a:fillRef idx="3">
+        <a:scrgbClr r="0" g="0" b="0"/>
+      </a:fillRef>
+      <a:effectRef idx="2">
+        <a:scrgbClr r="0" g="0" b="0"/>
+      </a:effectRef>
+      <a:fontRef idx="minor">
+        <a:schemeClr val="lt1"/>
+      </a:fontRef>
+    </dgm:style>
+  </dgm:styleLbl>
+  <dgm:styleLbl name="parChTrans1D1">
+    <dgm:scene3d>
+      <a:camera prst="orthographicFront"/>
+      <a:lightRig rig="threePt" dir="t"/>
+    </dgm:scene3d>
+    <dgm:sp3d/>
+    <dgm:txPr/>
+    <dgm:style>
+      <a:lnRef idx="1">
+        <a:scrgbClr r="0" g="0" b="0"/>
+      </a:lnRef>
+      <a:fillRef idx="0">
+        <a:scrgbClr r="0" g="0" b="0"/>
+      </a:fillRef>
+      <a:effectRef idx="0">
+        <a:scrgbClr r="0" g="0" b="0"/>
+      </a:effectRef>
+      <a:fontRef idx="minor"/>
+    </dgm:style>
+  </dgm:styleLbl>
+  <dgm:styleLbl name="parChTrans1D2">
+    <dgm:scene3d>
+      <a:camera prst="orthographicFront"/>
+      <a:lightRig rig="threePt" dir="t"/>
+    </dgm:scene3d>
+    <dgm:sp3d/>
+    <dgm:txPr/>
+    <dgm:style>
+      <a:lnRef idx="1">
+        <a:scrgbClr r="0" g="0" b="0"/>
+      </a:lnRef>
+      <a:fillRef idx="0">
+        <a:scrgbClr r="0" g="0" b="0"/>
+      </a:fillRef>
+      <a:effectRef idx="0">
+        <a:scrgbClr r="0" g="0" b="0"/>
+      </a:effectRef>
+      <a:fontRef idx="minor"/>
+    </dgm:style>
+  </dgm:styleLbl>
+  <dgm:styleLbl name="parChTrans1D3">
+    <dgm:scene3d>
+      <a:camera prst="orthographicFront"/>
+      <a:lightRig rig="threePt" dir="t"/>
+    </dgm:scene3d>
+    <dgm:sp3d/>
+    <dgm:txPr/>
+    <dgm:style>
+      <a:lnRef idx="1">
+        <a:scrgbClr r="0" g="0" b="0"/>
+      </a:lnRef>
+      <a:fillRef idx="0">
+        <a:scrgbClr r="0" g="0" b="0"/>
+      </a:fillRef>
+      <a:effectRef idx="0">
+        <a:scrgbClr r="0" g="0" b="0"/>
+      </a:effectRef>
+      <a:fontRef idx="minor"/>
+    </dgm:style>
+  </dgm:styleLbl>
+  <dgm:styleLbl name="parChTrans1D4">
+    <dgm:scene3d>
+      <a:camera prst="orthographicFront"/>
+      <a:lightRig rig="threePt" dir="t"/>
+    </dgm:scene3d>
+    <dgm:sp3d/>
+    <dgm:txPr/>
+    <dgm:style>
+      <a:lnRef idx="1">
+        <a:scrgbClr r="0" g="0" b="0"/>
+      </a:lnRef>
+      <a:fillRef idx="0">
+        <a:scrgbClr r="0" g="0" b="0"/>
+      </a:fillRef>
+      <a:effectRef idx="0">
+        <a:scrgbClr r="0" g="0" b="0"/>
+      </a:effectRef>
+      <a:fontRef idx="minor"/>
+    </dgm:style>
+  </dgm:styleLbl>
+  <dgm:styleLbl name="fgAcc1">
+    <dgm:scene3d>
+      <a:camera prst="orthographicFront"/>
+      <a:lightRig rig="threePt" dir="t"/>
+    </dgm:scene3d>
+    <dgm:sp3d/>
+    <dgm:txPr/>
+    <dgm:style>
+      <a:lnRef idx="1">
+        <a:scrgbClr r="0" g="0" b="0"/>
+      </a:lnRef>
+      <a:fillRef idx="1">
+        <a:scrgbClr r="0" g="0" b="0"/>
+      </a:fillRef>
+      <a:effectRef idx="0">
+        <a:scrgbClr r="0" g="0" b="0"/>
+      </a:effectRef>
+      <a:fontRef idx="minor"/>
+    </dgm:style>
+  </dgm:styleLbl>
+  <dgm:styleLbl name="conFgAcc1">
+    <dgm:scene3d>
+      <a:camera prst="orthographicFront"/>
+      <a:lightRig rig="threePt" dir="t"/>
+    </dgm:scene3d>
+    <dgm:sp3d/>
+    <dgm:txPr/>
+    <dgm:style>
+      <a:lnRef idx="1">
+        <a:scrgbClr r="0" g="0" b="0"/>
+      </a:lnRef>
+      <a:fillRef idx="1">
+        <a:scrgbClr r="0" g="0" b="0"/>
+      </a:fillRef>
+      <a:effectRef idx="0">
+        <a:scrgbClr r="0" g="0" b="0"/>
+      </a:effectRef>
+      <a:fontRef idx="minor"/>
+    </dgm:style>
+  </dgm:styleLbl>
+  <dgm:styleLbl name="alignAcc1">
+    <dgm:scene3d>
+      <a:camera prst="orthographicFront"/>
+      <a:lightRig rig="threePt" dir="t"/>
+    </dgm:scene3d>
+    <dgm:sp3d/>
+    <dgm:txPr/>
+    <dgm:style>
+      <a:lnRef idx="1">
+        <a:scrgbClr r="0" g="0" b="0"/>
+      </a:lnRef>
+      <a:fillRef idx="1">
+        <a:scrgbClr r="0" g="0" b="0"/>
+      </a:fillRef>
+      <a:effectRef idx="0">
+        <a:scrgbClr r="0" g="0" b="0"/>
+      </a:effectRef>
+      <a:fontRef idx="minor"/>
+    </dgm:style>
+  </dgm:styleLbl>
+  <dgm:styleLbl name="trAlignAcc1">
+    <dgm:scene3d>
+      <a:camera prst="orthographicFront"/>
+      <a:lightRig rig="threePt" dir="t"/>
+    </dgm:scene3d>
+    <dgm:sp3d/>
+    <dgm:txPr/>
+    <dgm:style>
+      <a:lnRef idx="1">
+        <a:scrgbClr r="0" g="0" b="0"/>
+      </a:lnRef>
+      <a:fillRef idx="1">
+        <a:scrgbClr r="0" g="0" b="0"/>
+      </a:fillRef>
+      <a:effectRef idx="0">
+        <a:scrgbClr r="0" g="0" b="0"/>
+      </a:effectRef>
+      <a:fontRef idx="minor"/>
+    </dgm:style>
+  </dgm:styleLbl>
+  <dgm:styleLbl name="bgAcc1">
+    <dgm:scene3d>
+      <a:camera prst="orthographicFront"/>
+      <a:lightRig rig="threePt" dir="t"/>
+    </dgm:scene3d>
+    <dgm:sp3d/>
+    <dgm:txPr/>
+    <dgm:style>
+      <a:lnRef idx="1">
+        <a:scrgbClr r="0" g="0" b="0"/>
+      </a:lnRef>
+      <a:fillRef idx="1">
+        <a:scrgbClr r="0" g="0" b="0"/>
+      </a:fillRef>
+      <a:effectRef idx="0">
+        <a:scrgbClr r="0" g="0" b="0"/>
+      </a:effectRef>
+      <a:fontRef idx="minor"/>
+    </dgm:style>
+  </dgm:styleLbl>
+  <dgm:styleLbl name="solidFgAcc1">
+    <dgm:scene3d>
+      <a:camera prst="orthographicFront"/>
+      <a:lightRig rig="threePt" dir="t"/>
+    </dgm:scene3d>
+    <dgm:sp3d/>
+    <dgm:txPr/>
+    <dgm:style>
+      <a:lnRef idx="1">
+        <a:scrgbClr r="0" g="0" b="0"/>
+      </a:lnRef>
+      <a:fillRef idx="1">
+        <a:scrgbClr r="0" g="0" b="0"/>
+      </a:fillRef>
+      <a:effectRef idx="0">
+        <a:scrgbClr r="0" g="0" b="0"/>
+      </a:effectRef>
+      <a:fontRef idx="minor"/>
+    </dgm:style>
+  </dgm:styleLbl>
+  <dgm:styleLbl name="solidAlignAcc1">
+    <dgm:scene3d>
+      <a:camera prst="orthographicFront"/>
+      <a:lightRig rig="threePt" dir="t"/>
+    </dgm:scene3d>
+    <dgm:sp3d/>
+    <dgm:txPr/>
+    <dgm:style>
+      <a:lnRef idx="1">
+        <a:scrgbClr r="0" g="0" b="0"/>
+      </a:lnRef>
+      <a:fillRef idx="1">
+        <a:scrgbClr r="0" g="0" b="0"/>
+      </a:fillRef>
+      <a:effectRef idx="0">
+        <a:scrgbClr r="0" g="0" b="0"/>
+      </a:effectRef>
+      <a:fontRef idx="minor"/>
+    </dgm:style>
+  </dgm:styleLbl>
+  <dgm:styleLbl name="solidBgAcc1">
+    <dgm:scene3d>
+      <a:camera prst="orthographicFront"/>
+      <a:lightRig rig="threePt" dir="t"/>
+    </dgm:scene3d>
+    <dgm:sp3d/>
+    <dgm:txPr/>
+    <dgm:style>
+      <a:lnRef idx="1">
+        <a:scrgbClr r="0" g="0" b="0"/>
+      </a:lnRef>
+      <a:fillRef idx="1">
+        <a:scrgbClr r="0" g="0" b="0"/>
+      </a:fillRef>
+      <a:effectRef idx="0">
+        <a:scrgbClr r="0" g="0" b="0"/>
+      </a:effectRef>
+      <a:fontRef idx="minor"/>
+    </dgm:style>
+  </dgm:styleLbl>
+  <dgm:styleLbl name="fgAccFollowNode1">
+    <dgm:scene3d>
+      <a:camera prst="orthographicFront"/>
+      <a:lightRig rig="threePt" dir="t"/>
+    </dgm:scene3d>
+    <dgm:sp3d/>
+    <dgm:txPr/>
+    <dgm:style>
+      <a:lnRef idx="1">
+        <a:scrgbClr r="0" g="0" b="0"/>
+      </a:lnRef>
+      <a:fillRef idx="1">
+        <a:scrgbClr r="0" g="0" b="0"/>
+      </a:fillRef>
+      <a:effectRef idx="0">
+        <a:scrgbClr r="0" g="0" b="0"/>
+      </a:effectRef>
+      <a:fontRef idx="minor"/>
+    </dgm:style>
+  </dgm:styleLbl>
+  <dgm:styleLbl name="alignAccFollowNode1">
+    <dgm:scene3d>
+      <a:camera prst="orthographicFront"/>
+      <a:lightRig rig="threePt" dir="t"/>
+    </dgm:scene3d>
+    <dgm:sp3d/>
+    <dgm:txPr/>
+    <dgm:style>
+      <a:lnRef idx="1">
+        <a:scrgbClr r="0" g="0" b="0"/>
+      </a:lnRef>
+      <a:fillRef idx="1">
+        <a:scrgbClr r="0" g="0" b="0"/>
+      </a:fillRef>
+      <a:effectRef idx="0">
+        <a:scrgbClr r="0" g="0" b="0"/>
+      </a:effectRef>
+      <a:fontRef idx="minor"/>
+    </dgm:style>
+  </dgm:styleLbl>
+  <dgm:styleLbl name="bgAccFollowNode1">
+    <dgm:scene3d>
+      <a:camera prst="orthographicFront"/>
+      <a:lightRig rig="threePt" dir="t"/>
+    </dgm:scene3d>
+    <dgm:sp3d/>
+    <dgm:txPr/>
+    <dgm:style>
+      <a:lnRef idx="1">
+        <a:scrgbClr r="0" g="0" b="0"/>
+      </a:lnRef>
+      <a:fillRef idx="1">
+        <a:scrgbClr r="0" g="0" b="0"/>
+      </a:fillRef>
+      <a:effectRef idx="0">
+        <a:scrgbClr r="0" g="0" b="0"/>
+      </a:effectRef>
+      <a:fontRef idx="minor"/>
+    </dgm:style>
+  </dgm:styleLbl>
+  <dgm:styleLbl name="fgAcc0">
+    <dgm:scene3d>
+      <a:camera prst="orthographicFront"/>
+      <a:lightRig rig="threePt" dir="t"/>
+    </dgm:scene3d>
+    <dgm:sp3d/>
+    <dgm:txPr/>
+    <dgm:style>
+      <a:lnRef idx="1">
+        <a:scrgbClr r="0" g="0" b="0"/>
+      </a:lnRef>
+      <a:fillRef idx="1">
+        <a:scrgbClr r="0" g="0" b="0"/>
+      </a:fillRef>
+      <a:effectRef idx="0">
+        <a:scrgbClr r="0" g="0" b="0"/>
+      </a:effectRef>
+      <a:fontRef idx="minor"/>
+    </dgm:style>
+  </dgm:styleLbl>
+  <dgm:styleLbl name="fgAcc2">
+    <dgm:scene3d>
+      <a:camera prst="orthographicFront"/>
+      <a:lightRig rig="threePt" dir="t"/>
+    </dgm:scene3d>
+    <dgm:sp3d/>
+    <dgm:txPr/>
+    <dgm:style>
+      <a:lnRef idx="1">
+        <a:scrgbClr r="0" g="0" b="0"/>
+      </a:lnRef>
+      <a:fillRef idx="1">
+        <a:scrgbClr r="0" g="0" b="0"/>
+      </a:fillRef>
+      <a:effectRef idx="0">
+        <a:scrgbClr r="0" g="0" b="0"/>
+      </a:effectRef>
+      <a:fontRef idx="minor"/>
+    </dgm:style>
+  </dgm:styleLbl>
+  <dgm:styleLbl name="fgAcc3">
+    <dgm:scene3d>
+      <a:camera prst="orthographicFront"/>
+      <a:lightRig rig="threePt" dir="t"/>
+    </dgm:scene3d>
+    <dgm:sp3d/>
+    <dgm:txPr/>
+    <dgm:style>
+      <a:lnRef idx="1">
+        <a:scrgbClr r="0" g="0" b="0"/>
+      </a:lnRef>
+      <a:fillRef idx="1">
+        <a:scrgbClr r="0" g="0" b="0"/>
+      </a:fillRef>
+      <a:effectRef idx="0">
+        <a:scrgbClr r="0" g="0" b="0"/>
+      </a:effectRef>
+      <a:fontRef idx="minor"/>
+    </dgm:style>
+  </dgm:styleLbl>
+  <dgm:styleLbl name="fgAcc4">
+    <dgm:scene3d>
+      <a:camera prst="orthographicFront"/>
+      <a:lightRig rig="threePt" dir="t"/>
+    </dgm:scene3d>
+    <dgm:sp3d/>
+    <dgm:txPr/>
+    <dgm:style>
+      <a:lnRef idx="1">
+        <a:scrgbClr r="0" g="0" b="0"/>
+      </a:lnRef>
+      <a:fillRef idx="1">
+        <a:scrgbClr r="0" g="0" b="0"/>
+      </a:fillRef>
+      <a:effectRef idx="0">
+        <a:scrgbClr r="0" g="0" b="0"/>
+      </a:effectRef>
+      <a:fontRef idx="minor"/>
+    </dgm:style>
+  </dgm:styleLbl>
+  <dgm:styleLbl name="bgShp">
+    <dgm:scene3d>
+      <a:camera prst="orthographicFront"/>
+      <a:lightRig rig="threePt" dir="t"/>
+    </dgm:scene3d>
+    <dgm:sp3d/>
+    <dgm:txPr/>
+    <dgm:style>
+      <a:lnRef idx="0">
+        <a:scrgbClr r="0" g="0" b="0"/>
+      </a:lnRef>
+      <a:fillRef idx="1">
+        <a:scrgbClr r="0" g="0" b="0"/>
+      </a:fillRef>
+      <a:effectRef idx="2">
+        <a:scrgbClr r="0" g="0" b="0"/>
+      </a:effectRef>
+      <a:fontRef idx="minor"/>
+    </dgm:style>
+  </dgm:styleLbl>
+  <dgm:styleLbl name="dkBgShp">
+    <dgm:scene3d>
+      <a:camera prst="orthographicFront"/>
+      <a:lightRig rig="threePt" dir="t"/>
+    </dgm:scene3d>
+    <dgm:sp3d/>
+    <dgm:txPr/>
+    <dgm:style>
+      <a:lnRef idx="0">
+        <a:scrgbClr r="0" g="0" b="0"/>
+      </a:lnRef>
+      <a:fillRef idx="1">
+        <a:scrgbClr r="0" g="0" b="0"/>
+      </a:fillRef>
+      <a:effectRef idx="2">
+        <a:scrgbClr r="0" g="0" b="0"/>
+      </a:effectRef>
+      <a:fontRef idx="minor"/>
+    </dgm:style>
+  </dgm:styleLbl>
+  <dgm:styleLbl name="trBgShp">
+    <dgm:scene3d>
+      <a:camera prst="orthographicFront"/>
+      <a:lightRig rig="threePt" dir="t"/>
+    </dgm:scene3d>
+    <dgm:sp3d/>
+    <dgm:txPr/>
+    <dgm:style>
+      <a:lnRef idx="0">
+        <a:scrgbClr r="0" g="0" b="0"/>
+      </a:lnRef>
+      <a:fillRef idx="1">
+        <a:scrgbClr r="0" g="0" b="0"/>
+      </a:fillRef>
+      <a:effectRef idx="0">
+        <a:scrgbClr r="0" g="0" b="0"/>
+      </a:effectRef>
+      <a:fontRef idx="minor"/>
+    </dgm:style>
+  </dgm:styleLbl>
+  <dgm:styleLbl name="fgShp">
+    <dgm:scene3d>
+      <a:camera prst="orthographicFront"/>
+      <a:lightRig rig="threePt" dir="t"/>
+    </dgm:scene3d>
+    <dgm:sp3d/>
+    <dgm:txPr/>
+    <dgm:style>
+      <a:lnRef idx="0">
+        <a:scrgbClr r="0" g="0" b="0"/>
+      </a:lnRef>
+      <a:fillRef idx="3">
+        <a:scrgbClr r="0" g="0" b="0"/>
+      </a:fillRef>
+      <a:effectRef idx="2">
+        <a:scrgbClr r="0" g="0" b="0"/>
+      </a:effectRef>
+      <a:fontRef idx="minor"/>
+    </dgm:style>
+  </dgm:styleLbl>
+  <dgm:styleLbl name="revTx">
+    <dgm:scene3d>
+      <a:camera prst="orthographicFront"/>
+      <a:lightRig rig="threePt" dir="t"/>
+    </dgm:scene3d>
+    <dgm:sp3d/>
+    <dgm:txPr/>
+    <dgm:style>
+      <a:lnRef idx="0">
+        <a:scrgbClr r="0" g="0" b="0"/>
+      </a:lnRef>
+      <a:fillRef idx="0">
+        <a:scrgbClr r="0" g="0" b="0"/>
+      </a:fillRef>
+      <a:effectRef idx="0">
+        <a:scrgbClr r="0" g="0" b="0"/>
+      </a:effectRef>
+      <a:fontRef idx="minor"/>
+    </dgm:style>
+  </dgm:styleLbl>
+</dgm:styleDef>
 </file>
 
 <file path=ppt/notesMasters/notesMaster1.xml><?xml version="1.0" encoding="utf-8"?>
@@ -6202,6 +9220,925 @@
 </p:sld>
 </file>
 
+<file path=ppt/slides/slide10.xml><?xml version="1.0" encoding="utf-8"?>
+<p:sld xmlns:a="http://schemas.openxmlformats.org/drawingml/2006/main" xmlns:r="http://schemas.openxmlformats.org/officeDocument/2006/relationships" xmlns:p="http://schemas.openxmlformats.org/presentationml/2006/main">
+  <p:cSld>
+    <p:spTree>
+      <p:nvGrpSpPr>
+        <p:cNvPr id="1" name=""/>
+        <p:cNvGrpSpPr/>
+        <p:nvPr/>
+      </p:nvGrpSpPr>
+      <p:grpSpPr>
+        <a:xfrm>
+          <a:off x="0" y="0"/>
+          <a:ext cx="0" cy="0"/>
+          <a:chOff x="0" y="0"/>
+          <a:chExt cx="0" cy="0"/>
+        </a:xfrm>
+      </p:grpSpPr>
+      <p:graphicFrame>
+        <p:nvGraphicFramePr>
+          <p:cNvPr id="5" name="Diagram 4"/>
+          <p:cNvGraphicFramePr/>
+          <p:nvPr>
+            <p:extLst>
+              <p:ext uri="{D42A27DB-BD31-4B8C-83A1-F6EECF244321}">
+                <p14:modId xmlns:p14="http://schemas.microsoft.com/office/powerpoint/2010/main" val="639375633"/>
+              </p:ext>
+            </p:extLst>
+          </p:nvPr>
+        </p:nvGraphicFramePr>
+        <p:xfrm>
+          <a:off x="1405467" y="1041400"/>
+          <a:ext cx="8128000" cy="5418667"/>
+        </p:xfrm>
+        <a:graphic>
+          <a:graphicData uri="http://schemas.openxmlformats.org/drawingml/2006/diagram">
+            <dgm:relIds xmlns:dgm="http://schemas.openxmlformats.org/drawingml/2006/diagram" xmlns:r="http://schemas.openxmlformats.org/officeDocument/2006/relationships" r:dm="rId2" r:lo="rId3" r:qs="rId4" r:cs="rId5"/>
+          </a:graphicData>
+        </a:graphic>
+      </p:graphicFrame>
+      <p:sp>
+        <p:nvSpPr>
+          <p:cNvPr id="6" name="Title 1"/>
+          <p:cNvSpPr>
+            <a:spLocks noGrp="1"/>
+          </p:cNvSpPr>
+          <p:nvPr>
+            <p:ph type="title"/>
+          </p:nvPr>
+        </p:nvSpPr>
+        <p:spPr>
+          <a:xfrm>
+            <a:off x="677334" y="609600"/>
+            <a:ext cx="8596668" cy="1320800"/>
+          </a:xfrm>
+        </p:spPr>
+        <p:txBody>
+          <a:bodyPr/>
+          <a:lstStyle/>
+          <a:p>
+            <a:r>
+              <a:rPr lang="en-US" dirty="0" smtClean="0"/>
+              <a:t>Design Cycle</a:t>
+            </a:r>
+            <a:endParaRPr lang="en-US" dirty="0"/>
+          </a:p>
+        </p:txBody>
+      </p:sp>
+    </p:spTree>
+    <p:extLst>
+      <p:ext uri="{BB962C8B-B14F-4D97-AF65-F5344CB8AC3E}">
+        <p14:creationId xmlns:p14="http://schemas.microsoft.com/office/powerpoint/2010/main" val="32156208"/>
+      </p:ext>
+    </p:extLst>
+  </p:cSld>
+  <p:clrMapOvr>
+    <a:masterClrMapping/>
+  </p:clrMapOvr>
+</p:sld>
+</file>
+
+<file path=ppt/slides/slide11.xml><?xml version="1.0" encoding="utf-8"?>
+<p:sld xmlns:a="http://schemas.openxmlformats.org/drawingml/2006/main" xmlns:r="http://schemas.openxmlformats.org/officeDocument/2006/relationships" xmlns:p="http://schemas.openxmlformats.org/presentationml/2006/main">
+  <p:cSld>
+    <p:spTree>
+      <p:nvGrpSpPr>
+        <p:cNvPr id="1" name=""/>
+        <p:cNvGrpSpPr/>
+        <p:nvPr/>
+      </p:nvGrpSpPr>
+      <p:grpSpPr>
+        <a:xfrm>
+          <a:off x="0" y="0"/>
+          <a:ext cx="0" cy="0"/>
+          <a:chOff x="0" y="0"/>
+          <a:chExt cx="0" cy="0"/>
+        </a:xfrm>
+      </p:grpSpPr>
+      <p:sp>
+        <p:nvSpPr>
+          <p:cNvPr id="6" name="Title 1"/>
+          <p:cNvSpPr>
+            <a:spLocks noGrp="1"/>
+          </p:cNvSpPr>
+          <p:nvPr>
+            <p:ph type="title"/>
+          </p:nvPr>
+        </p:nvSpPr>
+        <p:spPr>
+          <a:xfrm>
+            <a:off x="677334" y="609600"/>
+            <a:ext cx="8596668" cy="1320800"/>
+          </a:xfrm>
+        </p:spPr>
+        <p:txBody>
+          <a:bodyPr/>
+          <a:lstStyle/>
+          <a:p>
+            <a:r>
+              <a:rPr lang="en-US" dirty="0" smtClean="0"/>
+              <a:t>Final Program</a:t>
+            </a:r>
+            <a:endParaRPr lang="en-US" dirty="0"/>
+          </a:p>
+        </p:txBody>
+      </p:sp>
+    </p:spTree>
+    <p:extLst>
+      <p:ext uri="{BB962C8B-B14F-4D97-AF65-F5344CB8AC3E}">
+        <p14:creationId xmlns:p14="http://schemas.microsoft.com/office/powerpoint/2010/main" val="1725099159"/>
+      </p:ext>
+    </p:extLst>
+  </p:cSld>
+  <p:clrMapOvr>
+    <a:masterClrMapping/>
+  </p:clrMapOvr>
+</p:sld>
+</file>
+
+<file path=ppt/slides/slide12.xml><?xml version="1.0" encoding="utf-8"?>
+<p:sld xmlns:a="http://schemas.openxmlformats.org/drawingml/2006/main" xmlns:r="http://schemas.openxmlformats.org/officeDocument/2006/relationships" xmlns:p="http://schemas.openxmlformats.org/presentationml/2006/main">
+  <p:cSld>
+    <p:spTree>
+      <p:nvGrpSpPr>
+        <p:cNvPr id="1" name=""/>
+        <p:cNvGrpSpPr/>
+        <p:nvPr/>
+      </p:nvGrpSpPr>
+      <p:grpSpPr>
+        <a:xfrm>
+          <a:off x="0" y="0"/>
+          <a:ext cx="0" cy="0"/>
+          <a:chOff x="0" y="0"/>
+          <a:chExt cx="0" cy="0"/>
+        </a:xfrm>
+      </p:grpSpPr>
+      <p:sp>
+        <p:nvSpPr>
+          <p:cNvPr id="6" name="Title 1"/>
+          <p:cNvSpPr>
+            <a:spLocks noGrp="1"/>
+          </p:cNvSpPr>
+          <p:nvPr>
+            <p:ph type="title"/>
+          </p:nvPr>
+        </p:nvSpPr>
+        <p:spPr>
+          <a:xfrm>
+            <a:off x="677334" y="609600"/>
+            <a:ext cx="8596668" cy="1320800"/>
+          </a:xfrm>
+        </p:spPr>
+        <p:txBody>
+          <a:bodyPr/>
+          <a:lstStyle/>
+          <a:p>
+            <a:r>
+              <a:rPr lang="en-US" dirty="0" smtClean="0"/>
+              <a:t>Known Bugs/Problems</a:t>
+            </a:r>
+            <a:endParaRPr lang="en-US" dirty="0"/>
+          </a:p>
+        </p:txBody>
+      </p:sp>
+    </p:spTree>
+    <p:extLst>
+      <p:ext uri="{BB962C8B-B14F-4D97-AF65-F5344CB8AC3E}">
+        <p14:creationId xmlns:p14="http://schemas.microsoft.com/office/powerpoint/2010/main" val="1764759779"/>
+      </p:ext>
+    </p:extLst>
+  </p:cSld>
+  <p:clrMapOvr>
+    <a:masterClrMapping/>
+  </p:clrMapOvr>
+</p:sld>
+</file>
+
+<file path=ppt/slides/slide13.xml><?xml version="1.0" encoding="utf-8"?>
+<p:sld xmlns:a="http://schemas.openxmlformats.org/drawingml/2006/main" xmlns:r="http://schemas.openxmlformats.org/officeDocument/2006/relationships" xmlns:p="http://schemas.openxmlformats.org/presentationml/2006/main">
+  <p:cSld>
+    <p:spTree>
+      <p:nvGrpSpPr>
+        <p:cNvPr id="1" name=""/>
+        <p:cNvGrpSpPr/>
+        <p:nvPr/>
+      </p:nvGrpSpPr>
+      <p:grpSpPr>
+        <a:xfrm>
+          <a:off x="0" y="0"/>
+          <a:ext cx="0" cy="0"/>
+          <a:chOff x="0" y="0"/>
+          <a:chExt cx="0" cy="0"/>
+        </a:xfrm>
+      </p:grpSpPr>
+      <p:sp>
+        <p:nvSpPr>
+          <p:cNvPr id="6" name="Title 1"/>
+          <p:cNvSpPr>
+            <a:spLocks noGrp="1"/>
+          </p:cNvSpPr>
+          <p:nvPr>
+            <p:ph type="title"/>
+          </p:nvPr>
+        </p:nvSpPr>
+        <p:spPr>
+          <a:xfrm>
+            <a:off x="677334" y="609600"/>
+            <a:ext cx="8596668" cy="1320800"/>
+          </a:xfrm>
+        </p:spPr>
+        <p:txBody>
+          <a:bodyPr/>
+          <a:lstStyle/>
+          <a:p>
+            <a:r>
+              <a:rPr lang="en-US" dirty="0" smtClean="0"/>
+              <a:t>Essential updates needed</a:t>
+            </a:r>
+            <a:endParaRPr lang="en-US" dirty="0"/>
+          </a:p>
+        </p:txBody>
+      </p:sp>
+      <p:sp>
+        <p:nvSpPr>
+          <p:cNvPr id="3" name="Content Placeholder 2"/>
+          <p:cNvSpPr txBox="1">
+            <a:spLocks/>
+          </p:cNvSpPr>
+          <p:nvPr/>
+        </p:nvSpPr>
+        <p:spPr>
+          <a:xfrm>
+            <a:off x="304800" y="1761066"/>
+            <a:ext cx="10464800" cy="5317067"/>
+          </a:xfrm>
+          <a:prstGeom prst="rect">
+            <a:avLst/>
+          </a:prstGeom>
+        </p:spPr>
+        <p:txBody>
+          <a:bodyPr/>
+          <a:lstStyle>
+            <a:lvl1pPr marL="342900" indent="-342900" algn="l" defTabSz="457200" rtl="0" eaLnBrk="1" latinLnBrk="0" hangingPunct="1">
+              <a:spcBef>
+                <a:spcPts val="1000"/>
+              </a:spcBef>
+              <a:spcAft>
+                <a:spcPts val="0"/>
+              </a:spcAft>
+              <a:buClr>
+                <a:schemeClr val="accent1"/>
+              </a:buClr>
+              <a:buSzPct val="80000"/>
+              <a:buFont typeface="Wingdings 3" charset="2"/>
+              <a:buChar char=""/>
+              <a:defRPr sz="1800" kern="1200">
+                <a:solidFill>
+                  <a:schemeClr val="tx1">
+                    <a:lumMod val="75000"/>
+                    <a:lumOff val="25000"/>
+                  </a:schemeClr>
+                </a:solidFill>
+                <a:latin typeface="+mn-lt"/>
+                <a:ea typeface="+mn-ea"/>
+                <a:cs typeface="+mn-cs"/>
+              </a:defRPr>
+            </a:lvl1pPr>
+            <a:lvl2pPr marL="742950" indent="-285750" algn="l" defTabSz="457200" rtl="0" eaLnBrk="1" latinLnBrk="0" hangingPunct="1">
+              <a:spcBef>
+                <a:spcPts val="1000"/>
+              </a:spcBef>
+              <a:spcAft>
+                <a:spcPts val="0"/>
+              </a:spcAft>
+              <a:buClr>
+                <a:schemeClr val="accent1"/>
+              </a:buClr>
+              <a:buSzPct val="80000"/>
+              <a:buFont typeface="Wingdings 3" charset="2"/>
+              <a:buChar char=""/>
+              <a:defRPr sz="1600" kern="1200">
+                <a:solidFill>
+                  <a:schemeClr val="tx1">
+                    <a:lumMod val="75000"/>
+                    <a:lumOff val="25000"/>
+                  </a:schemeClr>
+                </a:solidFill>
+                <a:latin typeface="+mn-lt"/>
+                <a:ea typeface="+mn-ea"/>
+                <a:cs typeface="+mn-cs"/>
+              </a:defRPr>
+            </a:lvl2pPr>
+            <a:lvl3pPr marL="1143000" indent="-228600" algn="l" defTabSz="457200" rtl="0" eaLnBrk="1" latinLnBrk="0" hangingPunct="1">
+              <a:spcBef>
+                <a:spcPts val="1000"/>
+              </a:spcBef>
+              <a:spcAft>
+                <a:spcPts val="0"/>
+              </a:spcAft>
+              <a:buClr>
+                <a:schemeClr val="accent1"/>
+              </a:buClr>
+              <a:buSzPct val="80000"/>
+              <a:buFont typeface="Wingdings 3" charset="2"/>
+              <a:buChar char=""/>
+              <a:defRPr sz="1400" kern="1200">
+                <a:solidFill>
+                  <a:schemeClr val="tx1">
+                    <a:lumMod val="75000"/>
+                    <a:lumOff val="25000"/>
+                  </a:schemeClr>
+                </a:solidFill>
+                <a:latin typeface="+mn-lt"/>
+                <a:ea typeface="+mn-ea"/>
+                <a:cs typeface="+mn-cs"/>
+              </a:defRPr>
+            </a:lvl3pPr>
+            <a:lvl4pPr marL="1600200" indent="-228600" algn="l" defTabSz="457200" rtl="0" eaLnBrk="1" latinLnBrk="0" hangingPunct="1">
+              <a:spcBef>
+                <a:spcPts val="1000"/>
+              </a:spcBef>
+              <a:spcAft>
+                <a:spcPts val="0"/>
+              </a:spcAft>
+              <a:buClr>
+                <a:schemeClr val="accent1"/>
+              </a:buClr>
+              <a:buSzPct val="80000"/>
+              <a:buFont typeface="Wingdings 3" charset="2"/>
+              <a:buChar char=""/>
+              <a:defRPr sz="1200" kern="1200">
+                <a:solidFill>
+                  <a:schemeClr val="tx1">
+                    <a:lumMod val="75000"/>
+                    <a:lumOff val="25000"/>
+                  </a:schemeClr>
+                </a:solidFill>
+                <a:latin typeface="+mn-lt"/>
+                <a:ea typeface="+mn-ea"/>
+                <a:cs typeface="+mn-cs"/>
+              </a:defRPr>
+            </a:lvl4pPr>
+            <a:lvl5pPr marL="2057400" indent="-228600" algn="l" defTabSz="457200" rtl="0" eaLnBrk="1" latinLnBrk="0" hangingPunct="1">
+              <a:spcBef>
+                <a:spcPts val="1000"/>
+              </a:spcBef>
+              <a:spcAft>
+                <a:spcPts val="0"/>
+              </a:spcAft>
+              <a:buClr>
+                <a:schemeClr val="accent1"/>
+              </a:buClr>
+              <a:buSzPct val="80000"/>
+              <a:buFont typeface="Wingdings 3" charset="2"/>
+              <a:buChar char=""/>
+              <a:defRPr sz="1200" kern="1200">
+                <a:solidFill>
+                  <a:schemeClr val="tx1">
+                    <a:lumMod val="75000"/>
+                    <a:lumOff val="25000"/>
+                  </a:schemeClr>
+                </a:solidFill>
+                <a:latin typeface="+mn-lt"/>
+                <a:ea typeface="+mn-ea"/>
+                <a:cs typeface="+mn-cs"/>
+              </a:defRPr>
+            </a:lvl5pPr>
+            <a:lvl6pPr marL="2514600" indent="-228600" algn="l" defTabSz="457200" rtl="0" eaLnBrk="1" latinLnBrk="0" hangingPunct="1">
+              <a:spcBef>
+                <a:spcPts val="1000"/>
+              </a:spcBef>
+              <a:spcAft>
+                <a:spcPts val="0"/>
+              </a:spcAft>
+              <a:buClr>
+                <a:schemeClr val="accent1"/>
+              </a:buClr>
+              <a:buSzPct val="80000"/>
+              <a:buFont typeface="Wingdings 3" charset="2"/>
+              <a:buChar char=""/>
+              <a:defRPr sz="1200" kern="1200">
+                <a:solidFill>
+                  <a:schemeClr val="tx1">
+                    <a:lumMod val="75000"/>
+                    <a:lumOff val="25000"/>
+                  </a:schemeClr>
+                </a:solidFill>
+                <a:latin typeface="+mn-lt"/>
+                <a:ea typeface="+mn-ea"/>
+                <a:cs typeface="+mn-cs"/>
+              </a:defRPr>
+            </a:lvl6pPr>
+            <a:lvl7pPr marL="2971800" indent="-228600" algn="l" defTabSz="457200" rtl="0" eaLnBrk="1" latinLnBrk="0" hangingPunct="1">
+              <a:spcBef>
+                <a:spcPts val="1000"/>
+              </a:spcBef>
+              <a:spcAft>
+                <a:spcPts val="0"/>
+              </a:spcAft>
+              <a:buClr>
+                <a:schemeClr val="accent1"/>
+              </a:buClr>
+              <a:buSzPct val="80000"/>
+              <a:buFont typeface="Wingdings 3" charset="2"/>
+              <a:buChar char=""/>
+              <a:defRPr sz="1200" kern="1200">
+                <a:solidFill>
+                  <a:schemeClr val="tx1">
+                    <a:lumMod val="75000"/>
+                    <a:lumOff val="25000"/>
+                  </a:schemeClr>
+                </a:solidFill>
+                <a:latin typeface="+mn-lt"/>
+                <a:ea typeface="+mn-ea"/>
+                <a:cs typeface="+mn-cs"/>
+              </a:defRPr>
+            </a:lvl7pPr>
+            <a:lvl8pPr marL="3429000" indent="-228600" algn="l" defTabSz="457200" rtl="0" eaLnBrk="1" latinLnBrk="0" hangingPunct="1">
+              <a:spcBef>
+                <a:spcPts val="1000"/>
+              </a:spcBef>
+              <a:spcAft>
+                <a:spcPts val="0"/>
+              </a:spcAft>
+              <a:buClr>
+                <a:schemeClr val="accent1"/>
+              </a:buClr>
+              <a:buSzPct val="80000"/>
+              <a:buFont typeface="Wingdings 3" charset="2"/>
+              <a:buChar char=""/>
+              <a:defRPr sz="1200" kern="1200">
+                <a:solidFill>
+                  <a:schemeClr val="tx1">
+                    <a:lumMod val="75000"/>
+                    <a:lumOff val="25000"/>
+                  </a:schemeClr>
+                </a:solidFill>
+                <a:latin typeface="+mn-lt"/>
+                <a:ea typeface="+mn-ea"/>
+                <a:cs typeface="+mn-cs"/>
+              </a:defRPr>
+            </a:lvl8pPr>
+            <a:lvl9pPr marL="3886200" indent="-228600" algn="l" defTabSz="457200" rtl="0" eaLnBrk="1" latinLnBrk="0" hangingPunct="1">
+              <a:spcBef>
+                <a:spcPts val="1000"/>
+              </a:spcBef>
+              <a:spcAft>
+                <a:spcPts val="0"/>
+              </a:spcAft>
+              <a:buClr>
+                <a:schemeClr val="accent1"/>
+              </a:buClr>
+              <a:buSzPct val="80000"/>
+              <a:buFont typeface="Wingdings 3" charset="2"/>
+              <a:buChar char=""/>
+              <a:defRPr sz="1200" kern="1200">
+                <a:solidFill>
+                  <a:schemeClr val="tx1">
+                    <a:lumMod val="75000"/>
+                    <a:lumOff val="25000"/>
+                  </a:schemeClr>
+                </a:solidFill>
+                <a:latin typeface="+mn-lt"/>
+                <a:ea typeface="+mn-ea"/>
+                <a:cs typeface="+mn-cs"/>
+              </a:defRPr>
+            </a:lvl9pPr>
+          </a:lstStyle>
+          <a:p>
+            <a:pPr lvl="1"/>
+            <a:endParaRPr lang="en-US" sz="2600" dirty="0" smtClean="0"/>
+          </a:p>
+        </p:txBody>
+      </p:sp>
+    </p:spTree>
+    <p:extLst>
+      <p:ext uri="{BB962C8B-B14F-4D97-AF65-F5344CB8AC3E}">
+        <p14:creationId xmlns:p14="http://schemas.microsoft.com/office/powerpoint/2010/main" val="672865385"/>
+      </p:ext>
+    </p:extLst>
+  </p:cSld>
+  <p:clrMapOvr>
+    <a:masterClrMapping/>
+  </p:clrMapOvr>
+</p:sld>
+</file>
+
+<file path=ppt/slides/slide14.xml><?xml version="1.0" encoding="utf-8"?>
+<p:sld xmlns:a="http://schemas.openxmlformats.org/drawingml/2006/main" xmlns:r="http://schemas.openxmlformats.org/officeDocument/2006/relationships" xmlns:p="http://schemas.openxmlformats.org/presentationml/2006/main">
+  <p:cSld>
+    <p:spTree>
+      <p:nvGrpSpPr>
+        <p:cNvPr id="1" name=""/>
+        <p:cNvGrpSpPr/>
+        <p:nvPr/>
+      </p:nvGrpSpPr>
+      <p:grpSpPr>
+        <a:xfrm>
+          <a:off x="0" y="0"/>
+          <a:ext cx="0" cy="0"/>
+          <a:chOff x="0" y="0"/>
+          <a:chExt cx="0" cy="0"/>
+        </a:xfrm>
+      </p:grpSpPr>
+      <p:sp>
+        <p:nvSpPr>
+          <p:cNvPr id="6" name="Title 1"/>
+          <p:cNvSpPr>
+            <a:spLocks noGrp="1"/>
+          </p:cNvSpPr>
+          <p:nvPr>
+            <p:ph type="title"/>
+          </p:nvPr>
+        </p:nvSpPr>
+        <p:spPr>
+          <a:xfrm>
+            <a:off x="677334" y="609600"/>
+            <a:ext cx="8596668" cy="1320800"/>
+          </a:xfrm>
+        </p:spPr>
+        <p:txBody>
+          <a:bodyPr/>
+          <a:lstStyle/>
+          <a:p>
+            <a:r>
+              <a:rPr lang="en-US" dirty="0" smtClean="0"/>
+              <a:t>Nice to have additions</a:t>
+            </a:r>
+            <a:endParaRPr lang="en-US" dirty="0"/>
+          </a:p>
+        </p:txBody>
+      </p:sp>
+      <p:sp>
+        <p:nvSpPr>
+          <p:cNvPr id="3" name="Content Placeholder 2"/>
+          <p:cNvSpPr txBox="1">
+            <a:spLocks/>
+          </p:cNvSpPr>
+          <p:nvPr/>
+        </p:nvSpPr>
+        <p:spPr>
+          <a:xfrm>
+            <a:off x="304800" y="1761066"/>
+            <a:ext cx="10464800" cy="5317067"/>
+          </a:xfrm>
+          <a:prstGeom prst="rect">
+            <a:avLst/>
+          </a:prstGeom>
+        </p:spPr>
+        <p:txBody>
+          <a:bodyPr/>
+          <a:lstStyle>
+            <a:lvl1pPr marL="342900" indent="-342900" algn="l" defTabSz="457200" rtl="0" eaLnBrk="1" latinLnBrk="0" hangingPunct="1">
+              <a:spcBef>
+                <a:spcPts val="1000"/>
+              </a:spcBef>
+              <a:spcAft>
+                <a:spcPts val="0"/>
+              </a:spcAft>
+              <a:buClr>
+                <a:schemeClr val="accent1"/>
+              </a:buClr>
+              <a:buSzPct val="80000"/>
+              <a:buFont typeface="Wingdings 3" charset="2"/>
+              <a:buChar char=""/>
+              <a:defRPr sz="1800" kern="1200">
+                <a:solidFill>
+                  <a:schemeClr val="tx1">
+                    <a:lumMod val="75000"/>
+                    <a:lumOff val="25000"/>
+                  </a:schemeClr>
+                </a:solidFill>
+                <a:latin typeface="+mn-lt"/>
+                <a:ea typeface="+mn-ea"/>
+                <a:cs typeface="+mn-cs"/>
+              </a:defRPr>
+            </a:lvl1pPr>
+            <a:lvl2pPr marL="742950" indent="-285750" algn="l" defTabSz="457200" rtl="0" eaLnBrk="1" latinLnBrk="0" hangingPunct="1">
+              <a:spcBef>
+                <a:spcPts val="1000"/>
+              </a:spcBef>
+              <a:spcAft>
+                <a:spcPts val="0"/>
+              </a:spcAft>
+              <a:buClr>
+                <a:schemeClr val="accent1"/>
+              </a:buClr>
+              <a:buSzPct val="80000"/>
+              <a:buFont typeface="Wingdings 3" charset="2"/>
+              <a:buChar char=""/>
+              <a:defRPr sz="1600" kern="1200">
+                <a:solidFill>
+                  <a:schemeClr val="tx1">
+                    <a:lumMod val="75000"/>
+                    <a:lumOff val="25000"/>
+                  </a:schemeClr>
+                </a:solidFill>
+                <a:latin typeface="+mn-lt"/>
+                <a:ea typeface="+mn-ea"/>
+                <a:cs typeface="+mn-cs"/>
+              </a:defRPr>
+            </a:lvl2pPr>
+            <a:lvl3pPr marL="1143000" indent="-228600" algn="l" defTabSz="457200" rtl="0" eaLnBrk="1" latinLnBrk="0" hangingPunct="1">
+              <a:spcBef>
+                <a:spcPts val="1000"/>
+              </a:spcBef>
+              <a:spcAft>
+                <a:spcPts val="0"/>
+              </a:spcAft>
+              <a:buClr>
+                <a:schemeClr val="accent1"/>
+              </a:buClr>
+              <a:buSzPct val="80000"/>
+              <a:buFont typeface="Wingdings 3" charset="2"/>
+              <a:buChar char=""/>
+              <a:defRPr sz="1400" kern="1200">
+                <a:solidFill>
+                  <a:schemeClr val="tx1">
+                    <a:lumMod val="75000"/>
+                    <a:lumOff val="25000"/>
+                  </a:schemeClr>
+                </a:solidFill>
+                <a:latin typeface="+mn-lt"/>
+                <a:ea typeface="+mn-ea"/>
+                <a:cs typeface="+mn-cs"/>
+              </a:defRPr>
+            </a:lvl3pPr>
+            <a:lvl4pPr marL="1600200" indent="-228600" algn="l" defTabSz="457200" rtl="0" eaLnBrk="1" latinLnBrk="0" hangingPunct="1">
+              <a:spcBef>
+                <a:spcPts val="1000"/>
+              </a:spcBef>
+              <a:spcAft>
+                <a:spcPts val="0"/>
+              </a:spcAft>
+              <a:buClr>
+                <a:schemeClr val="accent1"/>
+              </a:buClr>
+              <a:buSzPct val="80000"/>
+              <a:buFont typeface="Wingdings 3" charset="2"/>
+              <a:buChar char=""/>
+              <a:defRPr sz="1200" kern="1200">
+                <a:solidFill>
+                  <a:schemeClr val="tx1">
+                    <a:lumMod val="75000"/>
+                    <a:lumOff val="25000"/>
+                  </a:schemeClr>
+                </a:solidFill>
+                <a:latin typeface="+mn-lt"/>
+                <a:ea typeface="+mn-ea"/>
+                <a:cs typeface="+mn-cs"/>
+              </a:defRPr>
+            </a:lvl4pPr>
+            <a:lvl5pPr marL="2057400" indent="-228600" algn="l" defTabSz="457200" rtl="0" eaLnBrk="1" latinLnBrk="0" hangingPunct="1">
+              <a:spcBef>
+                <a:spcPts val="1000"/>
+              </a:spcBef>
+              <a:spcAft>
+                <a:spcPts val="0"/>
+              </a:spcAft>
+              <a:buClr>
+                <a:schemeClr val="accent1"/>
+              </a:buClr>
+              <a:buSzPct val="80000"/>
+              <a:buFont typeface="Wingdings 3" charset="2"/>
+              <a:buChar char=""/>
+              <a:defRPr sz="1200" kern="1200">
+                <a:solidFill>
+                  <a:schemeClr val="tx1">
+                    <a:lumMod val="75000"/>
+                    <a:lumOff val="25000"/>
+                  </a:schemeClr>
+                </a:solidFill>
+                <a:latin typeface="+mn-lt"/>
+                <a:ea typeface="+mn-ea"/>
+                <a:cs typeface="+mn-cs"/>
+              </a:defRPr>
+            </a:lvl5pPr>
+            <a:lvl6pPr marL="2514600" indent="-228600" algn="l" defTabSz="457200" rtl="0" eaLnBrk="1" latinLnBrk="0" hangingPunct="1">
+              <a:spcBef>
+                <a:spcPts val="1000"/>
+              </a:spcBef>
+              <a:spcAft>
+                <a:spcPts val="0"/>
+              </a:spcAft>
+              <a:buClr>
+                <a:schemeClr val="accent1"/>
+              </a:buClr>
+              <a:buSzPct val="80000"/>
+              <a:buFont typeface="Wingdings 3" charset="2"/>
+              <a:buChar char=""/>
+              <a:defRPr sz="1200" kern="1200">
+                <a:solidFill>
+                  <a:schemeClr val="tx1">
+                    <a:lumMod val="75000"/>
+                    <a:lumOff val="25000"/>
+                  </a:schemeClr>
+                </a:solidFill>
+                <a:latin typeface="+mn-lt"/>
+                <a:ea typeface="+mn-ea"/>
+                <a:cs typeface="+mn-cs"/>
+              </a:defRPr>
+            </a:lvl6pPr>
+            <a:lvl7pPr marL="2971800" indent="-228600" algn="l" defTabSz="457200" rtl="0" eaLnBrk="1" latinLnBrk="0" hangingPunct="1">
+              <a:spcBef>
+                <a:spcPts val="1000"/>
+              </a:spcBef>
+              <a:spcAft>
+                <a:spcPts val="0"/>
+              </a:spcAft>
+              <a:buClr>
+                <a:schemeClr val="accent1"/>
+              </a:buClr>
+              <a:buSzPct val="80000"/>
+              <a:buFont typeface="Wingdings 3" charset="2"/>
+              <a:buChar char=""/>
+              <a:defRPr sz="1200" kern="1200">
+                <a:solidFill>
+                  <a:schemeClr val="tx1">
+                    <a:lumMod val="75000"/>
+                    <a:lumOff val="25000"/>
+                  </a:schemeClr>
+                </a:solidFill>
+                <a:latin typeface="+mn-lt"/>
+                <a:ea typeface="+mn-ea"/>
+                <a:cs typeface="+mn-cs"/>
+              </a:defRPr>
+            </a:lvl7pPr>
+            <a:lvl8pPr marL="3429000" indent="-228600" algn="l" defTabSz="457200" rtl="0" eaLnBrk="1" latinLnBrk="0" hangingPunct="1">
+              <a:spcBef>
+                <a:spcPts val="1000"/>
+              </a:spcBef>
+              <a:spcAft>
+                <a:spcPts val="0"/>
+              </a:spcAft>
+              <a:buClr>
+                <a:schemeClr val="accent1"/>
+              </a:buClr>
+              <a:buSzPct val="80000"/>
+              <a:buFont typeface="Wingdings 3" charset="2"/>
+              <a:buChar char=""/>
+              <a:defRPr sz="1200" kern="1200">
+                <a:solidFill>
+                  <a:schemeClr val="tx1">
+                    <a:lumMod val="75000"/>
+                    <a:lumOff val="25000"/>
+                  </a:schemeClr>
+                </a:solidFill>
+                <a:latin typeface="+mn-lt"/>
+                <a:ea typeface="+mn-ea"/>
+                <a:cs typeface="+mn-cs"/>
+              </a:defRPr>
+            </a:lvl8pPr>
+            <a:lvl9pPr marL="3886200" indent="-228600" algn="l" defTabSz="457200" rtl="0" eaLnBrk="1" latinLnBrk="0" hangingPunct="1">
+              <a:spcBef>
+                <a:spcPts val="1000"/>
+              </a:spcBef>
+              <a:spcAft>
+                <a:spcPts val="0"/>
+              </a:spcAft>
+              <a:buClr>
+                <a:schemeClr val="accent1"/>
+              </a:buClr>
+              <a:buSzPct val="80000"/>
+              <a:buFont typeface="Wingdings 3" charset="2"/>
+              <a:buChar char=""/>
+              <a:defRPr sz="1200" kern="1200">
+                <a:solidFill>
+                  <a:schemeClr val="tx1">
+                    <a:lumMod val="75000"/>
+                    <a:lumOff val="25000"/>
+                  </a:schemeClr>
+                </a:solidFill>
+                <a:latin typeface="+mn-lt"/>
+                <a:ea typeface="+mn-ea"/>
+                <a:cs typeface="+mn-cs"/>
+              </a:defRPr>
+            </a:lvl9pPr>
+          </a:lstStyle>
+          <a:p>
+            <a:r>
+              <a:rPr lang="en-US" sz="2800" dirty="0"/>
+              <a:t>Should requirements from </a:t>
+            </a:r>
+            <a:r>
+              <a:rPr lang="en-US" sz="2800" dirty="0" err="1"/>
+              <a:t>MoSCow</a:t>
+            </a:r>
+            <a:endParaRPr lang="en-US" sz="2800" dirty="0"/>
+          </a:p>
+          <a:p>
+            <a:pPr lvl="1"/>
+            <a:r>
+              <a:rPr lang="en-US" sz="2600" dirty="0"/>
+              <a:t>Admin users can add performances (this </a:t>
+            </a:r>
+            <a:r>
+              <a:rPr lang="en-US" sz="2600" dirty="0" smtClean="0"/>
+              <a:t>relates </a:t>
+            </a:r>
+            <a:r>
+              <a:rPr lang="en-US" sz="2600" dirty="0"/>
+              <a:t>to the model classes Show and Performance)</a:t>
+            </a:r>
+          </a:p>
+          <a:p>
+            <a:pPr lvl="1"/>
+            <a:r>
+              <a:rPr lang="en-US" sz="2600" dirty="0"/>
+              <a:t>Tickets printed to a file system</a:t>
+            </a:r>
+          </a:p>
+          <a:p>
+            <a:r>
+              <a:rPr lang="en-US" sz="2800" dirty="0" smtClean="0"/>
+              <a:t>Refresh function to enable data to be constantly updated without user input or confirmation of purchase</a:t>
+            </a:r>
+            <a:endParaRPr lang="en-US" sz="2600" dirty="0"/>
+          </a:p>
+          <a:p>
+            <a:r>
+              <a:rPr lang="en-US" sz="2600" dirty="0" smtClean="0"/>
+              <a:t>A GUI to make the User experience nicer</a:t>
+            </a:r>
+            <a:endParaRPr lang="en-US" sz="2800" dirty="0" smtClean="0"/>
+          </a:p>
+        </p:txBody>
+      </p:sp>
+    </p:spTree>
+    <p:extLst>
+      <p:ext uri="{BB962C8B-B14F-4D97-AF65-F5344CB8AC3E}">
+        <p14:creationId xmlns:p14="http://schemas.microsoft.com/office/powerpoint/2010/main" val="1382242794"/>
+      </p:ext>
+    </p:extLst>
+  </p:cSld>
+  <p:clrMapOvr>
+    <a:masterClrMapping/>
+  </p:clrMapOvr>
+</p:sld>
+</file>
+
+<file path=ppt/slides/slide15.xml><?xml version="1.0" encoding="utf-8"?>
+<p:sld xmlns:a="http://schemas.openxmlformats.org/drawingml/2006/main" xmlns:r="http://schemas.openxmlformats.org/officeDocument/2006/relationships" xmlns:p="http://schemas.openxmlformats.org/presentationml/2006/main">
+  <p:cSld>
+    <p:spTree>
+      <p:nvGrpSpPr>
+        <p:cNvPr id="1" name=""/>
+        <p:cNvGrpSpPr/>
+        <p:nvPr/>
+      </p:nvGrpSpPr>
+      <p:grpSpPr>
+        <a:xfrm>
+          <a:off x="0" y="0"/>
+          <a:ext cx="0" cy="0"/>
+          <a:chOff x="0" y="0"/>
+          <a:chExt cx="0" cy="0"/>
+        </a:xfrm>
+      </p:grpSpPr>
+      <p:sp>
+        <p:nvSpPr>
+          <p:cNvPr id="2" name="Title 1"/>
+          <p:cNvSpPr>
+            <a:spLocks noGrp="1"/>
+          </p:cNvSpPr>
+          <p:nvPr>
+            <p:ph type="title"/>
+          </p:nvPr>
+        </p:nvSpPr>
+        <p:spPr>
+          <a:xfrm>
+            <a:off x="2506134" y="1964265"/>
+            <a:ext cx="5892799" cy="2963335"/>
+          </a:xfrm>
+        </p:spPr>
+        <p:txBody>
+          <a:bodyPr>
+            <a:noAutofit/>
+          </a:bodyPr>
+          <a:lstStyle/>
+          <a:p>
+            <a:r>
+              <a:rPr lang="en-US" sz="7200" dirty="0" smtClean="0"/>
+              <a:t>Any Questions?</a:t>
+            </a:r>
+            <a:endParaRPr lang="en-US" sz="7200" dirty="0"/>
+          </a:p>
+        </p:txBody>
+      </p:sp>
+    </p:spTree>
+    <p:extLst>
+      <p:ext uri="{BB962C8B-B14F-4D97-AF65-F5344CB8AC3E}">
+        <p14:creationId xmlns:p14="http://schemas.microsoft.com/office/powerpoint/2010/main" val="1812308550"/>
+      </p:ext>
+    </p:extLst>
+  </p:cSld>
+  <p:clrMapOvr>
+    <a:masterClrMapping/>
+  </p:clrMapOvr>
+</p:sld>
+</file>
+
 <file path=ppt/slides/slide2.xml><?xml version="1.0" encoding="utf-8"?>
 <p:sld xmlns:a="http://schemas.openxmlformats.org/drawingml/2006/main" xmlns:r="http://schemas.openxmlformats.org/officeDocument/2006/relationships" xmlns:p="http://schemas.openxmlformats.org/presentationml/2006/main">
   <p:cSld>
@@ -6252,9 +10189,16 @@
             <p:ph idx="1"/>
           </p:nvPr>
         </p:nvSpPr>
-        <p:spPr/>
-        <p:txBody>
-          <a:bodyPr/>
+        <p:spPr>
+          <a:xfrm>
+            <a:off x="677334" y="1608667"/>
+            <a:ext cx="8596668" cy="4927600"/>
+          </a:xfrm>
+        </p:spPr>
+        <p:txBody>
+          <a:bodyPr>
+            <a:normAutofit/>
+          </a:bodyPr>
           <a:lstStyle/>
           <a:p>
             <a:r>
@@ -6293,12 +10237,8 @@
           <a:p>
             <a:pPr lvl="2"/>
             <a:r>
-              <a:rPr lang="en-US" dirty="0" err="1" smtClean="0"/>
-              <a:t>Organise</a:t>
-            </a:r>
-            <a:r>
               <a:rPr lang="en-US" dirty="0" smtClean="0"/>
-              <a:t> and share schedules</a:t>
+              <a:t>Organise and share schedules</a:t>
             </a:r>
           </a:p>
           <a:p>
@@ -6310,24 +10250,36 @@
           </a:p>
           <a:p>
             <a:r>
+              <a:rPr lang="en-US" dirty="0"/>
+              <a:t>Upon receiving the design specification and Moscow requirements</a:t>
+            </a:r>
+          </a:p>
+          <a:p>
+            <a:pPr lvl="1"/>
+            <a:r>
+              <a:rPr lang="en-US" dirty="0"/>
+              <a:t>Break down the requirements and milestones into concise objectives</a:t>
+            </a:r>
+          </a:p>
+          <a:p>
+            <a:pPr lvl="1"/>
+            <a:r>
+              <a:rPr lang="en-US" dirty="0"/>
+              <a:t>Order objectives into logical steps </a:t>
+            </a:r>
+          </a:p>
+          <a:p>
+            <a:r>
               <a:rPr lang="en-US" dirty="0" smtClean="0"/>
-              <a:t>Upon receiving the design specification and Moscow requirements</a:t>
+              <a:t>Set a design philosophy</a:t>
             </a:r>
           </a:p>
           <a:p>
             <a:pPr lvl="1"/>
             <a:r>
               <a:rPr lang="en-US" dirty="0" smtClean="0"/>
-              <a:t>Break down the requirements and milestones into concise objectives</a:t>
-            </a:r>
-          </a:p>
-          <a:p>
-            <a:pPr lvl="1"/>
-            <a:r>
-              <a:rPr lang="en-US" dirty="0" smtClean="0"/>
-              <a:t>Order objectives into logical steps </a:t>
-            </a:r>
-            <a:endParaRPr lang="en-US" dirty="0"/>
+              <a:t>Design the program to be flexible and adaptable to allow for future updates and expansion</a:t>
+            </a:r>
           </a:p>
         </p:txBody>
       </p:sp>
@@ -6396,116 +10348,136 @@
         </p:nvSpPr>
         <p:spPr>
           <a:xfrm>
-            <a:off x="677334" y="1574801"/>
-            <a:ext cx="8596668" cy="4183061"/>
+            <a:off x="677334" y="1270000"/>
+            <a:ext cx="9499599" cy="5012266"/>
           </a:xfrm>
         </p:spPr>
         <p:txBody>
           <a:bodyPr>
-            <a:normAutofit fontScale="85000" lnSpcReduction="20000"/>
+            <a:normAutofit fontScale="70000" lnSpcReduction="20000"/>
           </a:bodyPr>
           <a:lstStyle/>
           <a:p>
             <a:r>
-              <a:rPr lang="en-US" dirty="0" smtClean="0"/>
+              <a:rPr lang="en-US" sz="2500" dirty="0" smtClean="0"/>
+              <a:t>Identify concerns within the program</a:t>
+            </a:r>
+          </a:p>
+          <a:p>
+            <a:pPr lvl="1"/>
+            <a:r>
+              <a:rPr lang="en-US" sz="2000" dirty="0" smtClean="0"/>
+              <a:t>Things we don’t know</a:t>
+            </a:r>
+          </a:p>
+          <a:p>
+            <a:pPr lvl="1"/>
+            <a:r>
+              <a:rPr lang="en-US" sz="2000" dirty="0" smtClean="0"/>
+              <a:t>Things that might be an issue</a:t>
+            </a:r>
+          </a:p>
+          <a:p>
+            <a:r>
+              <a:rPr lang="en-US" sz="2500" dirty="0" smtClean="0"/>
               <a:t>Design the ERD</a:t>
             </a:r>
           </a:p>
           <a:p>
             <a:pPr lvl="1"/>
             <a:r>
-              <a:rPr lang="en-US" dirty="0"/>
+              <a:rPr lang="en-US" sz="2000" dirty="0"/>
               <a:t>Figure out what data we would want to store based on the specifications</a:t>
             </a:r>
           </a:p>
           <a:p>
             <a:pPr lvl="1"/>
             <a:r>
-              <a:rPr lang="en-US" dirty="0"/>
+              <a:rPr lang="en-US" sz="2000" dirty="0"/>
               <a:t>Go through the ‘</a:t>
             </a:r>
             <a:r>
-              <a:rPr lang="en-US" dirty="0" err="1"/>
+              <a:rPr lang="en-US" sz="2000" dirty="0" err="1"/>
               <a:t>normalisation</a:t>
             </a:r>
             <a:r>
-              <a:rPr lang="en-US" dirty="0"/>
+              <a:rPr lang="en-US" sz="2000" dirty="0"/>
               <a:t>’ process to make the data efficient with as little duplication as possible</a:t>
             </a:r>
           </a:p>
           <a:p>
             <a:pPr lvl="1"/>
             <a:r>
-              <a:rPr lang="en-US" dirty="0"/>
+              <a:rPr lang="en-US" sz="2000" dirty="0"/>
               <a:t>Revisit this as we </a:t>
             </a:r>
             <a:r>
-              <a:rPr lang="en-US" dirty="0" smtClean="0"/>
+              <a:rPr lang="en-US" sz="2000" dirty="0" smtClean="0"/>
               <a:t>progress</a:t>
             </a:r>
           </a:p>
           <a:p>
             <a:r>
-              <a:rPr lang="en-US" dirty="0" smtClean="0"/>
+              <a:rPr lang="en-US" sz="2500" dirty="0" smtClean="0"/>
               <a:t>Design the conversation between the program and the user</a:t>
             </a:r>
           </a:p>
           <a:p>
             <a:pPr lvl="1"/>
             <a:r>
-              <a:rPr lang="en-US" dirty="0" smtClean="0"/>
+              <a:rPr lang="en-US" sz="2000" dirty="0" smtClean="0"/>
               <a:t>How the conversation would develop</a:t>
             </a:r>
           </a:p>
           <a:p>
             <a:r>
-              <a:rPr lang="en-US" dirty="0" smtClean="0"/>
+              <a:rPr lang="en-US" sz="2500" dirty="0" smtClean="0"/>
               <a:t>Design the class diagram</a:t>
             </a:r>
           </a:p>
           <a:p>
             <a:pPr lvl="1"/>
             <a:r>
-              <a:rPr lang="en-US" dirty="0" smtClean="0"/>
+              <a:rPr lang="en-US" sz="2000" dirty="0" smtClean="0"/>
               <a:t>Figure out the main ‘model’ of the Theatre</a:t>
             </a:r>
           </a:p>
           <a:p>
             <a:pPr lvl="2"/>
             <a:r>
-              <a:rPr lang="en-US" dirty="0"/>
+              <a:rPr lang="en-US" sz="2000" dirty="0"/>
               <a:t>Aka ’physical entities’ of the theatre (show, performances, tickets, a checkout/basket</a:t>
             </a:r>
             <a:r>
-              <a:rPr lang="en-US" dirty="0" smtClean="0"/>
+              <a:rPr lang="en-US" sz="2000" dirty="0" smtClean="0"/>
               <a:t>)</a:t>
             </a:r>
           </a:p>
           <a:p>
             <a:pPr lvl="1"/>
             <a:r>
-              <a:rPr lang="en-US" dirty="0" smtClean="0"/>
+              <a:rPr lang="en-US" sz="2000" dirty="0" smtClean="0"/>
               <a:t>The front-end controller and back-end controller</a:t>
             </a:r>
           </a:p>
           <a:p>
             <a:pPr lvl="1"/>
             <a:r>
-              <a:rPr lang="en-US" dirty="0" smtClean="0"/>
+              <a:rPr lang="en-US" sz="2000" dirty="0" smtClean="0"/>
               <a:t>The Database Connection class</a:t>
             </a:r>
           </a:p>
           <a:p>
             <a:pPr lvl="1"/>
             <a:r>
-              <a:rPr lang="en-US" dirty="0" smtClean="0"/>
+              <a:rPr lang="en-US" sz="2000" dirty="0" smtClean="0"/>
               <a:t>Utility classes needed </a:t>
             </a:r>
           </a:p>
           <a:p>
             <a:pPr lvl="2"/>
             <a:r>
-              <a:rPr lang="en-US" dirty="0" smtClean="0"/>
+              <a:rPr lang="en-US" sz="2000" dirty="0" smtClean="0"/>
               <a:t>Classes that will control how we get data such as date/time, how we format certain Strings</a:t>
             </a:r>
           </a:p>
@@ -6537,6 +10509,298 @@
 </file>
 
 <file path=ppt/slides/slide4.xml><?xml version="1.0" encoding="utf-8"?>
+<p:sld xmlns:a="http://schemas.openxmlformats.org/drawingml/2006/main" xmlns:r="http://schemas.openxmlformats.org/officeDocument/2006/relationships" xmlns:p="http://schemas.openxmlformats.org/presentationml/2006/main">
+  <p:cSld>
+    <p:spTree>
+      <p:nvGrpSpPr>
+        <p:cNvPr id="1" name=""/>
+        <p:cNvGrpSpPr/>
+        <p:nvPr/>
+      </p:nvGrpSpPr>
+      <p:grpSpPr>
+        <a:xfrm>
+          <a:off x="0" y="0"/>
+          <a:ext cx="0" cy="0"/>
+          <a:chOff x="0" y="0"/>
+          <a:chExt cx="0" cy="0"/>
+        </a:xfrm>
+      </p:grpSpPr>
+      <p:sp>
+        <p:nvSpPr>
+          <p:cNvPr id="2" name="Title 1"/>
+          <p:cNvSpPr>
+            <a:spLocks noGrp="1"/>
+          </p:cNvSpPr>
+          <p:nvPr>
+            <p:ph type="title"/>
+          </p:nvPr>
+        </p:nvSpPr>
+        <p:spPr/>
+        <p:txBody>
+          <a:bodyPr/>
+          <a:lstStyle/>
+          <a:p>
+            <a:r>
+              <a:rPr lang="en-US" dirty="0" smtClean="0"/>
+              <a:t>SQL Concerns</a:t>
+            </a:r>
+            <a:endParaRPr lang="en-US" dirty="0"/>
+          </a:p>
+        </p:txBody>
+      </p:sp>
+      <p:sp>
+        <p:nvSpPr>
+          <p:cNvPr id="3" name="Content Placeholder 2"/>
+          <p:cNvSpPr>
+            <a:spLocks noGrp="1"/>
+          </p:cNvSpPr>
+          <p:nvPr>
+            <p:ph idx="1"/>
+          </p:nvPr>
+        </p:nvSpPr>
+        <p:spPr>
+          <a:xfrm>
+            <a:off x="677334" y="1320800"/>
+            <a:ext cx="8596668" cy="5333999"/>
+          </a:xfrm>
+        </p:spPr>
+        <p:txBody>
+          <a:bodyPr>
+            <a:noAutofit/>
+          </a:bodyPr>
+          <a:lstStyle/>
+          <a:p>
+            <a:r>
+              <a:rPr lang="en-US" sz="2000" dirty="0" smtClean="0"/>
+              <a:t>Have SQL data stored in the program? Or have data always streamed from the database to allow for the most updated data?</a:t>
+            </a:r>
+          </a:p>
+          <a:p>
+            <a:pPr lvl="1"/>
+            <a:r>
+              <a:rPr lang="en-US" dirty="0" smtClean="0"/>
+              <a:t>Constantly updated data is better to allow for clearer and updated information to be passed to the user</a:t>
+            </a:r>
+            <a:endParaRPr lang="en-US" dirty="0"/>
+          </a:p>
+          <a:p>
+            <a:r>
+              <a:rPr lang="en-US" sz="2000" dirty="0" smtClean="0"/>
+              <a:t>How to get around the issue of multiple users adding tickets to basket?</a:t>
+            </a:r>
+          </a:p>
+          <a:p>
+            <a:pPr lvl="1"/>
+            <a:r>
+              <a:rPr lang="en-US" sz="1800" dirty="0" smtClean="0"/>
+              <a:t>Ideally have a system that changes the database accordingly when a User puts their tickets in their basket</a:t>
+            </a:r>
+          </a:p>
+          <a:p>
+            <a:pPr lvl="2"/>
+            <a:r>
+              <a:rPr lang="en-US" sz="1600" dirty="0"/>
+              <a:t>Though ideal, requires a complex system. Keep it simple for now, add complexity </a:t>
+            </a:r>
+            <a:r>
+              <a:rPr lang="en-US" sz="1600" dirty="0" smtClean="0"/>
+              <a:t>later</a:t>
+            </a:r>
+          </a:p>
+          <a:p>
+            <a:pPr lvl="1"/>
+            <a:r>
+              <a:rPr lang="en-US" sz="1800" dirty="0" smtClean="0"/>
+              <a:t>For now, only insert data into the database when a User has confirmed the payment</a:t>
+            </a:r>
+          </a:p>
+          <a:p>
+            <a:pPr lvl="2"/>
+            <a:r>
+              <a:rPr lang="en-US" sz="1600" dirty="0" smtClean="0"/>
+              <a:t>This does present the problem when multiple users are selecting the same last tickets for their basket</a:t>
+            </a:r>
+          </a:p>
+          <a:p>
+            <a:pPr lvl="2"/>
+            <a:r>
+              <a:rPr lang="en-US" sz="1600" dirty="0" smtClean="0"/>
+              <a:t>Will need updating at a later stage, especially if the application extends to a web program</a:t>
+            </a:r>
+          </a:p>
+        </p:txBody>
+      </p:sp>
+    </p:spTree>
+    <p:extLst>
+      <p:ext uri="{BB962C8B-B14F-4D97-AF65-F5344CB8AC3E}">
+        <p14:creationId xmlns:p14="http://schemas.microsoft.com/office/powerpoint/2010/main" val="636321967"/>
+      </p:ext>
+    </p:extLst>
+  </p:cSld>
+  <p:clrMapOvr>
+    <a:masterClrMapping/>
+  </p:clrMapOvr>
+  <p:timing>
+    <p:tnLst>
+      <p:par>
+        <p:cTn id="1" dur="indefinite" restart="never" nodeType="tmRoot"/>
+      </p:par>
+    </p:tnLst>
+  </p:timing>
+</p:sld>
+</file>
+
+<file path=ppt/slides/slide5.xml><?xml version="1.0" encoding="utf-8"?>
+<p:sld xmlns:a="http://schemas.openxmlformats.org/drawingml/2006/main" xmlns:r="http://schemas.openxmlformats.org/officeDocument/2006/relationships" xmlns:p="http://schemas.openxmlformats.org/presentationml/2006/main">
+  <p:cSld>
+    <p:spTree>
+      <p:nvGrpSpPr>
+        <p:cNvPr id="1" name=""/>
+        <p:cNvGrpSpPr/>
+        <p:nvPr/>
+      </p:nvGrpSpPr>
+      <p:grpSpPr>
+        <a:xfrm>
+          <a:off x="0" y="0"/>
+          <a:ext cx="0" cy="0"/>
+          <a:chOff x="0" y="0"/>
+          <a:chExt cx="0" cy="0"/>
+        </a:xfrm>
+      </p:grpSpPr>
+      <p:sp>
+        <p:nvSpPr>
+          <p:cNvPr id="2" name="Title 1"/>
+          <p:cNvSpPr>
+            <a:spLocks noGrp="1"/>
+          </p:cNvSpPr>
+          <p:nvPr>
+            <p:ph type="title"/>
+          </p:nvPr>
+        </p:nvSpPr>
+        <p:spPr/>
+        <p:txBody>
+          <a:bodyPr/>
+          <a:lstStyle/>
+          <a:p>
+            <a:r>
+              <a:rPr lang="en-US" dirty="0" smtClean="0"/>
+              <a:t>Application / Java concerns</a:t>
+            </a:r>
+            <a:endParaRPr lang="en-US" dirty="0"/>
+          </a:p>
+        </p:txBody>
+      </p:sp>
+      <p:sp>
+        <p:nvSpPr>
+          <p:cNvPr id="3" name="Content Placeholder 2"/>
+          <p:cNvSpPr>
+            <a:spLocks noGrp="1"/>
+          </p:cNvSpPr>
+          <p:nvPr>
+            <p:ph idx="1"/>
+          </p:nvPr>
+        </p:nvSpPr>
+        <p:spPr>
+          <a:xfrm>
+            <a:off x="524933" y="1676401"/>
+            <a:ext cx="8749069" cy="4622800"/>
+          </a:xfrm>
+        </p:spPr>
+        <p:txBody>
+          <a:bodyPr>
+            <a:normAutofit/>
+          </a:bodyPr>
+          <a:lstStyle/>
+          <a:p>
+            <a:r>
+              <a:rPr lang="en-US" sz="2800" dirty="0" smtClean="0"/>
+              <a:t>How to get time/date data in Java?</a:t>
+            </a:r>
+          </a:p>
+          <a:p>
+            <a:pPr lvl="1"/>
+            <a:r>
+              <a:rPr lang="en-US" sz="2600" dirty="0" smtClean="0"/>
+              <a:t>Timestamp/Data/</a:t>
+            </a:r>
+            <a:r>
+              <a:rPr lang="en-US" sz="2600" dirty="0" err="1" smtClean="0"/>
+              <a:t>SimpleDateFormat</a:t>
+            </a:r>
+            <a:r>
+              <a:rPr lang="en-US" sz="2600" dirty="0" smtClean="0"/>
+              <a:t>/</a:t>
+            </a:r>
+            <a:r>
+              <a:rPr lang="en-US" sz="2600" dirty="0" err="1" smtClean="0"/>
+              <a:t>LocalDate</a:t>
+            </a:r>
+            <a:endParaRPr lang="en-US" sz="2600" dirty="0" smtClean="0"/>
+          </a:p>
+          <a:p>
+            <a:r>
+              <a:rPr lang="en-US" sz="2800" dirty="0" smtClean="0"/>
+              <a:t>How to validate a Credit Card?	</a:t>
+            </a:r>
+          </a:p>
+          <a:p>
+            <a:pPr lvl="1"/>
+            <a:r>
+              <a:rPr lang="en-US" sz="2600" dirty="0" err="1" smtClean="0"/>
+              <a:t>Luhn</a:t>
+            </a:r>
+            <a:r>
+              <a:rPr lang="en-US" sz="2600" dirty="0" smtClean="0"/>
+              <a:t> algorithm </a:t>
+            </a:r>
+          </a:p>
+          <a:p>
+            <a:r>
+              <a:rPr lang="en-US" sz="2800" dirty="0" smtClean="0"/>
+              <a:t>How to organise the class system within the program to allow references of complex SQL data queries?</a:t>
+            </a:r>
+          </a:p>
+          <a:p>
+            <a:pPr lvl="1"/>
+            <a:r>
+              <a:rPr lang="en-US" sz="2600" dirty="0" smtClean="0"/>
+              <a:t>Establish relationship between DB Connector and </a:t>
+            </a:r>
+            <a:r>
+              <a:rPr lang="en-US" sz="2600" dirty="0" err="1" smtClean="0"/>
+              <a:t>BackEnd</a:t>
+            </a:r>
+            <a:r>
+              <a:rPr lang="en-US" sz="2600" dirty="0" smtClean="0"/>
+              <a:t> Controller</a:t>
+            </a:r>
+          </a:p>
+          <a:p>
+            <a:endParaRPr lang="en-US" dirty="0" smtClean="0"/>
+          </a:p>
+        </p:txBody>
+      </p:sp>
+    </p:spTree>
+    <p:extLst>
+      <p:ext uri="{BB962C8B-B14F-4D97-AF65-F5344CB8AC3E}">
+        <p14:creationId xmlns:p14="http://schemas.microsoft.com/office/powerpoint/2010/main" val="1421322284"/>
+      </p:ext>
+    </p:extLst>
+  </p:cSld>
+  <p:clrMapOvr>
+    <a:masterClrMapping/>
+  </p:clrMapOvr>
+  <p:timing>
+    <p:tnLst>
+      <p:par>
+        <p:cTn id="1" dur="indefinite" restart="never" nodeType="tmRoot"/>
+      </p:par>
+    </p:tnLst>
+  </p:timing>
+</p:sld>
+</file>
+
+<file path=ppt/slides/slide6.xml><?xml version="1.0" encoding="utf-8"?>
 <p:sld xmlns:a="http://schemas.openxmlformats.org/drawingml/2006/main" xmlns:r="http://schemas.openxmlformats.org/officeDocument/2006/relationships" xmlns:p="http://schemas.openxmlformats.org/presentationml/2006/main">
   <p:cSld>
     <p:spTree>
@@ -6624,7 +10888,7 @@
 </p:sld>
 </file>
 
-<file path=ppt/slides/slide5.xml><?xml version="1.0" encoding="utf-8"?>
+<file path=ppt/slides/slide7.xml><?xml version="1.0" encoding="utf-8"?>
 <p:sld xmlns:a="http://schemas.openxmlformats.org/drawingml/2006/main" xmlns:r="http://schemas.openxmlformats.org/officeDocument/2006/relationships" xmlns:p="http://schemas.openxmlformats.org/presentationml/2006/main">
   <p:cSld>
     <p:spTree>
@@ -6712,7 +10976,7 @@
 </p:sld>
 </file>
 
-<file path=ppt/slides/slide6.xml><?xml version="1.0" encoding="utf-8"?>
+<file path=ppt/slides/slide8.xml><?xml version="1.0" encoding="utf-8"?>
 <p:sld xmlns:a="http://schemas.openxmlformats.org/drawingml/2006/main" xmlns:r="http://schemas.openxmlformats.org/officeDocument/2006/relationships" xmlns:p="http://schemas.openxmlformats.org/presentationml/2006/main">
   <p:cSld>
     <p:spTree>
@@ -6806,7 +11070,7 @@
 </p:sld>
 </file>
 
-<file path=ppt/slides/slide7.xml><?xml version="1.0" encoding="utf-8"?>
+<file path=ppt/slides/slide9.xml><?xml version="1.0" encoding="utf-8"?>
 <p:sld xmlns:a="http://schemas.openxmlformats.org/drawingml/2006/main" xmlns:r="http://schemas.openxmlformats.org/officeDocument/2006/relationships" xmlns:p="http://schemas.openxmlformats.org/presentationml/2006/main">
   <p:cSld>
     <p:spTree>
@@ -6840,7 +11104,7 @@
           <a:p>
             <a:r>
               <a:rPr lang="en-US" dirty="0" smtClean="0"/>
-              <a:t>Design philosophy</a:t>
+              <a:t>Meeting with Client</a:t>
             </a:r>
             <a:endParaRPr lang="en-US" dirty="0"/>
           </a:p>
@@ -6849,30 +11113,295 @@
       <p:sp>
         <p:nvSpPr>
           <p:cNvPr id="3" name="Content Placeholder 2"/>
-          <p:cNvSpPr>
-            <a:spLocks noGrp="1"/>
+          <p:cNvSpPr txBox="1">
+            <a:spLocks/>
           </p:cNvSpPr>
-          <p:nvPr>
-            <p:ph idx="1"/>
-          </p:nvPr>
-        </p:nvSpPr>
-        <p:spPr/>
+          <p:nvPr/>
+        </p:nvSpPr>
+        <p:spPr>
+          <a:xfrm>
+            <a:off x="304800" y="1761066"/>
+            <a:ext cx="10464800" cy="5317067"/>
+          </a:xfrm>
+          <a:prstGeom prst="rect">
+            <a:avLst/>
+          </a:prstGeom>
+        </p:spPr>
         <p:txBody>
           <a:bodyPr/>
-          <a:lstStyle/>
-          <a:p>
-            <a:r>
-              <a:rPr lang="en-US" dirty="0" smtClean="0"/>
-              <a:t>Design the program to be </a:t>
-            </a:r>
-            <a:endParaRPr lang="en-US" dirty="0"/>
+          <a:lstStyle>
+            <a:lvl1pPr marL="342900" indent="-342900" algn="l" defTabSz="457200" rtl="0" eaLnBrk="1" latinLnBrk="0" hangingPunct="1">
+              <a:spcBef>
+                <a:spcPts val="1000"/>
+              </a:spcBef>
+              <a:spcAft>
+                <a:spcPts val="0"/>
+              </a:spcAft>
+              <a:buClr>
+                <a:schemeClr val="accent1"/>
+              </a:buClr>
+              <a:buSzPct val="80000"/>
+              <a:buFont typeface="Wingdings 3" charset="2"/>
+              <a:buChar char=""/>
+              <a:defRPr sz="1800" kern="1200">
+                <a:solidFill>
+                  <a:schemeClr val="tx1">
+                    <a:lumMod val="75000"/>
+                    <a:lumOff val="25000"/>
+                  </a:schemeClr>
+                </a:solidFill>
+                <a:latin typeface="+mn-lt"/>
+                <a:ea typeface="+mn-ea"/>
+                <a:cs typeface="+mn-cs"/>
+              </a:defRPr>
+            </a:lvl1pPr>
+            <a:lvl2pPr marL="742950" indent="-285750" algn="l" defTabSz="457200" rtl="0" eaLnBrk="1" latinLnBrk="0" hangingPunct="1">
+              <a:spcBef>
+                <a:spcPts val="1000"/>
+              </a:spcBef>
+              <a:spcAft>
+                <a:spcPts val="0"/>
+              </a:spcAft>
+              <a:buClr>
+                <a:schemeClr val="accent1"/>
+              </a:buClr>
+              <a:buSzPct val="80000"/>
+              <a:buFont typeface="Wingdings 3" charset="2"/>
+              <a:buChar char=""/>
+              <a:defRPr sz="1600" kern="1200">
+                <a:solidFill>
+                  <a:schemeClr val="tx1">
+                    <a:lumMod val="75000"/>
+                    <a:lumOff val="25000"/>
+                  </a:schemeClr>
+                </a:solidFill>
+                <a:latin typeface="+mn-lt"/>
+                <a:ea typeface="+mn-ea"/>
+                <a:cs typeface="+mn-cs"/>
+              </a:defRPr>
+            </a:lvl2pPr>
+            <a:lvl3pPr marL="1143000" indent="-228600" algn="l" defTabSz="457200" rtl="0" eaLnBrk="1" latinLnBrk="0" hangingPunct="1">
+              <a:spcBef>
+                <a:spcPts val="1000"/>
+              </a:spcBef>
+              <a:spcAft>
+                <a:spcPts val="0"/>
+              </a:spcAft>
+              <a:buClr>
+                <a:schemeClr val="accent1"/>
+              </a:buClr>
+              <a:buSzPct val="80000"/>
+              <a:buFont typeface="Wingdings 3" charset="2"/>
+              <a:buChar char=""/>
+              <a:defRPr sz="1400" kern="1200">
+                <a:solidFill>
+                  <a:schemeClr val="tx1">
+                    <a:lumMod val="75000"/>
+                    <a:lumOff val="25000"/>
+                  </a:schemeClr>
+                </a:solidFill>
+                <a:latin typeface="+mn-lt"/>
+                <a:ea typeface="+mn-ea"/>
+                <a:cs typeface="+mn-cs"/>
+              </a:defRPr>
+            </a:lvl3pPr>
+            <a:lvl4pPr marL="1600200" indent="-228600" algn="l" defTabSz="457200" rtl="0" eaLnBrk="1" latinLnBrk="0" hangingPunct="1">
+              <a:spcBef>
+                <a:spcPts val="1000"/>
+              </a:spcBef>
+              <a:spcAft>
+                <a:spcPts val="0"/>
+              </a:spcAft>
+              <a:buClr>
+                <a:schemeClr val="accent1"/>
+              </a:buClr>
+              <a:buSzPct val="80000"/>
+              <a:buFont typeface="Wingdings 3" charset="2"/>
+              <a:buChar char=""/>
+              <a:defRPr sz="1200" kern="1200">
+                <a:solidFill>
+                  <a:schemeClr val="tx1">
+                    <a:lumMod val="75000"/>
+                    <a:lumOff val="25000"/>
+                  </a:schemeClr>
+                </a:solidFill>
+                <a:latin typeface="+mn-lt"/>
+                <a:ea typeface="+mn-ea"/>
+                <a:cs typeface="+mn-cs"/>
+              </a:defRPr>
+            </a:lvl4pPr>
+            <a:lvl5pPr marL="2057400" indent="-228600" algn="l" defTabSz="457200" rtl="0" eaLnBrk="1" latinLnBrk="0" hangingPunct="1">
+              <a:spcBef>
+                <a:spcPts val="1000"/>
+              </a:spcBef>
+              <a:spcAft>
+                <a:spcPts val="0"/>
+              </a:spcAft>
+              <a:buClr>
+                <a:schemeClr val="accent1"/>
+              </a:buClr>
+              <a:buSzPct val="80000"/>
+              <a:buFont typeface="Wingdings 3" charset="2"/>
+              <a:buChar char=""/>
+              <a:defRPr sz="1200" kern="1200">
+                <a:solidFill>
+                  <a:schemeClr val="tx1">
+                    <a:lumMod val="75000"/>
+                    <a:lumOff val="25000"/>
+                  </a:schemeClr>
+                </a:solidFill>
+                <a:latin typeface="+mn-lt"/>
+                <a:ea typeface="+mn-ea"/>
+                <a:cs typeface="+mn-cs"/>
+              </a:defRPr>
+            </a:lvl5pPr>
+            <a:lvl6pPr marL="2514600" indent="-228600" algn="l" defTabSz="457200" rtl="0" eaLnBrk="1" latinLnBrk="0" hangingPunct="1">
+              <a:spcBef>
+                <a:spcPts val="1000"/>
+              </a:spcBef>
+              <a:spcAft>
+                <a:spcPts val="0"/>
+              </a:spcAft>
+              <a:buClr>
+                <a:schemeClr val="accent1"/>
+              </a:buClr>
+              <a:buSzPct val="80000"/>
+              <a:buFont typeface="Wingdings 3" charset="2"/>
+              <a:buChar char=""/>
+              <a:defRPr sz="1200" kern="1200">
+                <a:solidFill>
+                  <a:schemeClr val="tx1">
+                    <a:lumMod val="75000"/>
+                    <a:lumOff val="25000"/>
+                  </a:schemeClr>
+                </a:solidFill>
+                <a:latin typeface="+mn-lt"/>
+                <a:ea typeface="+mn-ea"/>
+                <a:cs typeface="+mn-cs"/>
+              </a:defRPr>
+            </a:lvl6pPr>
+            <a:lvl7pPr marL="2971800" indent="-228600" algn="l" defTabSz="457200" rtl="0" eaLnBrk="1" latinLnBrk="0" hangingPunct="1">
+              <a:spcBef>
+                <a:spcPts val="1000"/>
+              </a:spcBef>
+              <a:spcAft>
+                <a:spcPts val="0"/>
+              </a:spcAft>
+              <a:buClr>
+                <a:schemeClr val="accent1"/>
+              </a:buClr>
+              <a:buSzPct val="80000"/>
+              <a:buFont typeface="Wingdings 3" charset="2"/>
+              <a:buChar char=""/>
+              <a:defRPr sz="1200" kern="1200">
+                <a:solidFill>
+                  <a:schemeClr val="tx1">
+                    <a:lumMod val="75000"/>
+                    <a:lumOff val="25000"/>
+                  </a:schemeClr>
+                </a:solidFill>
+                <a:latin typeface="+mn-lt"/>
+                <a:ea typeface="+mn-ea"/>
+                <a:cs typeface="+mn-cs"/>
+              </a:defRPr>
+            </a:lvl7pPr>
+            <a:lvl8pPr marL="3429000" indent="-228600" algn="l" defTabSz="457200" rtl="0" eaLnBrk="1" latinLnBrk="0" hangingPunct="1">
+              <a:spcBef>
+                <a:spcPts val="1000"/>
+              </a:spcBef>
+              <a:spcAft>
+                <a:spcPts val="0"/>
+              </a:spcAft>
+              <a:buClr>
+                <a:schemeClr val="accent1"/>
+              </a:buClr>
+              <a:buSzPct val="80000"/>
+              <a:buFont typeface="Wingdings 3" charset="2"/>
+              <a:buChar char=""/>
+              <a:defRPr sz="1200" kern="1200">
+                <a:solidFill>
+                  <a:schemeClr val="tx1">
+                    <a:lumMod val="75000"/>
+                    <a:lumOff val="25000"/>
+                  </a:schemeClr>
+                </a:solidFill>
+                <a:latin typeface="+mn-lt"/>
+                <a:ea typeface="+mn-ea"/>
+                <a:cs typeface="+mn-cs"/>
+              </a:defRPr>
+            </a:lvl8pPr>
+            <a:lvl9pPr marL="3886200" indent="-228600" algn="l" defTabSz="457200" rtl="0" eaLnBrk="1" latinLnBrk="0" hangingPunct="1">
+              <a:spcBef>
+                <a:spcPts val="1000"/>
+              </a:spcBef>
+              <a:spcAft>
+                <a:spcPts val="0"/>
+              </a:spcAft>
+              <a:buClr>
+                <a:schemeClr val="accent1"/>
+              </a:buClr>
+              <a:buSzPct val="80000"/>
+              <a:buFont typeface="Wingdings 3" charset="2"/>
+              <a:buChar char=""/>
+              <a:defRPr sz="1200" kern="1200">
+                <a:solidFill>
+                  <a:schemeClr val="tx1">
+                    <a:lumMod val="75000"/>
+                    <a:lumOff val="25000"/>
+                  </a:schemeClr>
+                </a:solidFill>
+                <a:latin typeface="+mn-lt"/>
+                <a:ea typeface="+mn-ea"/>
+                <a:cs typeface="+mn-cs"/>
+              </a:defRPr>
+            </a:lvl9pPr>
+          </a:lstStyle>
+          <a:p>
+            <a:r>
+              <a:rPr lang="en-US" sz="2800" dirty="0"/>
+              <a:t>Establishing facts and certain information required</a:t>
+            </a:r>
+          </a:p>
+          <a:p>
+            <a:pPr lvl="1"/>
+            <a:r>
+              <a:rPr lang="en-US" sz="2600" dirty="0"/>
+              <a:t>Getting questions about things we’re not sure about	</a:t>
+            </a:r>
+          </a:p>
+          <a:p>
+            <a:pPr lvl="2"/>
+            <a:r>
+              <a:rPr lang="en-US" sz="2400" dirty="0"/>
+              <a:t>What data they want to see in the report?</a:t>
+            </a:r>
+          </a:p>
+          <a:p>
+            <a:pPr lvl="2"/>
+            <a:r>
+              <a:rPr lang="en-US" sz="2400" dirty="0"/>
+              <a:t>What data may we ask of the customer/user?</a:t>
+            </a:r>
+          </a:p>
+          <a:p>
+            <a:pPr lvl="2"/>
+            <a:r>
+              <a:rPr lang="en-US" sz="2400" dirty="0"/>
+              <a:t>Spoof data for us to base the model on?</a:t>
+            </a:r>
+          </a:p>
+          <a:p>
+            <a:r>
+              <a:rPr lang="en-US" sz="2800" dirty="0" smtClean="0"/>
+              <a:t>Revisit the designs &gt; update designs &gt; ready to program</a:t>
+            </a:r>
           </a:p>
         </p:txBody>
       </p:sp>
     </p:spTree>
     <p:extLst>
       <p:ext uri="{BB962C8B-B14F-4D97-AF65-F5344CB8AC3E}">
-        <p14:creationId xmlns:p14="http://schemas.microsoft.com/office/powerpoint/2010/main" val="636321967"/>
+        <p14:creationId xmlns:p14="http://schemas.microsoft.com/office/powerpoint/2010/main" val="1817766844"/>
       </p:ext>
     </p:extLst>
   </p:cSld>
